--- a/Ada_refresher.pptx
+++ b/Ada_refresher.pptx
@@ -28694,18 +28694,6 @@
           </a:p>
           <a:p>
             <a:r>
-              <a:rPr lang="en-GB" b="1" dirty="0">
-                <a:solidFill>
-                  <a:schemeClr val="tx1">
-                    <a:lumMod val="50000"/>
-                    <a:lumOff val="50000"/>
-                  </a:schemeClr>
-                </a:solidFill>
-                <a:cs typeface="Arial" panose="020B0604020202020204" pitchFamily="34" charset="0"/>
-              </a:rPr>
-              <a:t>a</a:t>
-            </a:r>
-            <a:r>
               <a:rPr lang="en-GB" b="1" dirty="0" smtClean="0">
                 <a:solidFill>
                   <a:schemeClr val="tx1">
@@ -28715,7 +28703,31 @@
                 </a:solidFill>
                 <a:cs typeface="Arial" panose="020B0604020202020204" pitchFamily="34" charset="0"/>
               </a:rPr>
-              <a:t>sh </a:t>
+              <a:t>s</a:t>
+            </a:r>
+            <a:r>
+              <a:rPr lang="en-GB" b="1" smtClean="0">
+                <a:solidFill>
+                  <a:schemeClr val="tx1">
+                    <a:lumMod val="50000"/>
+                    <a:lumOff val="50000"/>
+                  </a:schemeClr>
+                </a:solidFill>
+                <a:cs typeface="Arial" panose="020B0604020202020204" pitchFamily="34" charset="0"/>
+              </a:rPr>
+              <a:t>sh</a:t>
+            </a:r>
+            <a:r>
+              <a:rPr lang="en-GB" b="1" dirty="0" smtClean="0">
+                <a:solidFill>
+                  <a:schemeClr val="tx1">
+                    <a:lumMod val="50000"/>
+                    <a:lumOff val="50000"/>
+                  </a:schemeClr>
+                </a:solidFill>
+                <a:cs typeface="Arial" panose="020B0604020202020204" pitchFamily="34" charset="0"/>
+              </a:rPr>
+              <a:t> </a:t>
             </a:r>
             <a:r>
               <a:rPr lang="en-GB" b="1" dirty="0" err="1" smtClean="0">

--- a/Ada_refresher.pptx
+++ b/Ada_refresher.pptx
@@ -2645,7 +2645,7 @@
           <a:p>
             <a:fld id="{3A946387-3DE6-A047-9929-F7D6E7284C24}" type="datetimeFigureOut">
               <a:rPr lang="en-US" smtClean="0"/>
-              <a:t>12/2/2024</a:t>
+              <a:t>12/4/2024</a:t>
             </a:fld>
             <a:endParaRPr lang="en-US"/>
           </a:p>
@@ -7367,7 +7367,7 @@
           <a:p>
             <a:fld id="{B70B061E-8F2F-D342-BB88-8B219BD1F6BB}" type="datetimeFigureOut">
               <a:rPr lang="en-US" smtClean="0"/>
-              <a:t>12/2/2024</a:t>
+              <a:t>12/4/2024</a:t>
             </a:fld>
             <a:endParaRPr lang="en-US"/>
           </a:p>
@@ -7567,7 +7567,7 @@
           <a:p>
             <a:fld id="{B70B061E-8F2F-D342-BB88-8B219BD1F6BB}" type="datetimeFigureOut">
               <a:rPr lang="en-US" smtClean="0"/>
-              <a:t>12/2/2024</a:t>
+              <a:t>12/4/2024</a:t>
             </a:fld>
             <a:endParaRPr lang="en-US"/>
           </a:p>
@@ -7777,7 +7777,7 @@
           <a:p>
             <a:fld id="{B70B061E-8F2F-D342-BB88-8B219BD1F6BB}" type="datetimeFigureOut">
               <a:rPr lang="en-US" smtClean="0"/>
-              <a:t>12/2/2024</a:t>
+              <a:t>12/4/2024</a:t>
             </a:fld>
             <a:endParaRPr lang="en-US"/>
           </a:p>
@@ -7977,7 +7977,7 @@
           <a:p>
             <a:fld id="{B70B061E-8F2F-D342-BB88-8B219BD1F6BB}" type="datetimeFigureOut">
               <a:rPr lang="en-US" smtClean="0"/>
-              <a:t>12/2/2024</a:t>
+              <a:t>12/4/2024</a:t>
             </a:fld>
             <a:endParaRPr lang="en-US"/>
           </a:p>
@@ -8253,7 +8253,7 @@
           <a:p>
             <a:fld id="{B70B061E-8F2F-D342-BB88-8B219BD1F6BB}" type="datetimeFigureOut">
               <a:rPr lang="en-US" smtClean="0"/>
-              <a:t>12/2/2024</a:t>
+              <a:t>12/4/2024</a:t>
             </a:fld>
             <a:endParaRPr lang="en-US"/>
           </a:p>
@@ -8521,7 +8521,7 @@
           <a:p>
             <a:fld id="{B70B061E-8F2F-D342-BB88-8B219BD1F6BB}" type="datetimeFigureOut">
               <a:rPr lang="en-US" smtClean="0"/>
-              <a:t>12/2/2024</a:t>
+              <a:t>12/4/2024</a:t>
             </a:fld>
             <a:endParaRPr lang="en-US"/>
           </a:p>
@@ -8936,7 +8936,7 @@
           <a:p>
             <a:fld id="{B70B061E-8F2F-D342-BB88-8B219BD1F6BB}" type="datetimeFigureOut">
               <a:rPr lang="en-US" smtClean="0"/>
-              <a:t>12/2/2024</a:t>
+              <a:t>12/4/2024</a:t>
             </a:fld>
             <a:endParaRPr lang="en-US"/>
           </a:p>
@@ -9078,7 +9078,7 @@
           <a:p>
             <a:fld id="{B70B061E-8F2F-D342-BB88-8B219BD1F6BB}" type="datetimeFigureOut">
               <a:rPr lang="en-US" smtClean="0"/>
-              <a:t>12/2/2024</a:t>
+              <a:t>12/4/2024</a:t>
             </a:fld>
             <a:endParaRPr lang="en-US"/>
           </a:p>
@@ -9191,7 +9191,7 @@
           <a:p>
             <a:fld id="{B70B061E-8F2F-D342-BB88-8B219BD1F6BB}" type="datetimeFigureOut">
               <a:rPr lang="en-US" smtClean="0"/>
-              <a:t>12/2/2024</a:t>
+              <a:t>12/4/2024</a:t>
             </a:fld>
             <a:endParaRPr lang="en-US"/>
           </a:p>
@@ -9504,7 +9504,7 @@
           <a:p>
             <a:fld id="{B70B061E-8F2F-D342-BB88-8B219BD1F6BB}" type="datetimeFigureOut">
               <a:rPr lang="en-US" smtClean="0"/>
-              <a:t>12/2/2024</a:t>
+              <a:t>12/4/2024</a:t>
             </a:fld>
             <a:endParaRPr lang="en-US"/>
           </a:p>
@@ -9793,7 +9793,7 @@
           <a:p>
             <a:fld id="{B70B061E-8F2F-D342-BB88-8B219BD1F6BB}" type="datetimeFigureOut">
               <a:rPr lang="en-US" smtClean="0"/>
-              <a:t>12/2/2024</a:t>
+              <a:t>12/4/2024</a:t>
             </a:fld>
             <a:endParaRPr lang="en-US"/>
           </a:p>
@@ -10036,7 +10036,7 @@
           <a:p>
             <a:fld id="{B70B061E-8F2F-D342-BB88-8B219BD1F6BB}" type="datetimeFigureOut">
               <a:rPr lang="en-US" smtClean="0"/>
-              <a:t>12/2/2024</a:t>
+              <a:t>12/4/2024</a:t>
             </a:fld>
             <a:endParaRPr lang="en-US"/>
           </a:p>
@@ -10482,30 +10482,12 @@
           <a:lstStyle/>
           <a:p>
             <a:r>
-              <a:rPr lang="en-US" sz="3600" dirty="0" smtClean="0">
-                <a:latin typeface="Arial" panose="020B0604020202020204" pitchFamily="34" charset="0"/>
-                <a:cs typeface="Arial" panose="020B0604020202020204" pitchFamily="34" charset="0"/>
-              </a:rPr>
-              <a:t>Refresher &amp; practical UoN </a:t>
-            </a:r>
-            <a:r>
               <a:rPr lang="en-US" sz="3600" dirty="0">
                 <a:latin typeface="Arial" panose="020B0604020202020204" pitchFamily="34" charset="0"/>
                 <a:cs typeface="Arial" panose="020B0604020202020204" pitchFamily="34" charset="0"/>
               </a:rPr>
-              <a:t>HPC “Ada</a:t>
-            </a:r>
-            <a:r>
-              <a:rPr lang="en-US" sz="3600" dirty="0" smtClean="0">
-                <a:latin typeface="Arial" panose="020B0604020202020204" pitchFamily="34" charset="0"/>
-                <a:cs typeface="Arial" panose="020B0604020202020204" pitchFamily="34" charset="0"/>
-              </a:rPr>
-              <a:t>” session</a:t>
-            </a:r>
-            <a:endParaRPr lang="en-US" sz="3600" dirty="0">
-              <a:latin typeface="Arial" panose="020B0604020202020204" pitchFamily="34" charset="0"/>
-              <a:cs typeface="Arial" panose="020B0604020202020204" pitchFamily="34" charset="0"/>
-            </a:endParaRPr>
+              <a:t>Refresher &amp; practical UoN HPC “Ada” session</a:t>
+            </a:r>
           </a:p>
         </p:txBody>
       </p:sp>
@@ -10539,42 +10521,31 @@
           <a:p>
             <a:pPr algn="ctr"/>
             <a:r>
-              <a:rPr lang="en-US" sz="2400" dirty="0" smtClean="0">
-                <a:latin typeface="Arial" panose="020B0604020202020204" pitchFamily="34" charset="0"/>
-                <a:cs typeface="Arial" panose="020B0604020202020204" pitchFamily="34" charset="0"/>
-              </a:rPr>
-              <a:t>LIFE4137 – individual research projects</a:t>
-            </a:r>
-          </a:p>
-          <a:p>
-            <a:pPr algn="ctr"/>
-            <a:r>
-              <a:rPr lang="en-US" sz="2400" dirty="0" smtClean="0">
-                <a:latin typeface="Arial" panose="020B0604020202020204" pitchFamily="34" charset="0"/>
-                <a:cs typeface="Arial" panose="020B0604020202020204" pitchFamily="34" charset="0"/>
-              </a:rPr>
-              <a:t>(also useful for LIFE4136 group projects)</a:t>
-            </a:r>
-            <a:endParaRPr lang="en-US" sz="2400" dirty="0">
-              <a:latin typeface="Arial" panose="020B0604020202020204" pitchFamily="34" charset="0"/>
-              <a:cs typeface="Arial" panose="020B0604020202020204" pitchFamily="34" charset="0"/>
-            </a:endParaRPr>
-          </a:p>
-          <a:p>
-            <a:pPr algn="ctr"/>
-            <a:r>
-              <a:rPr lang="en-US" sz="2400" dirty="0" smtClean="0">
-                <a:latin typeface="Arial" panose="020B0604020202020204" pitchFamily="34" charset="0"/>
-                <a:cs typeface="Arial" panose="020B0604020202020204" pitchFamily="34" charset="0"/>
-              </a:rPr>
-              <a:t>Laura </a:t>
-            </a:r>
-            <a:r>
               <a:rPr lang="en-US" sz="2400" dirty="0">
                 <a:latin typeface="Arial" panose="020B0604020202020204" pitchFamily="34" charset="0"/>
                 <a:cs typeface="Arial" panose="020B0604020202020204" pitchFamily="34" charset="0"/>
               </a:rPr>
-              <a:t>Dean</a:t>
+              <a:t>LIFE4137 – individual research projects</a:t>
+            </a:r>
+          </a:p>
+          <a:p>
+            <a:pPr algn="ctr"/>
+            <a:r>
+              <a:rPr lang="en-US" sz="2400" dirty="0">
+                <a:latin typeface="Arial" panose="020B0604020202020204" pitchFamily="34" charset="0"/>
+                <a:cs typeface="Arial" panose="020B0604020202020204" pitchFamily="34" charset="0"/>
+              </a:rPr>
+              <a:t>(also useful for LIFE4136 group projects)</a:t>
+            </a:r>
+          </a:p>
+          <a:p>
+            <a:pPr algn="ctr"/>
+            <a:r>
+              <a:rPr lang="en-US" sz="2400" dirty="0">
+                <a:latin typeface="Arial" panose="020B0604020202020204" pitchFamily="34" charset="0"/>
+                <a:cs typeface="Arial" panose="020B0604020202020204" pitchFamily="34" charset="0"/>
+              </a:rPr>
+              <a:t>Laura Dean</a:t>
             </a:r>
           </a:p>
         </p:txBody>
@@ -10660,13 +10631,6 @@
   <p:clrMapOvr>
     <a:masterClrMapping/>
   </p:clrMapOvr>
-  <p:timing>
-    <p:tnLst>
-      <p:par>
-        <p:cTn id="1" dur="indefinite" restart="never" nodeType="tmRoot"/>
-      </p:par>
-    </p:tnLst>
-  </p:timing>
 </p:sld>
 </file>
 
@@ -10816,7 +10780,7 @@
               <a:t> User </a:t>
             </a:r>
             <a:r>
-              <a:rPr lang="en-US" sz="2400" dirty="0" smtClean="0">
+              <a:rPr lang="en-US" sz="2400" dirty="0">
                 <a:solidFill>
                   <a:schemeClr val="accent3"/>
                 </a:solidFill>
@@ -10824,12 +10788,6 @@
               </a:rPr>
               <a:t>username</a:t>
             </a:r>
-            <a:endParaRPr lang="en-US" sz="2400" dirty="0">
-              <a:solidFill>
-                <a:schemeClr val="accent3"/>
-              </a:solidFill>
-              <a:latin typeface="+mj-lt"/>
-            </a:endParaRPr>
           </a:p>
         </p:txBody>
       </p:sp>
@@ -10892,21 +10850,21 @@
               <a:t>The config file is located here: ~/.</a:t>
             </a:r>
             <a:r>
-              <a:rPr lang="en-US" sz="2000" dirty="0" err="1" smtClean="0">
+              <a:rPr lang="en-US" sz="2000" dirty="0" err="1">
                 <a:latin typeface="Arial" panose="020B0604020202020204" pitchFamily="34" charset="0"/>
                 <a:cs typeface="Arial" panose="020B0604020202020204" pitchFamily="34" charset="0"/>
               </a:rPr>
               <a:t>ssh</a:t>
             </a:r>
             <a:r>
-              <a:rPr lang="en-US" sz="2000" dirty="0" smtClean="0">
+              <a:rPr lang="en-US" sz="2000" dirty="0">
                 <a:latin typeface="Arial" panose="020B0604020202020204" pitchFamily="34" charset="0"/>
                 <a:cs typeface="Arial" panose="020B0604020202020204" pitchFamily="34" charset="0"/>
               </a:rPr>
               <a:t>/</a:t>
             </a:r>
             <a:r>
-              <a:rPr lang="en-US" sz="2000" dirty="0" err="1" smtClean="0">
+              <a:rPr lang="en-US" sz="2000" dirty="0" err="1">
                 <a:latin typeface="Arial" panose="020B0604020202020204" pitchFamily="34" charset="0"/>
                 <a:cs typeface="Arial" panose="020B0604020202020204" pitchFamily="34" charset="0"/>
               </a:rPr>
@@ -11006,42 +10964,7 @@
                 <a:latin typeface="Arial" panose="020B0604020202020204" pitchFamily="34" charset="0"/>
                 <a:cs typeface="Arial" panose="020B0604020202020204" pitchFamily="34" charset="0"/>
               </a:rPr>
-              <a:t>After you have created </a:t>
-            </a:r>
-            <a:r>
-              <a:rPr lang="en-US" sz="2000" dirty="0">
-                <a:latin typeface="Arial" panose="020B0604020202020204" pitchFamily="34" charset="0"/>
-                <a:cs typeface="Arial" panose="020B0604020202020204" pitchFamily="34" charset="0"/>
-              </a:rPr>
-              <a:t>a</a:t>
-            </a:r>
-            <a:r>
-              <a:rPr lang="en-US" sz="2000" dirty="0" smtClean="0">
-                <a:latin typeface="Arial" panose="020B0604020202020204" pitchFamily="34" charset="0"/>
-                <a:cs typeface="Arial" panose="020B0604020202020204" pitchFamily="34" charset="0"/>
-              </a:rPr>
-              <a:t> </a:t>
-            </a:r>
-            <a:r>
-              <a:rPr lang="en-US" sz="2000" dirty="0">
-                <a:latin typeface="Arial" panose="020B0604020202020204" pitchFamily="34" charset="0"/>
-                <a:cs typeface="Arial" panose="020B0604020202020204" pitchFamily="34" charset="0"/>
-              </a:rPr>
-              <a:t>config file </a:t>
-            </a:r>
-            <a:r>
-              <a:rPr lang="en-US" sz="2000" dirty="0" smtClean="0">
-                <a:latin typeface="Arial" panose="020B0604020202020204" pitchFamily="34" charset="0"/>
-                <a:cs typeface="Arial" panose="020B0604020202020204" pitchFamily="34" charset="0"/>
-              </a:rPr>
-              <a:t>you can login using </a:t>
-            </a:r>
-            <a:r>
-              <a:rPr lang="en-US" sz="2000" dirty="0">
-                <a:latin typeface="Arial" panose="020B0604020202020204" pitchFamily="34" charset="0"/>
-                <a:cs typeface="Arial" panose="020B0604020202020204" pitchFamily="34" charset="0"/>
-              </a:rPr>
-              <a:t>the command:</a:t>
+              <a:t>After you have created a config file you can login using the command:</a:t>
             </a:r>
           </a:p>
           <a:p>
@@ -11104,14 +11027,7 @@
                 <a:latin typeface="Arial" panose="020B0604020202020204" pitchFamily="34" charset="0"/>
                 <a:cs typeface="Arial" panose="020B0604020202020204" pitchFamily="34" charset="0"/>
               </a:rPr>
-              <a:t>Example config file: (note the spaces, indentation and capitalization, it all matters</a:t>
-            </a:r>
-            <a:r>
-              <a:rPr lang="en-US" sz="1800" dirty="0" smtClean="0">
-                <a:latin typeface="Arial" panose="020B0604020202020204" pitchFamily="34" charset="0"/>
-                <a:cs typeface="Arial" panose="020B0604020202020204" pitchFamily="34" charset="0"/>
-              </a:rPr>
-              <a:t>!)</a:t>
+              <a:t>Example config file: (note the spaces, indentation and capitalization, it all matters!)</a:t>
             </a:r>
             <a:endParaRPr lang="en-US" dirty="0">
               <a:latin typeface="Arial" panose="020B0604020202020204" pitchFamily="34" charset="0"/>
@@ -11130,14 +11046,6 @@
   <p:clrMapOvr>
     <a:masterClrMapping/>
   </p:clrMapOvr>
-  <mc:AlternateContent xmlns:mc="http://schemas.openxmlformats.org/markup-compatibility/2006">
-    <mc:Choice xmlns:p14="http://schemas.microsoft.com/office/powerpoint/2010/main" Requires="p14">
-      <p:transition spd="slow" p14:dur="2000"/>
-    </mc:Choice>
-    <mc:Fallback>
-      <p:transition spd="slow"/>
-    </mc:Fallback>
-  </mc:AlternateContent>
 </p:sld>
 </file>
 
@@ -11193,30 +11101,26 @@
           <a:lstStyle/>
           <a:p>
             <a:r>
-              <a:rPr lang="en-US" sz="3600" dirty="0" smtClean="0">
+              <a:rPr lang="en-US" sz="3600" dirty="0">
                 <a:latin typeface="Arial" panose="020B0604020202020204" pitchFamily="34" charset="0"/>
                 <a:cs typeface="Arial" panose="020B0604020202020204" pitchFamily="34" charset="0"/>
               </a:rPr>
               <a:t>Your </a:t>
             </a:r>
             <a:r>
-              <a:rPr lang="en-US" sz="3600" dirty="0" err="1" smtClean="0">
+              <a:rPr lang="en-US" sz="3600" dirty="0" err="1">
                 <a:latin typeface="Arial" panose="020B0604020202020204" pitchFamily="34" charset="0"/>
                 <a:cs typeface="Arial" panose="020B0604020202020204" pitchFamily="34" charset="0"/>
               </a:rPr>
               <a:t>config</a:t>
             </a:r>
             <a:r>
-              <a:rPr lang="en-US" sz="3600" dirty="0" smtClean="0">
+              <a:rPr lang="en-US" sz="3600" dirty="0">
                 <a:latin typeface="Arial" panose="020B0604020202020204" pitchFamily="34" charset="0"/>
                 <a:cs typeface="Arial" panose="020B0604020202020204" pitchFamily="34" charset="0"/>
               </a:rPr>
               <a:t> file can contain info for many HPCs</a:t>
             </a:r>
-            <a:endParaRPr lang="en-US" sz="3600" dirty="0">
-              <a:latin typeface="Arial" panose="020B0604020202020204" pitchFamily="34" charset="0"/>
-              <a:cs typeface="Arial" panose="020B0604020202020204" pitchFamily="34" charset="0"/>
-            </a:endParaRPr>
           </a:p>
         </p:txBody>
       </p:sp>
@@ -11305,7 +11209,7 @@
               <a:t> User </a:t>
             </a:r>
             <a:r>
-              <a:rPr lang="en-US" dirty="0" err="1" smtClean="0">
+              <a:rPr lang="en-US" dirty="0" err="1">
                 <a:solidFill>
                   <a:schemeClr val="accent3"/>
                 </a:solidFill>
@@ -11313,7 +11217,7 @@
               </a:rPr>
               <a:t>mbzlld</a:t>
             </a:r>
-            <a:endParaRPr lang="en-US" dirty="0" smtClean="0">
+            <a:endParaRPr lang="en-US" dirty="0">
               <a:solidFill>
                 <a:schemeClr val="accent3"/>
               </a:solidFill>
@@ -11326,7 +11230,7 @@
                 <a:spcPct val="150000"/>
               </a:lnSpc>
             </a:pPr>
-            <a:endParaRPr lang="en-US" dirty="0" smtClean="0">
+            <a:endParaRPr lang="en-US" dirty="0">
               <a:solidFill>
                 <a:schemeClr val="accent3"/>
               </a:solidFill>
@@ -11344,7 +11248,7 @@
               <a:t>Host </a:t>
             </a:r>
             <a:r>
-              <a:rPr lang="en-US" dirty="0" err="1" smtClean="0"/>
+              <a:rPr lang="en-US" dirty="0" err="1"/>
               <a:t>cyclecloud</a:t>
             </a:r>
             <a:endParaRPr lang="en-US" dirty="0"/>
@@ -11357,15 +11261,7 @@
             </a:pPr>
             <a:r>
               <a:rPr lang="en-US" dirty="0"/>
-              <a:t> </a:t>
-            </a:r>
-            <a:r>
-              <a:rPr lang="en-US" dirty="0"/>
-              <a:t>Hostname </a:t>
-            </a:r>
-            <a:r>
-              <a:rPr lang="en-US" dirty="0"/>
-              <a:t>10.102.161.12</a:t>
+              <a:t> Hostname 10.102.161.12</a:t>
             </a:r>
           </a:p>
           <a:p>
@@ -11375,15 +11271,11 @@
               </a:lnSpc>
             </a:pPr>
             <a:r>
-              <a:rPr lang="en-US" dirty="0" smtClean="0"/>
-              <a:t> </a:t>
-            </a:r>
-            <a:r>
               <a:rPr lang="en-US" dirty="0"/>
-              <a:t>User </a:t>
-            </a:r>
-            <a:r>
-              <a:rPr lang="en-US" dirty="0" err="1" smtClean="0">
+              <a:t> User </a:t>
+            </a:r>
+            <a:r>
+              <a:rPr lang="en-US" dirty="0" err="1">
                 <a:solidFill>
                   <a:schemeClr val="accent3"/>
                 </a:solidFill>
@@ -11402,7 +11294,7 @@
                 <a:spcPct val="150000"/>
               </a:lnSpc>
             </a:pPr>
-            <a:endParaRPr lang="en-US" dirty="0" smtClean="0">
+            <a:endParaRPr lang="en-US" dirty="0">
               <a:solidFill>
                 <a:schemeClr val="accent3"/>
               </a:solidFill>
@@ -11417,13 +11309,8 @@
             </a:pPr>
             <a:r>
               <a:rPr lang="en-US" dirty="0"/>
-              <a:t>Host </a:t>
-            </a:r>
-            <a:r>
-              <a:rPr lang="en-US" dirty="0" smtClean="0"/>
-              <a:t>archer2</a:t>
-            </a:r>
-            <a:endParaRPr lang="en-US" dirty="0"/>
+              <a:t>Host archer2</a:t>
+            </a:r>
           </a:p>
           <a:p>
             <a:pPr>
@@ -11435,7 +11322,6 @@
               <a:rPr lang="en-US" dirty="0"/>
               <a:t> Hostname 193.62.216.43</a:t>
             </a:r>
-            <a:endParaRPr lang="en-US" dirty="0" smtClean="0"/>
           </a:p>
           <a:p>
             <a:pPr>
@@ -11445,14 +11331,10 @@
             </a:pPr>
             <a:r>
               <a:rPr lang="en-US" dirty="0"/>
-              <a:t> </a:t>
-            </a:r>
-            <a:r>
-              <a:rPr lang="en-US" dirty="0" smtClean="0"/>
-              <a:t>User </a:t>
-            </a:r>
-            <a:r>
-              <a:rPr lang="en-US" dirty="0" err="1" smtClean="0">
+              <a:t> User </a:t>
+            </a:r>
+            <a:r>
+              <a:rPr lang="en-US" dirty="0" err="1">
                 <a:solidFill>
                   <a:schemeClr val="accent3"/>
                 </a:solidFill>
@@ -11561,14 +11443,7 @@
                 <a:latin typeface="Arial" panose="020B0604020202020204" pitchFamily="34" charset="0"/>
                 <a:cs typeface="Arial" panose="020B0604020202020204" pitchFamily="34" charset="0"/>
               </a:rPr>
-              <a:t> </a:t>
-            </a:r>
-            <a:r>
-              <a:rPr lang="en-US" sz="1800" dirty="0" smtClean="0">
-                <a:latin typeface="Arial" panose="020B0604020202020204" pitchFamily="34" charset="0"/>
-                <a:cs typeface="Arial" panose="020B0604020202020204" pitchFamily="34" charset="0"/>
-              </a:rPr>
-              <a:t>file with multiple hosts:</a:t>
+              <a:t> file with multiple hosts:</a:t>
             </a:r>
             <a:endParaRPr lang="en-US" dirty="0">
               <a:latin typeface="Arial" panose="020B0604020202020204" pitchFamily="34" charset="0"/>
@@ -11587,21 +11462,6 @@
   <p:clrMapOvr>
     <a:masterClrMapping/>
   </p:clrMapOvr>
-  <mc:AlternateContent xmlns:mc="http://schemas.openxmlformats.org/markup-compatibility/2006">
-    <mc:Choice xmlns:p14="http://schemas.microsoft.com/office/powerpoint/2010/main" Requires="p14">
-      <p:transition spd="slow" p14:dur="2000"/>
-    </mc:Choice>
-    <mc:Fallback>
-      <p:transition spd="slow"/>
-    </mc:Fallback>
-  </mc:AlternateContent>
-  <p:timing>
-    <p:tnLst>
-      <p:par>
-        <p:cTn id="1" dur="indefinite" restart="never" nodeType="tmRoot"/>
-      </p:par>
-    </p:tnLst>
-  </p:timing>
 </p:sld>
 </file>
 
@@ -12072,13 +11932,6 @@
   <p:clrMapOvr>
     <a:masterClrMapping/>
   </p:clrMapOvr>
-  <p:timing>
-    <p:tnLst>
-      <p:par>
-        <p:cTn id="1" dur="indefinite" restart="never" nodeType="tmRoot"/>
-      </p:par>
-    </p:tnLst>
-  </p:timing>
 </p:sld>
 </file>
 
@@ -12430,16 +12283,12 @@
           </a:lstStyle>
           <a:p>
             <a:r>
-              <a:rPr lang="en-US" sz="3600" dirty="0" smtClean="0">
+              <a:rPr lang="en-US" sz="3600" dirty="0">
                 <a:latin typeface="Arial" panose="020B0604020202020204" pitchFamily="34" charset="0"/>
                 <a:cs typeface="Arial" panose="020B0604020202020204" pitchFamily="34" charset="0"/>
               </a:rPr>
               <a:t>SLURM commands for job submission &amp; monitoring:</a:t>
             </a:r>
-            <a:endParaRPr lang="en-US" sz="3600" dirty="0">
-              <a:latin typeface="Arial" panose="020B0604020202020204" pitchFamily="34" charset="0"/>
-              <a:cs typeface="Arial" panose="020B0604020202020204" pitchFamily="34" charset="0"/>
-            </a:endParaRPr>
           </a:p>
         </p:txBody>
       </p:sp>
@@ -12500,13 +12349,6 @@
   <p:clrMapOvr>
     <a:masterClrMapping/>
   </p:clrMapOvr>
-  <p:timing>
-    <p:tnLst>
-      <p:par>
-        <p:cTn id="1" dur="indefinite" restart="never" nodeType="tmRoot"/>
-      </p:par>
-    </p:tnLst>
-  </p:timing>
 </p:sld>
 </file>
 
@@ -12983,13 +12825,6 @@
   <p:clrMapOvr>
     <a:masterClrMapping/>
   </p:clrMapOvr>
-  <p:timing>
-    <p:tnLst>
-      <p:par>
-        <p:cTn id="1" dur="indefinite" restart="never" nodeType="tmRoot"/>
-      </p:par>
-    </p:tnLst>
-  </p:timing>
 </p:sld>
 </file>
 
@@ -13500,13 +13335,6 @@
   <p:clrMapOvr>
     <a:masterClrMapping/>
   </p:clrMapOvr>
-  <p:timing>
-    <p:tnLst>
-      <p:par>
-        <p:cTn id="1" dur="indefinite" restart="never" nodeType="tmRoot"/>
-      </p:par>
-    </p:tnLst>
-  </p:timing>
 </p:sld>
 </file>
 
@@ -14099,13 +13927,6 @@
   <p:clrMapOvr>
     <a:masterClrMapping/>
   </p:clrMapOvr>
-  <p:timing>
-    <p:tnLst>
-      <p:par>
-        <p:cTn id="1" dur="indefinite" restart="never" nodeType="tmRoot"/>
-      </p:par>
-    </p:tnLst>
-  </p:timing>
 </p:sld>
 </file>
 
@@ -14743,13 +14564,6 @@
   <p:clrMapOvr>
     <a:masterClrMapping/>
   </p:clrMapOvr>
-  <p:timing>
-    <p:tnLst>
-      <p:par>
-        <p:cTn id="1" dur="indefinite" restart="never" nodeType="tmRoot"/>
-      </p:par>
-    </p:tnLst>
-  </p:timing>
 </p:sld>
 </file>
 
@@ -15401,13 +15215,6 @@
   <p:clrMapOvr>
     <a:masterClrMapping/>
   </p:clrMapOvr>
-  <p:timing>
-    <p:tnLst>
-      <p:par>
-        <p:cTn id="1" dur="indefinite" restart="never" nodeType="tmRoot"/>
-      </p:par>
-    </p:tnLst>
-  </p:timing>
 </p:sld>
 </file>
 
@@ -16074,13 +15881,6 @@
   <p:clrMapOvr>
     <a:masterClrMapping/>
   </p:clrMapOvr>
-  <p:timing>
-    <p:tnLst>
-      <p:par>
-        <p:cTn id="1" dur="indefinite" restart="never" nodeType="tmRoot"/>
-      </p:par>
-    </p:tnLst>
-  </p:timing>
 </p:sld>
 </file>
 
@@ -16181,32 +15981,11 @@
               <a:buChar char="•"/>
             </a:pPr>
             <a:r>
-              <a:rPr lang="en-US" sz="2400" dirty="0" smtClean="0">
-                <a:latin typeface="Arial" panose="020B0604020202020204" pitchFamily="34" charset="0"/>
-                <a:cs typeface="Arial" panose="020B0604020202020204" pitchFamily="34" charset="0"/>
-              </a:rPr>
-              <a:t>Remind </a:t>
-            </a:r>
-            <a:r>
-              <a:rPr lang="en-US" sz="2400" dirty="0" smtClean="0">
-                <a:latin typeface="Arial" panose="020B0604020202020204" pitchFamily="34" charset="0"/>
-                <a:cs typeface="Arial" panose="020B0604020202020204" pitchFamily="34" charset="0"/>
-              </a:rPr>
-              <a:t>ourselves</a:t>
-            </a:r>
-            <a:r>
-              <a:rPr lang="en-US" sz="2400" dirty="0" smtClean="0">
-                <a:latin typeface="Arial" panose="020B0604020202020204" pitchFamily="34" charset="0"/>
-                <a:cs typeface="Arial" panose="020B0604020202020204" pitchFamily="34" charset="0"/>
-              </a:rPr>
-              <a:t> </a:t>
-            </a:r>
-            <a:r>
               <a:rPr lang="en-US" sz="2400" dirty="0">
                 <a:latin typeface="Arial" panose="020B0604020202020204" pitchFamily="34" charset="0"/>
                 <a:cs typeface="Arial" panose="020B0604020202020204" pitchFamily="34" charset="0"/>
               </a:rPr>
-              <a:t>what the HPC is and how to use it</a:t>
+              <a:t>Remind ourselves what the HPC is and how to use it</a:t>
             </a:r>
           </a:p>
           <a:p>
@@ -16218,18 +15997,11 @@
               <a:buChar char="•"/>
             </a:pPr>
             <a:r>
-              <a:rPr lang="en-US" sz="2400" dirty="0" smtClean="0">
-                <a:latin typeface="Arial" panose="020B0604020202020204" pitchFamily="34" charset="0"/>
-                <a:cs typeface="Arial" panose="020B0604020202020204" pitchFamily="34" charset="0"/>
-              </a:rPr>
-              <a:t>Practice submitting a </a:t>
-            </a:r>
-            <a:r>
               <a:rPr lang="en-US" sz="2400" dirty="0">
                 <a:latin typeface="Arial" panose="020B0604020202020204" pitchFamily="34" charset="0"/>
                 <a:cs typeface="Arial" panose="020B0604020202020204" pitchFamily="34" charset="0"/>
               </a:rPr>
-              <a:t>job submission script</a:t>
+              <a:t>Practice submitting a job submission script</a:t>
             </a:r>
           </a:p>
           <a:p>
@@ -16241,25 +16013,11 @@
               <a:buChar char="•"/>
             </a:pPr>
             <a:r>
-              <a:rPr lang="en-US" sz="2400" dirty="0" smtClean="0">
-                <a:latin typeface="Arial" panose="020B0604020202020204" pitchFamily="34" charset="0"/>
-                <a:cs typeface="Arial" panose="020B0604020202020204" pitchFamily="34" charset="0"/>
-              </a:rPr>
-              <a:t>Practice</a:t>
-            </a:r>
-            <a:r>
-              <a:rPr lang="en-US" sz="2400" dirty="0" smtClean="0">
-                <a:latin typeface="Arial" panose="020B0604020202020204" pitchFamily="34" charset="0"/>
-                <a:cs typeface="Arial" panose="020B0604020202020204" pitchFamily="34" charset="0"/>
-              </a:rPr>
-              <a:t> running </a:t>
-            </a:r>
-            <a:r>
               <a:rPr lang="en-US" sz="2400" dirty="0">
                 <a:latin typeface="Arial" panose="020B0604020202020204" pitchFamily="34" charset="0"/>
                 <a:cs typeface="Arial" panose="020B0604020202020204" pitchFamily="34" charset="0"/>
               </a:rPr>
-              <a:t>an interactive job</a:t>
+              <a:t>Practice running an interactive job</a:t>
             </a:r>
           </a:p>
           <a:p>
@@ -16271,39 +16029,11 @@
               <a:buChar char="•"/>
             </a:pPr>
             <a:r>
-              <a:rPr lang="en-US" sz="2400" dirty="0" smtClean="0">
-                <a:latin typeface="Arial" panose="020B0604020202020204" pitchFamily="34" charset="0"/>
-                <a:cs typeface="Arial" panose="020B0604020202020204" pitchFamily="34" charset="0"/>
-              </a:rPr>
-              <a:t>Practice accessing </a:t>
-            </a:r>
-            <a:r>
               <a:rPr lang="en-US" sz="2400" dirty="0">
                 <a:latin typeface="Arial" panose="020B0604020202020204" pitchFamily="34" charset="0"/>
                 <a:cs typeface="Arial" panose="020B0604020202020204" pitchFamily="34" charset="0"/>
               </a:rPr>
-              <a:t>software </a:t>
-            </a:r>
-            <a:r>
-              <a:rPr lang="en-US" sz="2400" dirty="0" smtClean="0">
-                <a:latin typeface="Arial" panose="020B0604020202020204" pitchFamily="34" charset="0"/>
-                <a:cs typeface="Arial" panose="020B0604020202020204" pitchFamily="34" charset="0"/>
-              </a:rPr>
-              <a:t>modules on </a:t>
-            </a:r>
-            <a:r>
-              <a:rPr lang="en-US" sz="2400" dirty="0">
-                <a:latin typeface="Arial" panose="020B0604020202020204" pitchFamily="34" charset="0"/>
-                <a:cs typeface="Arial" panose="020B0604020202020204" pitchFamily="34" charset="0"/>
-              </a:rPr>
-              <a:t>the </a:t>
-            </a:r>
-            <a:r>
-              <a:rPr lang="en-US" sz="2400" dirty="0" smtClean="0">
-                <a:latin typeface="Arial" panose="020B0604020202020204" pitchFamily="34" charset="0"/>
-                <a:cs typeface="Arial" panose="020B0604020202020204" pitchFamily="34" charset="0"/>
-              </a:rPr>
-              <a:t>HPC</a:t>
+              <a:t>Practice accessing software modules on the HPC</a:t>
             </a:r>
           </a:p>
           <a:p>
@@ -16315,30 +16045,26 @@
               <a:buChar char="•"/>
             </a:pPr>
             <a:r>
-              <a:rPr lang="en-US" sz="2400" dirty="0" smtClean="0">
+              <a:rPr lang="en-US" sz="2400" dirty="0">
                 <a:latin typeface="Arial" panose="020B0604020202020204" pitchFamily="34" charset="0"/>
                 <a:cs typeface="Arial" panose="020B0604020202020204" pitchFamily="34" charset="0"/>
               </a:rPr>
               <a:t>Install and practice using </a:t>
             </a:r>
             <a:r>
-              <a:rPr lang="en-US" sz="2400" dirty="0" err="1" smtClean="0">
+              <a:rPr lang="en-US" sz="2400" dirty="0" err="1">
                 <a:latin typeface="Arial" panose="020B0604020202020204" pitchFamily="34" charset="0"/>
                 <a:cs typeface="Arial" panose="020B0604020202020204" pitchFamily="34" charset="0"/>
               </a:rPr>
               <a:t>Conda</a:t>
             </a:r>
             <a:r>
-              <a:rPr lang="en-US" sz="2400" dirty="0" smtClean="0">
+              <a:rPr lang="en-US" sz="2400" dirty="0">
                 <a:latin typeface="Arial" panose="020B0604020202020204" pitchFamily="34" charset="0"/>
                 <a:cs typeface="Arial" panose="020B0604020202020204" pitchFamily="34" charset="0"/>
               </a:rPr>
               <a:t> on the HPC</a:t>
             </a:r>
-            <a:endParaRPr lang="en-US" sz="2400" dirty="0">
-              <a:latin typeface="Arial" panose="020B0604020202020204" pitchFamily="34" charset="0"/>
-              <a:cs typeface="Arial" panose="020B0604020202020204" pitchFamily="34" charset="0"/>
-            </a:endParaRPr>
           </a:p>
           <a:p>
             <a:pPr marL="342900" indent="-342900">
@@ -16349,18 +16075,11 @@
               <a:buChar char="•"/>
             </a:pPr>
             <a:r>
-              <a:rPr lang="en-US" sz="2400" dirty="0" smtClean="0">
-                <a:latin typeface="Arial" panose="020B0604020202020204" pitchFamily="34" charset="0"/>
-                <a:cs typeface="Arial" panose="020B0604020202020204" pitchFamily="34" charset="0"/>
-              </a:rPr>
-              <a:t>Practice copying </a:t>
-            </a:r>
-            <a:r>
               <a:rPr lang="en-US" sz="2400" dirty="0">
                 <a:latin typeface="Arial" panose="020B0604020202020204" pitchFamily="34" charset="0"/>
                 <a:cs typeface="Arial" panose="020B0604020202020204" pitchFamily="34" charset="0"/>
               </a:rPr>
-              <a:t>files between the HPC and your local machine</a:t>
+              <a:t>Practice copying files between the HPC and your local machine</a:t>
             </a:r>
           </a:p>
           <a:p>
@@ -16391,13 +16110,6 @@
   <p:clrMapOvr>
     <a:masterClrMapping/>
   </p:clrMapOvr>
-  <p:timing>
-    <p:tnLst>
-      <p:par>
-        <p:cTn id="1" dur="indefinite" restart="never" nodeType="tmRoot"/>
-      </p:par>
-    </p:tnLst>
-  </p:timing>
 </p:sld>
 </file>
 
@@ -17082,13 +16794,6 @@
   <p:clrMapOvr>
     <a:masterClrMapping/>
   </p:clrMapOvr>
-  <p:timing>
-    <p:tnLst>
-      <p:par>
-        <p:cTn id="1" dur="indefinite" restart="never" nodeType="tmRoot"/>
-      </p:par>
-    </p:tnLst>
-  </p:timing>
 </p:sld>
 </file>
 
@@ -17769,13 +17474,6 @@
   <p:clrMapOvr>
     <a:masterClrMapping/>
   </p:clrMapOvr>
-  <p:timing>
-    <p:tnLst>
-      <p:par>
-        <p:cTn id="1" dur="indefinite" restart="never" nodeType="tmRoot"/>
-      </p:par>
-    </p:tnLst>
-  </p:timing>
 </p:sld>
 </file>
 
@@ -18413,13 +18111,6 @@
   <p:clrMapOvr>
     <a:masterClrMapping/>
   </p:clrMapOvr>
-  <p:timing>
-    <p:tnLst>
-      <p:par>
-        <p:cTn id="1" dur="indefinite" restart="never" nodeType="tmRoot"/>
-      </p:par>
-    </p:tnLst>
-  </p:timing>
 </p:sld>
 </file>
 
@@ -19111,13 +18802,6 @@
   <p:clrMapOvr>
     <a:masterClrMapping/>
   </p:clrMapOvr>
-  <p:timing>
-    <p:tnLst>
-      <p:par>
-        <p:cTn id="1" dur="indefinite" restart="never" nodeType="tmRoot"/>
-      </p:par>
-    </p:tnLst>
-  </p:timing>
 </p:sld>
 </file>
 
@@ -19809,13 +19493,6 @@
   <p:clrMapOvr>
     <a:masterClrMapping/>
   </p:clrMapOvr>
-  <p:timing>
-    <p:tnLst>
-      <p:par>
-        <p:cTn id="1" dur="indefinite" restart="never" nodeType="tmRoot"/>
-      </p:par>
-    </p:tnLst>
-  </p:timing>
 </p:sld>
 </file>
 
@@ -20462,13 +20139,6 @@
   <p:clrMapOvr>
     <a:masterClrMapping/>
   </p:clrMapOvr>
-  <p:timing>
-    <p:tnLst>
-      <p:par>
-        <p:cTn id="1" dur="indefinite" restart="never" nodeType="tmRoot"/>
-      </p:par>
-    </p:tnLst>
-  </p:timing>
 </p:sld>
 </file>
 
@@ -21097,13 +20767,6 @@
   <p:clrMapOvr>
     <a:masterClrMapping/>
   </p:clrMapOvr>
-  <p:timing>
-    <p:tnLst>
-      <p:par>
-        <p:cTn id="1" dur="indefinite" restart="never" nodeType="tmRoot"/>
-      </p:par>
-    </p:tnLst>
-  </p:timing>
 </p:sld>
 </file>
 
@@ -21170,16 +20833,12 @@
           <a:lstStyle/>
           <a:p>
             <a:r>
-              <a:rPr lang="en-US" sz="3600" u="sng" dirty="0" smtClean="0">
+              <a:rPr lang="en-US" sz="3600" u="sng" dirty="0">
                 <a:latin typeface="Arial" panose="020B0604020202020204" pitchFamily="34" charset="0"/>
                 <a:cs typeface="Arial" panose="020B0604020202020204" pitchFamily="34" charset="0"/>
               </a:rPr>
               <a:t>Practical job submission</a:t>
             </a:r>
-            <a:endParaRPr lang="en-US" sz="3600" u="sng" dirty="0">
-              <a:latin typeface="Arial" panose="020B0604020202020204" pitchFamily="34" charset="0"/>
-              <a:cs typeface="Arial" panose="020B0604020202020204" pitchFamily="34" charset="0"/>
-            </a:endParaRPr>
           </a:p>
         </p:txBody>
       </p:sp>
@@ -21231,23 +20890,12 @@
                 </a:lnSpc>
               </a:pPr>
               <a:r>
-                <a:rPr lang="en-US" sz="2000" dirty="0" smtClean="0">
+                <a:rPr lang="en-US" sz="2000" dirty="0">
                   <a:latin typeface="Arial" panose="020B0604020202020204" pitchFamily="34" charset="0"/>
                   <a:cs typeface="Arial" panose="020B0604020202020204" pitchFamily="34" charset="0"/>
                 </a:rPr>
-                <a:t>3. C</a:t>
+                <a:t>3. Clone the following repo:</a:t>
               </a:r>
-              <a:r>
-                <a:rPr lang="en-US" sz="2000" dirty="0" smtClean="0">
-                  <a:latin typeface="Arial" panose="020B0604020202020204" pitchFamily="34" charset="0"/>
-                  <a:cs typeface="Arial" panose="020B0604020202020204" pitchFamily="34" charset="0"/>
-                </a:rPr>
-                <a:t>lone the following repo:</a:t>
-              </a:r>
-              <a:endParaRPr lang="en-US" sz="2000" dirty="0">
-                <a:latin typeface="Arial" panose="020B0604020202020204" pitchFamily="34" charset="0"/>
-                <a:cs typeface="Arial" panose="020B0604020202020204" pitchFamily="34" charset="0"/>
-              </a:endParaRPr>
             </a:p>
           </p:txBody>
         </p:sp>
@@ -21295,44 +20943,8 @@
                   <a:latin typeface="+mj-lt"/>
                   <a:cs typeface="Arial" panose="020B0604020202020204" pitchFamily="34" charset="0"/>
                 </a:rPr>
-                <a:t>g</a:t>
+                <a:t>git clone https://github.com/lldean18/LIFE4137-HPC_practice</a:t>
               </a:r>
-              <a:r>
-                <a:rPr lang="en-US" sz="2000" b="1" dirty="0" smtClean="0">
-                  <a:solidFill>
-                    <a:schemeClr val="tx1">
-                      <a:lumMod val="50000"/>
-                      <a:lumOff val="50000"/>
-                    </a:schemeClr>
-                  </a:solidFill>
-                  <a:latin typeface="+mj-lt"/>
-                  <a:cs typeface="Arial" panose="020B0604020202020204" pitchFamily="34" charset="0"/>
-                </a:rPr>
-                <a:t>it </a:t>
-              </a:r>
-              <a:r>
-                <a:rPr lang="en-US" sz="2000" b="1" dirty="0">
-                  <a:solidFill>
-                    <a:schemeClr val="tx1">
-                      <a:lumMod val="50000"/>
-                      <a:lumOff val="50000"/>
-                    </a:schemeClr>
-                  </a:solidFill>
-                  <a:latin typeface="+mj-lt"/>
-                  <a:cs typeface="Arial" panose="020B0604020202020204" pitchFamily="34" charset="0"/>
-                </a:rPr>
-                <a:t>clone https://github.com/lldean18/LIFE4137-HPC_practice</a:t>
-              </a:r>
-              <a:endParaRPr lang="en-US" sz="2000" b="1" dirty="0">
-                <a:solidFill>
-                  <a:schemeClr val="tx1">
-                    <a:lumMod val="50000"/>
-                    <a:lumOff val="50000"/>
-                  </a:schemeClr>
-                </a:solidFill>
-                <a:latin typeface="+mj-lt"/>
-                <a:cs typeface="Arial" panose="020B0604020202020204" pitchFamily="34" charset="0"/>
-              </a:endParaRPr>
             </a:p>
           </p:txBody>
         </p:sp>
@@ -21380,37 +20992,26 @@
             <a:lstStyle/>
             <a:p>
               <a:r>
-                <a:rPr lang="en-US" sz="2000" dirty="0" smtClean="0">
+                <a:rPr lang="en-US" sz="2000" dirty="0">
                   <a:latin typeface="Arial" panose="020B0604020202020204" pitchFamily="34" charset="0"/>
                   <a:cs typeface="Arial" panose="020B0604020202020204" pitchFamily="34" charset="0"/>
                 </a:rPr>
                 <a:t>5. Edit the file </a:t>
               </a:r>
               <a:r>
-                <a:rPr lang="en-US" sz="2000" dirty="0" err="1" smtClean="0">
+                <a:rPr lang="en-US" sz="2000" dirty="0" err="1">
                   <a:latin typeface="Arial" panose="020B0604020202020204" pitchFamily="34" charset="0"/>
                   <a:cs typeface="Arial" panose="020B0604020202020204" pitchFamily="34" charset="0"/>
                 </a:rPr>
                 <a:t>job_submission_script.bash</a:t>
               </a:r>
               <a:r>
-                <a:rPr lang="en-US" sz="2000" dirty="0" smtClean="0">
+                <a:rPr lang="en-US" sz="2000" dirty="0">
                   <a:latin typeface="Arial" panose="020B0604020202020204" pitchFamily="34" charset="0"/>
                   <a:cs typeface="Arial" panose="020B0604020202020204" pitchFamily="34" charset="0"/>
                 </a:rPr>
-                <a:t> and substitute USERNAME for your username, read through the script and have a look at what it is doing</a:t>
+                <a:t> and substitute USERNAME for your username, read through the script and have a look at what it is doing:</a:t>
               </a:r>
-              <a:r>
-                <a:rPr lang="en-US" sz="2000" dirty="0" smtClean="0">
-                  <a:latin typeface="Arial" panose="020B0604020202020204" pitchFamily="34" charset="0"/>
-                  <a:cs typeface="Arial" panose="020B0604020202020204" pitchFamily="34" charset="0"/>
-                </a:rPr>
-                <a:t>:</a:t>
-              </a:r>
-              <a:endParaRPr lang="en-US" sz="2000" dirty="0">
-                <a:latin typeface="Arial" panose="020B0604020202020204" pitchFamily="34" charset="0"/>
-                <a:cs typeface="Arial" panose="020B0604020202020204" pitchFamily="34" charset="0"/>
-              </a:endParaRPr>
             </a:p>
           </p:txBody>
         </p:sp>
@@ -21458,23 +21059,10 @@
                   <a:latin typeface="+mj-lt"/>
                   <a:cs typeface="Arial" panose="020B0604020202020204" pitchFamily="34" charset="0"/>
                 </a:rPr>
-                <a:t>n</a:t>
+                <a:t>nano</a:t>
               </a:r>
               <a:r>
-                <a:rPr lang="en-US" sz="2000" b="1" dirty="0" err="1" smtClean="0">
-                  <a:solidFill>
-                    <a:schemeClr val="tx1">
-                      <a:lumMod val="50000"/>
-                      <a:lumOff val="50000"/>
-                    </a:schemeClr>
-                  </a:solidFill>
-                  <a:latin typeface="+mj-lt"/>
-                  <a:cs typeface="Arial" panose="020B0604020202020204" pitchFamily="34" charset="0"/>
-                </a:rPr>
-                <a:t>ano</a:t>
-              </a:r>
-              <a:r>
-                <a:rPr lang="en-US" sz="2000" b="1" dirty="0" smtClean="0">
+                <a:rPr lang="en-US" sz="2000" b="1" dirty="0">
                   <a:solidFill>
                     <a:schemeClr val="tx1">
                       <a:lumMod val="50000"/>
@@ -21487,7 +21075,7 @@
                 <a:t> </a:t>
               </a:r>
               <a:r>
-                <a:rPr lang="en-US" sz="2000" b="1" dirty="0" err="1" smtClean="0">
+                <a:rPr lang="en-US" sz="2000" b="1" dirty="0" err="1">
                   <a:solidFill>
                     <a:schemeClr val="tx1">
                       <a:lumMod val="50000"/>
@@ -21561,16 +21149,12 @@
                 </a:lnSpc>
               </a:pPr>
               <a:r>
-                <a:rPr lang="en-US" sz="2000" dirty="0" smtClean="0">
+                <a:rPr lang="en-US" sz="2000" dirty="0">
                   <a:latin typeface="Arial" panose="020B0604020202020204" pitchFamily="34" charset="0"/>
                   <a:cs typeface="Arial" panose="020B0604020202020204" pitchFamily="34" charset="0"/>
                 </a:rPr>
                 <a:t>4. Move into the repo you cloned, have a look what is in it:</a:t>
               </a:r>
-              <a:endParaRPr lang="en-US" sz="2000" dirty="0">
-                <a:latin typeface="Arial" panose="020B0604020202020204" pitchFamily="34" charset="0"/>
-                <a:cs typeface="Arial" panose="020B0604020202020204" pitchFamily="34" charset="0"/>
-              </a:endParaRPr>
             </a:p>
           </p:txBody>
         </p:sp>
@@ -21613,20 +21197,7 @@
                   <a:latin typeface="+mj-lt"/>
                   <a:cs typeface="Arial" panose="020B0604020202020204" pitchFamily="34" charset="0"/>
                 </a:rPr>
-                <a:t>cd </a:t>
-              </a:r>
-              <a:r>
-                <a:rPr lang="en-US" sz="2000" b="1" dirty="0" smtClean="0">
-                  <a:solidFill>
-                    <a:schemeClr val="tx1">
-                      <a:lumMod val="50000"/>
-                      <a:lumOff val="50000"/>
-                    </a:schemeClr>
-                  </a:solidFill>
-                  <a:latin typeface="+mj-lt"/>
-                  <a:cs typeface="Arial" panose="020B0604020202020204" pitchFamily="34" charset="0"/>
-                </a:rPr>
-                <a:t>~/LIFE4137-HPC_practice</a:t>
+                <a:t>cd ~/LIFE4137-HPC_practice</a:t>
               </a:r>
             </a:p>
             <a:p>
@@ -21641,23 +21212,10 @@
                   <a:latin typeface="+mj-lt"/>
                   <a:cs typeface="Arial" panose="020B0604020202020204" pitchFamily="34" charset="0"/>
                 </a:rPr>
-                <a:t>l</a:t>
+                <a:t>ls -</a:t>
               </a:r>
               <a:r>
-                <a:rPr lang="en-US" sz="2000" b="1" dirty="0" smtClean="0">
-                  <a:solidFill>
-                    <a:schemeClr val="tx1">
-                      <a:lumMod val="50000"/>
-                      <a:lumOff val="50000"/>
-                    </a:schemeClr>
-                  </a:solidFill>
-                  <a:latin typeface="+mj-lt"/>
-                  <a:cs typeface="Arial" panose="020B0604020202020204" pitchFamily="34" charset="0"/>
-                </a:rPr>
-                <a:t>s -</a:t>
-              </a:r>
-              <a:r>
-                <a:rPr lang="en-US" sz="2000" b="1" dirty="0" err="1" smtClean="0">
+                <a:rPr lang="en-US" sz="2000" b="1" dirty="0" err="1">
                   <a:solidFill>
                     <a:schemeClr val="tx1">
                       <a:lumMod val="50000"/>
@@ -21731,16 +21289,12 @@
                 </a:lnSpc>
               </a:pPr>
               <a:r>
-                <a:rPr lang="en-US" sz="2000" dirty="0" smtClean="0">
+                <a:rPr lang="en-US" sz="2000" dirty="0">
                   <a:latin typeface="Arial" panose="020B0604020202020204" pitchFamily="34" charset="0"/>
                   <a:cs typeface="Arial" panose="020B0604020202020204" pitchFamily="34" charset="0"/>
                 </a:rPr>
                 <a:t>2. Open a terminal (Mac) or Ubuntu (Windows) and login to Ada:</a:t>
               </a:r>
-              <a:endParaRPr lang="en-US" sz="2000" dirty="0">
-                <a:latin typeface="Arial" panose="020B0604020202020204" pitchFamily="34" charset="0"/>
-                <a:cs typeface="Arial" panose="020B0604020202020204" pitchFamily="34" charset="0"/>
-              </a:endParaRPr>
             </a:p>
           </p:txBody>
         </p:sp>
@@ -21788,23 +21342,10 @@
                   <a:latin typeface="+mj-lt"/>
                   <a:cs typeface="Arial" panose="020B0604020202020204" pitchFamily="34" charset="0"/>
                 </a:rPr>
-                <a:t>s</a:t>
+                <a:t>ssh</a:t>
               </a:r>
               <a:r>
-                <a:rPr lang="en-US" sz="2000" b="1" dirty="0" err="1" smtClean="0">
-                  <a:solidFill>
-                    <a:schemeClr val="tx1">
-                      <a:lumMod val="50000"/>
-                      <a:lumOff val="50000"/>
-                    </a:schemeClr>
-                  </a:solidFill>
-                  <a:latin typeface="+mj-lt"/>
-                  <a:cs typeface="Arial" panose="020B0604020202020204" pitchFamily="34" charset="0"/>
-                </a:rPr>
-                <a:t>sh</a:t>
-              </a:r>
-              <a:r>
-                <a:rPr lang="en-US" sz="2000" b="1" dirty="0" smtClean="0">
+                <a:rPr lang="en-US" sz="2000" b="1" dirty="0">
                   <a:solidFill>
                     <a:schemeClr val="tx1">
                       <a:lumMod val="50000"/>
@@ -21817,7 +21358,7 @@
                 <a:t> </a:t>
               </a:r>
               <a:r>
-                <a:rPr lang="en-US" sz="2000" b="1" dirty="0" err="1" smtClean="0">
+                <a:rPr lang="en-US" sz="2000" b="1" dirty="0" err="1">
                   <a:solidFill>
                     <a:schemeClr val="tx1">
                       <a:lumMod val="50000"/>
@@ -21865,25 +21406,11 @@
           <a:lstStyle/>
           <a:p>
             <a:r>
-              <a:rPr lang="en-US" sz="2000" dirty="0" smtClean="0">
-                <a:latin typeface="Arial" panose="020B0604020202020204" pitchFamily="34" charset="0"/>
-                <a:cs typeface="Arial" panose="020B0604020202020204" pitchFamily="34" charset="0"/>
-              </a:rPr>
-              <a:t>1. Connect </a:t>
-            </a:r>
-            <a:r>
               <a:rPr lang="en-US" sz="2000" dirty="0">
                 <a:latin typeface="Arial" panose="020B0604020202020204" pitchFamily="34" charset="0"/>
                 <a:cs typeface="Arial" panose="020B0604020202020204" pitchFamily="34" charset="0"/>
               </a:rPr>
-              <a:t>to the </a:t>
-            </a:r>
-            <a:r>
-              <a:rPr lang="en-US" sz="2000" dirty="0" smtClean="0">
-                <a:latin typeface="Arial" panose="020B0604020202020204" pitchFamily="34" charset="0"/>
-                <a:cs typeface="Arial" panose="020B0604020202020204" pitchFamily="34" charset="0"/>
-              </a:rPr>
-              <a:t>VPN</a:t>
+              <a:t>1. Connect to the VPN</a:t>
             </a:r>
             <a:endParaRPr lang="en-GB" sz="2000" dirty="0"/>
           </a:p>
@@ -21899,13 +21426,6 @@
   <p:clrMapOvr>
     <a:masterClrMapping/>
   </p:clrMapOvr>
-  <p:timing>
-    <p:tnLst>
-      <p:par>
-        <p:cTn id="1" dur="indefinite" restart="never" nodeType="tmRoot"/>
-      </p:par>
-    </p:tnLst>
-  </p:timing>
 </p:sld>
 </file>
 
@@ -21972,16 +21492,12 @@
           <a:lstStyle/>
           <a:p>
             <a:r>
-              <a:rPr lang="en-US" sz="3600" u="sng" dirty="0" smtClean="0">
+              <a:rPr lang="en-US" sz="3600" u="sng" dirty="0">
                 <a:latin typeface="Arial" panose="020B0604020202020204" pitchFamily="34" charset="0"/>
                 <a:cs typeface="Arial" panose="020B0604020202020204" pitchFamily="34" charset="0"/>
               </a:rPr>
               <a:t>Practical job submission</a:t>
             </a:r>
-            <a:endParaRPr lang="en-US" sz="3600" u="sng" dirty="0">
-              <a:latin typeface="Arial" panose="020B0604020202020204" pitchFamily="34" charset="0"/>
-              <a:cs typeface="Arial" panose="020B0604020202020204" pitchFamily="34" charset="0"/>
-            </a:endParaRPr>
           </a:p>
         </p:txBody>
       </p:sp>
@@ -22033,23 +21549,12 @@
                 </a:lnSpc>
               </a:pPr>
               <a:r>
-                <a:rPr lang="en-US" sz="2000" dirty="0" smtClean="0">
+                <a:rPr lang="en-US" sz="2000" dirty="0">
                   <a:latin typeface="Arial" panose="020B0604020202020204" pitchFamily="34" charset="0"/>
                   <a:cs typeface="Arial" panose="020B0604020202020204" pitchFamily="34" charset="0"/>
                 </a:rPr>
-                <a:t>7. Check your job in the queue (replace USERNAME with your actual username!)</a:t>
+                <a:t>7. Check your job in the queue (replace USERNAME with your actual username!):</a:t>
               </a:r>
-              <a:r>
-                <a:rPr lang="en-US" sz="2000" dirty="0" smtClean="0">
-                  <a:latin typeface="Arial" panose="020B0604020202020204" pitchFamily="34" charset="0"/>
-                  <a:cs typeface="Arial" panose="020B0604020202020204" pitchFamily="34" charset="0"/>
-                </a:rPr>
-                <a:t>:</a:t>
-              </a:r>
-              <a:endParaRPr lang="en-US" sz="2000" dirty="0">
-                <a:latin typeface="Arial" panose="020B0604020202020204" pitchFamily="34" charset="0"/>
-                <a:cs typeface="Arial" panose="020B0604020202020204" pitchFamily="34" charset="0"/>
-              </a:endParaRPr>
             </a:p>
           </p:txBody>
         </p:sp>
@@ -22097,23 +21602,10 @@
                   <a:latin typeface="+mj-lt"/>
                   <a:cs typeface="Arial" panose="020B0604020202020204" pitchFamily="34" charset="0"/>
                 </a:rPr>
-                <a:t>s</a:t>
+                <a:t>squeue</a:t>
               </a:r>
               <a:r>
-                <a:rPr lang="en-US" sz="2000" b="1" dirty="0" err="1" smtClean="0">
-                  <a:solidFill>
-                    <a:schemeClr val="tx1">
-                      <a:lumMod val="50000"/>
-                      <a:lumOff val="50000"/>
-                    </a:schemeClr>
-                  </a:solidFill>
-                  <a:latin typeface="+mj-lt"/>
-                  <a:cs typeface="Arial" panose="020B0604020202020204" pitchFamily="34" charset="0"/>
-                </a:rPr>
-                <a:t>queue</a:t>
-              </a:r>
-              <a:r>
-                <a:rPr lang="en-US" sz="2000" b="1" dirty="0" smtClean="0">
+                <a:rPr lang="en-US" sz="2000" b="1" dirty="0">
                   <a:solidFill>
                     <a:schemeClr val="tx1">
                       <a:lumMod val="50000"/>
@@ -22125,16 +21617,6 @@
                 </a:rPr>
                 <a:t> –l –u USERNAME</a:t>
               </a:r>
-              <a:endParaRPr lang="en-US" sz="2000" b="1" dirty="0">
-                <a:solidFill>
-                  <a:schemeClr val="tx1">
-                    <a:lumMod val="50000"/>
-                    <a:lumOff val="50000"/>
-                  </a:schemeClr>
-                </a:solidFill>
-                <a:latin typeface="+mj-lt"/>
-                <a:cs typeface="Arial" panose="020B0604020202020204" pitchFamily="34" charset="0"/>
-              </a:endParaRPr>
             </a:p>
           </p:txBody>
         </p:sp>
@@ -22187,23 +21669,12 @@
                 </a:lnSpc>
               </a:pPr>
               <a:r>
-                <a:rPr lang="en-US" sz="2000" dirty="0" smtClean="0">
+                <a:rPr lang="en-US" sz="2000" dirty="0">
                   <a:latin typeface="Arial" panose="020B0604020202020204" pitchFamily="34" charset="0"/>
                   <a:cs typeface="Arial" panose="020B0604020202020204" pitchFamily="34" charset="0"/>
                 </a:rPr>
-                <a:t>6. Submit the job submission script</a:t>
+                <a:t>6. Submit the job submission script:</a:t>
               </a:r>
-              <a:r>
-                <a:rPr lang="en-US" sz="2000" dirty="0" smtClean="0">
-                  <a:latin typeface="Arial" panose="020B0604020202020204" pitchFamily="34" charset="0"/>
-                  <a:cs typeface="Arial" panose="020B0604020202020204" pitchFamily="34" charset="0"/>
-                </a:rPr>
-                <a:t>:</a:t>
-              </a:r>
-              <a:endParaRPr lang="en-US" sz="2000" dirty="0">
-                <a:latin typeface="Arial" panose="020B0604020202020204" pitchFamily="34" charset="0"/>
-                <a:cs typeface="Arial" panose="020B0604020202020204" pitchFamily="34" charset="0"/>
-              </a:endParaRPr>
             </a:p>
           </p:txBody>
         </p:sp>
@@ -22241,7 +21712,7 @@
                 </a:lnSpc>
               </a:pPr>
               <a:r>
-                <a:rPr lang="en-US" sz="2000" b="1" dirty="0" err="1" smtClean="0">
+                <a:rPr lang="en-US" sz="2000" b="1" dirty="0" err="1">
                   <a:solidFill>
                     <a:schemeClr val="tx1">
                       <a:lumMod val="50000"/>
@@ -22254,7 +21725,7 @@
                 <a:t>sbatch</a:t>
               </a:r>
               <a:r>
-                <a:rPr lang="en-US" sz="2000" b="1" dirty="0" smtClean="0">
+                <a:rPr lang="en-US" sz="2000" b="1" dirty="0">
                   <a:solidFill>
                     <a:schemeClr val="tx1">
                       <a:lumMod val="50000"/>
@@ -22267,7 +21738,7 @@
                 <a:t> </a:t>
               </a:r>
               <a:r>
-                <a:rPr lang="en-US" sz="2000" b="1" dirty="0" err="1" smtClean="0">
+                <a:rPr lang="en-US" sz="2000" b="1" dirty="0" err="1">
                   <a:solidFill>
                     <a:schemeClr val="tx1">
                       <a:lumMod val="50000"/>
@@ -22341,23 +21812,12 @@
                 </a:lnSpc>
               </a:pPr>
               <a:r>
-                <a:rPr lang="en-US" sz="2000" dirty="0" smtClean="0">
+                <a:rPr lang="en-US" sz="2000" dirty="0">
                   <a:latin typeface="Arial" panose="020B0604020202020204" pitchFamily="34" charset="0"/>
                   <a:cs typeface="Arial" panose="020B0604020202020204" pitchFamily="34" charset="0"/>
                 </a:rPr>
-                <a:t>8. Check some info about how your job ran after it has completed</a:t>
+                <a:t>8. Check some info about how your job ran after it has completed:</a:t>
               </a:r>
-              <a:r>
-                <a:rPr lang="en-US" sz="2000" dirty="0" smtClean="0">
-                  <a:latin typeface="Arial" panose="020B0604020202020204" pitchFamily="34" charset="0"/>
-                  <a:cs typeface="Arial" panose="020B0604020202020204" pitchFamily="34" charset="0"/>
-                </a:rPr>
-                <a:t>:</a:t>
-              </a:r>
-              <a:endParaRPr lang="en-US" sz="2000" dirty="0">
-                <a:latin typeface="Arial" panose="020B0604020202020204" pitchFamily="34" charset="0"/>
-                <a:cs typeface="Arial" panose="020B0604020202020204" pitchFamily="34" charset="0"/>
-              </a:endParaRPr>
             </a:p>
           </p:txBody>
         </p:sp>
@@ -22395,7 +21855,7 @@
                 </a:lnSpc>
               </a:pPr>
               <a:r>
-                <a:rPr lang="en-US" sz="1700" b="1" dirty="0" smtClean="0">
+                <a:rPr lang="en-US" sz="1700" b="1" dirty="0">
                   <a:solidFill>
                     <a:schemeClr val="tx1">
                       <a:lumMod val="50000"/>
@@ -22405,8 +21865,15 @@
                   <a:latin typeface="+mj-lt"/>
                   <a:cs typeface="Arial" panose="020B0604020202020204" pitchFamily="34" charset="0"/>
                 </a:rPr>
-                <a:t>sacct --format="JobID,JobName,AllocCPUS,State,time,Elapsed,CPUTime,ReqMem,MaxRSS,ExitCode</a:t>
+                <a:t>sacct --format="JobID,JobName,AllocCPUS,State,time,Elapsed,CPUTime,ReqMem,MaxRSS,ExitCode"</a:t>
               </a:r>
+            </a:p>
+            <a:p>
+              <a:pPr>
+                <a:lnSpc>
+                  <a:spcPct val="150000"/>
+                </a:lnSpc>
+              </a:pPr>
               <a:r>
                 <a:rPr lang="en-US" sz="1700" b="1" dirty="0">
                   <a:solidFill>
@@ -22418,38 +21885,8 @@
                   <a:latin typeface="+mj-lt"/>
                   <a:cs typeface="Arial" panose="020B0604020202020204" pitchFamily="34" charset="0"/>
                 </a:rPr>
-                <a:t>"</a:t>
-              </a:r>
-            </a:p>
-            <a:p>
-              <a:pPr>
-                <a:lnSpc>
-                  <a:spcPct val="150000"/>
-                </a:lnSpc>
-              </a:pPr>
-              <a:r>
-                <a:rPr lang="en-US" sz="1700" b="1" dirty="0" smtClean="0">
-                  <a:solidFill>
-                    <a:schemeClr val="tx1">
-                      <a:lumMod val="50000"/>
-                      <a:lumOff val="50000"/>
-                    </a:schemeClr>
-                  </a:solidFill>
-                  <a:latin typeface="+mj-lt"/>
-                  <a:cs typeface="Arial" panose="020B0604020202020204" pitchFamily="34" charset="0"/>
-                </a:rPr>
                 <a:t> </a:t>
               </a:r>
-              <a:endParaRPr lang="en-US" sz="1700" b="1" dirty="0">
-                <a:solidFill>
-                  <a:schemeClr val="tx1">
-                    <a:lumMod val="50000"/>
-                    <a:lumOff val="50000"/>
-                  </a:schemeClr>
-                </a:solidFill>
-                <a:latin typeface="+mj-lt"/>
-                <a:cs typeface="Arial" panose="020B0604020202020204" pitchFamily="34" charset="0"/>
-              </a:endParaRPr>
             </a:p>
           </p:txBody>
         </p:sp>
@@ -22480,42 +21917,21 @@
                 <a:latin typeface="Arial" panose="020B0604020202020204" pitchFamily="34" charset="0"/>
                 <a:cs typeface="Arial" panose="020B0604020202020204" pitchFamily="34" charset="0"/>
               </a:rPr>
-              <a:t>Key things to notice from the </a:t>
-            </a:r>
-            <a:r>
-              <a:rPr lang="en-GB" sz="2000" dirty="0" smtClean="0">
+              <a:t>Key things to notice from the output of the </a:t>
+            </a:r>
+            <a:r>
+              <a:rPr lang="en-GB" sz="2000" dirty="0" err="1">
                 <a:latin typeface="Arial" panose="020B0604020202020204" pitchFamily="34" charset="0"/>
                 <a:cs typeface="Arial" panose="020B0604020202020204" pitchFamily="34" charset="0"/>
               </a:rPr>
-              <a:t>output of the </a:t>
-            </a:r>
-            <a:r>
-              <a:rPr lang="en-GB" sz="2000" dirty="0" err="1" smtClean="0">
-                <a:latin typeface="Arial" panose="020B0604020202020204" pitchFamily="34" charset="0"/>
-                <a:cs typeface="Arial" panose="020B0604020202020204" pitchFamily="34" charset="0"/>
-              </a:rPr>
               <a:t>sacct</a:t>
-            </a:r>
-            <a:r>
-              <a:rPr lang="en-GB" sz="2000" dirty="0" smtClean="0">
-                <a:latin typeface="Arial" panose="020B0604020202020204" pitchFamily="34" charset="0"/>
-                <a:cs typeface="Arial" panose="020B0604020202020204" pitchFamily="34" charset="0"/>
-              </a:rPr>
-              <a:t> </a:t>
             </a:r>
             <a:r>
               <a:rPr lang="en-GB" sz="2000" dirty="0">
                 <a:latin typeface="Arial" panose="020B0604020202020204" pitchFamily="34" charset="0"/>
                 <a:cs typeface="Arial" panose="020B0604020202020204" pitchFamily="34" charset="0"/>
               </a:rPr>
-              <a:t>command</a:t>
-            </a:r>
-            <a:r>
-              <a:rPr lang="en-GB" sz="2000" dirty="0" smtClean="0">
-                <a:latin typeface="Arial" panose="020B0604020202020204" pitchFamily="34" charset="0"/>
-                <a:cs typeface="Arial" panose="020B0604020202020204" pitchFamily="34" charset="0"/>
-              </a:rPr>
-              <a:t>:</a:t>
+              <a:t> command:</a:t>
             </a:r>
           </a:p>
           <a:p>
@@ -22524,25 +21940,11 @@
               <a:buChar char="-"/>
             </a:pPr>
             <a:r>
-              <a:rPr lang="en-GB" sz="2000" dirty="0" smtClean="0">
-                <a:latin typeface="Arial" panose="020B0604020202020204" pitchFamily="34" charset="0"/>
-                <a:cs typeface="Arial" panose="020B0604020202020204" pitchFamily="34" charset="0"/>
-              </a:rPr>
-              <a:t>time </a:t>
-            </a:r>
-            <a:r>
               <a:rPr lang="en-GB" sz="2000" dirty="0">
                 <a:latin typeface="Arial" panose="020B0604020202020204" pitchFamily="34" charset="0"/>
                 <a:cs typeface="Arial" panose="020B0604020202020204" pitchFamily="34" charset="0"/>
               </a:rPr>
-              <a:t>limit vs. elapsed time (how long you gave it vs. how long it actually took</a:t>
-            </a:r>
-            <a:r>
-              <a:rPr lang="en-GB" sz="2000" dirty="0" smtClean="0">
-                <a:latin typeface="Arial" panose="020B0604020202020204" pitchFamily="34" charset="0"/>
-                <a:cs typeface="Arial" panose="020B0604020202020204" pitchFamily="34" charset="0"/>
-              </a:rPr>
-              <a:t>)</a:t>
+              <a:t>time limit vs. elapsed time (how long you gave it vs. how long it actually took)</a:t>
             </a:r>
           </a:p>
           <a:p>
@@ -22551,25 +21953,18 @@
               <a:buChar char="-"/>
             </a:pPr>
             <a:r>
-              <a:rPr lang="en-GB" sz="2000" dirty="0" err="1" smtClean="0">
+              <a:rPr lang="en-GB" sz="2000" dirty="0" err="1">
                 <a:latin typeface="Arial" panose="020B0604020202020204" pitchFamily="34" charset="0"/>
                 <a:cs typeface="Arial" panose="020B0604020202020204" pitchFamily="34" charset="0"/>
               </a:rPr>
               <a:t>CPUTime</a:t>
-            </a:r>
-            <a:r>
-              <a:rPr lang="en-GB" sz="2000" dirty="0" smtClean="0">
-                <a:latin typeface="Arial" panose="020B0604020202020204" pitchFamily="34" charset="0"/>
-                <a:cs typeface="Arial" panose="020B0604020202020204" pitchFamily="34" charset="0"/>
-              </a:rPr>
-              <a:t> </a:t>
             </a:r>
             <a:r>
               <a:rPr lang="en-GB" sz="2000" dirty="0">
                 <a:latin typeface="Arial" panose="020B0604020202020204" pitchFamily="34" charset="0"/>
                 <a:cs typeface="Arial" panose="020B0604020202020204" pitchFamily="34" charset="0"/>
               </a:rPr>
-              <a:t>is time multiplied by number of allocated CPUS (</a:t>
+              <a:t> is time multiplied by number of allocated CPUS (</a:t>
             </a:r>
             <a:r>
               <a:rPr lang="en-GB" sz="2000" dirty="0" err="1">
@@ -22579,7 +21974,7 @@
               <a:t>AllocCPUS</a:t>
             </a:r>
             <a:r>
-              <a:rPr lang="en-GB" sz="2000" dirty="0" smtClean="0">
+              <a:rPr lang="en-GB" sz="2000" dirty="0">
                 <a:latin typeface="Arial" panose="020B0604020202020204" pitchFamily="34" charset="0"/>
                 <a:cs typeface="Arial" panose="020B0604020202020204" pitchFamily="34" charset="0"/>
               </a:rPr>
@@ -22592,18 +21987,11 @@
               <a:buChar char="-"/>
             </a:pPr>
             <a:r>
-              <a:rPr lang="en-GB" sz="2000" dirty="0" smtClean="0">
-                <a:latin typeface="Arial" panose="020B0604020202020204" pitchFamily="34" charset="0"/>
-                <a:cs typeface="Arial" panose="020B0604020202020204" pitchFamily="34" charset="0"/>
-              </a:rPr>
-              <a:t>requested </a:t>
-            </a:r>
-            <a:r>
               <a:rPr lang="en-GB" sz="2000" dirty="0">
                 <a:latin typeface="Arial" panose="020B0604020202020204" pitchFamily="34" charset="0"/>
                 <a:cs typeface="Arial" panose="020B0604020202020204" pitchFamily="34" charset="0"/>
               </a:rPr>
-              <a:t>memory (</a:t>
+              <a:t>requested memory (</a:t>
             </a:r>
             <a:r>
               <a:rPr lang="en-GB" sz="2000" dirty="0" err="1">
@@ -22627,7 +22015,7 @@
               <a:t>MaxRss</a:t>
             </a:r>
             <a:r>
-              <a:rPr lang="en-GB" sz="2000" dirty="0" smtClean="0">
+              <a:rPr lang="en-GB" sz="2000" dirty="0">
                 <a:latin typeface="Arial" panose="020B0604020202020204" pitchFamily="34" charset="0"/>
                 <a:cs typeface="Arial" panose="020B0604020202020204" pitchFamily="34" charset="0"/>
               </a:rPr>
@@ -22640,18 +22028,11 @@
               <a:buChar char="-"/>
             </a:pPr>
             <a:r>
-              <a:rPr lang="en-GB" sz="2000" dirty="0" smtClean="0">
-                <a:latin typeface="Arial" panose="020B0604020202020204" pitchFamily="34" charset="0"/>
-                <a:cs typeface="Arial" panose="020B0604020202020204" pitchFamily="34" charset="0"/>
-              </a:rPr>
-              <a:t>exit </a:t>
-            </a:r>
-            <a:r>
               <a:rPr lang="en-GB" sz="2000" dirty="0">
                 <a:latin typeface="Arial" panose="020B0604020202020204" pitchFamily="34" charset="0"/>
                 <a:cs typeface="Arial" panose="020B0604020202020204" pitchFamily="34" charset="0"/>
               </a:rPr>
-              <a:t>code is 0:0 if the job completed successfully (as far as </a:t>
+              <a:t>exit code is 0:0 if the job completed successfully (as far as </a:t>
             </a:r>
             <a:r>
               <a:rPr lang="en-GB" sz="2000" dirty="0" err="1">
@@ -22718,30 +22099,26 @@
                 </a:lnSpc>
               </a:pPr>
               <a:r>
-                <a:rPr lang="en-US" sz="2000" dirty="0" smtClean="0">
+                <a:rPr lang="en-US" sz="2000" dirty="0">
                   <a:latin typeface="Arial" panose="020B0604020202020204" pitchFamily="34" charset="0"/>
                   <a:cs typeface="Arial" panose="020B0604020202020204" pitchFamily="34" charset="0"/>
                 </a:rPr>
                 <a:t>9. Look at the new files that have been created by running your job, inspect the </a:t>
               </a:r>
               <a:r>
-                <a:rPr lang="en-US" sz="2000" dirty="0" err="1" smtClean="0">
+                <a:rPr lang="en-US" sz="2000" dirty="0" err="1">
                   <a:latin typeface="Arial" panose="020B0604020202020204" pitchFamily="34" charset="0"/>
                   <a:cs typeface="Arial" panose="020B0604020202020204" pitchFamily="34" charset="0"/>
                 </a:rPr>
                 <a:t>slurm</a:t>
               </a:r>
               <a:r>
-                <a:rPr lang="en-US" sz="2000" dirty="0" smtClean="0">
+                <a:rPr lang="en-US" sz="2000" dirty="0">
                   <a:latin typeface="Arial" panose="020B0604020202020204" pitchFamily="34" charset="0"/>
                   <a:cs typeface="Arial" panose="020B0604020202020204" pitchFamily="34" charset="0"/>
                 </a:rPr>
                 <a:t> output script:</a:t>
               </a:r>
-              <a:endParaRPr lang="en-US" sz="2000" dirty="0">
-                <a:latin typeface="Arial" panose="020B0604020202020204" pitchFamily="34" charset="0"/>
-                <a:cs typeface="Arial" panose="020B0604020202020204" pitchFamily="34" charset="0"/>
-              </a:endParaRPr>
             </a:p>
           </p:txBody>
         </p:sp>
@@ -22779,7 +22156,7 @@
                 </a:lnSpc>
               </a:pPr>
               <a:r>
-                <a:rPr lang="en-US" sz="2000" b="1" dirty="0" smtClean="0">
+                <a:rPr lang="en-US" sz="2000" b="1" dirty="0">
                   <a:solidFill>
                     <a:schemeClr val="tx1">
                       <a:lumMod val="50000"/>
@@ -22791,16 +22168,6 @@
                 </a:rPr>
                 <a:t>ls </a:t>
               </a:r>
-              <a:endParaRPr lang="en-US" sz="2000" b="1" dirty="0">
-                <a:solidFill>
-                  <a:schemeClr val="tx1">
-                    <a:lumMod val="50000"/>
-                    <a:lumOff val="50000"/>
-                  </a:schemeClr>
-                </a:solidFill>
-                <a:latin typeface="+mj-lt"/>
-                <a:cs typeface="Arial" panose="020B0604020202020204" pitchFamily="34" charset="0"/>
-              </a:endParaRPr>
             </a:p>
           </p:txBody>
         </p:sp>
@@ -22815,13 +22182,6 @@
   <p:clrMapOvr>
     <a:masterClrMapping/>
   </p:clrMapOvr>
-  <p:timing>
-    <p:tnLst>
-      <p:par>
-        <p:cTn id="1" dur="indefinite" restart="never" nodeType="tmRoot"/>
-      </p:par>
-    </p:tnLst>
-  </p:timing>
 </p:sld>
 </file>
 
@@ -23206,13 +22566,6 @@
   <p:clrMapOvr>
     <a:masterClrMapping/>
   </p:clrMapOvr>
-  <p:timing>
-    <p:tnLst>
-      <p:par>
-        <p:cTn id="1" dur="indefinite" restart="never" nodeType="tmRoot"/>
-      </p:par>
-    </p:tnLst>
-  </p:timing>
 </p:sld>
 </file>
 
@@ -23333,33 +22686,22 @@
                 <a:latin typeface="Arial" panose="020B0604020202020204" pitchFamily="34" charset="0"/>
                 <a:cs typeface="Arial" panose="020B0604020202020204" pitchFamily="34" charset="0"/>
               </a:rPr>
-              <a:t>Connect to it remotely from your </a:t>
-            </a:r>
-            <a:r>
-              <a:rPr lang="en-US" sz="2000" dirty="0" smtClean="0">
+              <a:t>Connect to it remotely from your terminal using </a:t>
+            </a:r>
+            <a:r>
+              <a:rPr lang="en-US" sz="2000" dirty="0" err="1">
                 <a:latin typeface="Arial" panose="020B0604020202020204" pitchFamily="34" charset="0"/>
                 <a:cs typeface="Arial" panose="020B0604020202020204" pitchFamily="34" charset="0"/>
               </a:rPr>
-              <a:t>terminal using </a:t>
-            </a:r>
-            <a:r>
-              <a:rPr lang="en-US" sz="2000" dirty="0" err="1" smtClean="0">
+              <a:t>ssh</a:t>
+            </a:r>
+            <a:r>
+              <a:rPr lang="en-US" sz="2000" dirty="0">
                 <a:latin typeface="Arial" panose="020B0604020202020204" pitchFamily="34" charset="0"/>
                 <a:cs typeface="Arial" panose="020B0604020202020204" pitchFamily="34" charset="0"/>
               </a:rPr>
-              <a:t>ssh</a:t>
-            </a:r>
-            <a:r>
-              <a:rPr lang="en-US" sz="2000" dirty="0" smtClean="0">
-                <a:latin typeface="Arial" panose="020B0604020202020204" pitchFamily="34" charset="0"/>
-                <a:cs typeface="Arial" panose="020B0604020202020204" pitchFamily="34" charset="0"/>
-              </a:rPr>
               <a:t> (secure shell)</a:t>
             </a:r>
-            <a:endParaRPr lang="en-US" sz="2000" dirty="0">
-              <a:latin typeface="Arial" panose="020B0604020202020204" pitchFamily="34" charset="0"/>
-              <a:cs typeface="Arial" panose="020B0604020202020204" pitchFamily="34" charset="0"/>
-            </a:endParaRPr>
           </a:p>
           <a:p>
             <a:pPr marL="285750" indent="-285750">
@@ -23470,13 +22812,6 @@
   <p:clrMapOvr>
     <a:masterClrMapping/>
   </p:clrMapOvr>
-  <p:timing>
-    <p:tnLst>
-      <p:par>
-        <p:cTn id="1" dur="indefinite" restart="never" nodeType="tmRoot"/>
-      </p:par>
-    </p:tnLst>
-  </p:timing>
 </p:sld>
 </file>
 
@@ -24209,13 +23544,6 @@
   <p:clrMapOvr>
     <a:masterClrMapping/>
   </p:clrMapOvr>
-  <p:timing>
-    <p:tnLst>
-      <p:par>
-        <p:cTn id="1" dur="indefinite" restart="never" nodeType="tmRoot"/>
-      </p:par>
-    </p:tnLst>
-  </p:timing>
 </p:sld>
 </file>
 
@@ -24282,23 +23610,12 @@
           <a:lstStyle/>
           <a:p>
             <a:r>
-              <a:rPr lang="en-US" sz="3600" u="sng" dirty="0" smtClean="0">
+              <a:rPr lang="en-US" sz="3600" u="sng" dirty="0">
                 <a:latin typeface="Arial" panose="020B0604020202020204" pitchFamily="34" charset="0"/>
                 <a:cs typeface="Arial" panose="020B0604020202020204" pitchFamily="34" charset="0"/>
               </a:rPr>
-              <a:t>Practical use of </a:t>
-            </a:r>
-            <a:r>
-              <a:rPr lang="en-US" sz="3600" u="sng" dirty="0" smtClean="0">
-                <a:latin typeface="Arial" panose="020B0604020202020204" pitchFamily="34" charset="0"/>
-                <a:cs typeface="Arial" panose="020B0604020202020204" pitchFamily="34" charset="0"/>
-              </a:rPr>
-              <a:t>srun for an interactive session</a:t>
-            </a:r>
-            <a:endParaRPr lang="en-US" sz="3600" u="sng" dirty="0">
-              <a:latin typeface="Arial" panose="020B0604020202020204" pitchFamily="34" charset="0"/>
-              <a:cs typeface="Arial" panose="020B0604020202020204" pitchFamily="34" charset="0"/>
-            </a:endParaRPr>
+              <a:t>Practical use of srun for an interactive session</a:t>
+            </a:r>
           </a:p>
         </p:txBody>
       </p:sp>
@@ -24412,85 +23729,7 @@
                   <a:latin typeface="+mj-lt"/>
                   <a:cs typeface="Arial" panose="020B0604020202020204" pitchFamily="34" charset="0"/>
                 </a:rPr>
-                <a:t>-per-task </a:t>
-              </a:r>
-              <a:r>
-                <a:rPr lang="en-US" sz="2000" b="1" dirty="0" smtClean="0">
-                  <a:solidFill>
-                    <a:schemeClr val="tx1">
-                      <a:lumMod val="50000"/>
-                      <a:lumOff val="50000"/>
-                    </a:schemeClr>
-                  </a:solidFill>
-                  <a:latin typeface="+mj-lt"/>
-                  <a:cs typeface="Arial" panose="020B0604020202020204" pitchFamily="34" charset="0"/>
-                </a:rPr>
-                <a:t>2 </a:t>
-              </a:r>
-              <a:r>
-                <a:rPr lang="en-US" sz="2000" b="1" dirty="0">
-                  <a:solidFill>
-                    <a:schemeClr val="tx1">
-                      <a:lumMod val="50000"/>
-                      <a:lumOff val="50000"/>
-                    </a:schemeClr>
-                  </a:solidFill>
-                  <a:latin typeface="+mj-lt"/>
-                  <a:cs typeface="Arial" panose="020B0604020202020204" pitchFamily="34" charset="0"/>
-                </a:rPr>
-                <a:t>--mem </a:t>
-              </a:r>
-              <a:r>
-                <a:rPr lang="en-US" sz="2000" b="1" dirty="0" smtClean="0">
-                  <a:solidFill>
-                    <a:schemeClr val="tx1">
-                      <a:lumMod val="50000"/>
-                      <a:lumOff val="50000"/>
-                    </a:schemeClr>
-                  </a:solidFill>
-                  <a:latin typeface="+mj-lt"/>
-                  <a:cs typeface="Arial" panose="020B0604020202020204" pitchFamily="34" charset="0"/>
-                </a:rPr>
-                <a:t>10g </a:t>
-              </a:r>
-              <a:r>
-                <a:rPr lang="en-US" sz="2000" b="1" dirty="0">
-                  <a:solidFill>
-                    <a:schemeClr val="tx1">
-                      <a:lumMod val="50000"/>
-                      <a:lumOff val="50000"/>
-                    </a:schemeClr>
-                  </a:solidFill>
-                  <a:latin typeface="+mj-lt"/>
-                  <a:cs typeface="Arial" panose="020B0604020202020204" pitchFamily="34" charset="0"/>
-                </a:rPr>
-                <a:t>--time </a:t>
-              </a:r>
-              <a:r>
-                <a:rPr lang="en-US" sz="2000" b="1" dirty="0" smtClean="0">
-                  <a:solidFill>
-                    <a:schemeClr val="tx1">
-                      <a:lumMod val="50000"/>
-                      <a:lumOff val="50000"/>
-                    </a:schemeClr>
-                  </a:solidFill>
-                  <a:latin typeface="+mj-lt"/>
-                  <a:cs typeface="Arial" panose="020B0604020202020204" pitchFamily="34" charset="0"/>
-                </a:rPr>
-                <a:t>00:20:00 </a:t>
-              </a:r>
-              <a:r>
-                <a:rPr lang="en-US" sz="2000" b="1" dirty="0">
-                  <a:solidFill>
-                    <a:schemeClr val="tx1">
-                      <a:lumMod val="50000"/>
-                      <a:lumOff val="50000"/>
-                    </a:schemeClr>
-                  </a:solidFill>
-                  <a:latin typeface="+mj-lt"/>
-                  <a:cs typeface="Arial" panose="020B0604020202020204" pitchFamily="34" charset="0"/>
-                </a:rPr>
-                <a:t>--</a:t>
+                <a:t>-per-task 2 --mem 10g --time 00:20:00 --</a:t>
               </a:r>
               <a:r>
                 <a:rPr lang="en-US" sz="2000" b="1" dirty="0" err="1">
@@ -24570,42 +23809,13 @@
             <a:p>
               <a:pPr algn="l"/>
               <a:r>
-                <a:rPr lang="en-US" sz="2000" dirty="0" smtClean="0">
-                  <a:latin typeface="Arial" panose="020B0604020202020204" pitchFamily="34" charset="0"/>
-                  <a:ea typeface="+mn-ea"/>
-                  <a:cs typeface="Arial" panose="020B0604020202020204" pitchFamily="34" charset="0"/>
-                </a:rPr>
-                <a:t>1. Use </a:t>
-              </a:r>
-              <a:r>
                 <a:rPr lang="en-US" sz="2000" dirty="0">
                   <a:latin typeface="Arial" panose="020B0604020202020204" pitchFamily="34" charset="0"/>
                   <a:ea typeface="+mn-ea"/>
                   <a:cs typeface="Arial" panose="020B0604020202020204" pitchFamily="34" charset="0"/>
                 </a:rPr>
-                <a:t>this</a:t>
+                <a:t>1. Use this srun command to enter an interactive session:</a:t>
               </a:r>
-              <a:r>
-                <a:rPr lang="en-US" sz="2000" dirty="0">
-                  <a:latin typeface="Arial" panose="020B0604020202020204" pitchFamily="34" charset="0"/>
-                  <a:ea typeface="+mn-ea"/>
-                  <a:cs typeface="Arial" panose="020B0604020202020204" pitchFamily="34" charset="0"/>
-                </a:rPr>
-                <a:t> srun command to enter an interactive </a:t>
-              </a:r>
-              <a:r>
-                <a:rPr lang="en-US" sz="2000" dirty="0" smtClean="0">
-                  <a:latin typeface="Arial" panose="020B0604020202020204" pitchFamily="34" charset="0"/>
-                  <a:ea typeface="+mn-ea"/>
-                  <a:cs typeface="Arial" panose="020B0604020202020204" pitchFamily="34" charset="0"/>
-                </a:rPr>
-                <a:t>session:</a:t>
-              </a:r>
-              <a:endParaRPr lang="en-US" sz="2000" dirty="0">
-                <a:latin typeface="Arial" panose="020B0604020202020204" pitchFamily="34" charset="0"/>
-                <a:ea typeface="+mn-ea"/>
-                <a:cs typeface="Arial" panose="020B0604020202020204" pitchFamily="34" charset="0"/>
-              </a:endParaRPr>
             </a:p>
           </p:txBody>
         </p:sp>
@@ -24658,16 +23868,12 @@
                 </a:lnSpc>
               </a:pPr>
               <a:r>
-                <a:rPr lang="en-US" sz="2000" dirty="0" smtClean="0">
+                <a:rPr lang="en-US" sz="2000" dirty="0">
                   <a:latin typeface="Arial" panose="020B0604020202020204" pitchFamily="34" charset="0"/>
                   <a:cs typeface="Arial" panose="020B0604020202020204" pitchFamily="34" charset="0"/>
                 </a:rPr>
                 <a:t>3. Load software modules we will use:</a:t>
               </a:r>
-              <a:endParaRPr lang="en-US" sz="2000" dirty="0">
-                <a:latin typeface="Arial" panose="020B0604020202020204" pitchFamily="34" charset="0"/>
-                <a:cs typeface="Arial" panose="020B0604020202020204" pitchFamily="34" charset="0"/>
-              </a:endParaRPr>
             </a:p>
           </p:txBody>
         </p:sp>
@@ -24710,23 +23916,10 @@
                   <a:latin typeface="+mj-lt"/>
                   <a:cs typeface="Arial" panose="020B0604020202020204" pitchFamily="34" charset="0"/>
                 </a:rPr>
-                <a:t>module load </a:t>
+                <a:t>module load samtools-</a:t>
               </a:r>
               <a:r>
-                <a:rPr lang="en-US" sz="2000" b="1" dirty="0" smtClean="0">
-                  <a:solidFill>
-                    <a:schemeClr val="tx1">
-                      <a:lumMod val="50000"/>
-                      <a:lumOff val="50000"/>
-                    </a:schemeClr>
-                  </a:solidFill>
-                  <a:latin typeface="+mj-lt"/>
-                  <a:cs typeface="Arial" panose="020B0604020202020204" pitchFamily="34" charset="0"/>
-                </a:rPr>
-                <a:t>samtools-</a:t>
-              </a:r>
-              <a:r>
-                <a:rPr lang="en-US" sz="2000" b="1" dirty="0" err="1" smtClean="0">
+                <a:rPr lang="en-US" sz="2000" b="1" dirty="0" err="1">
                   <a:solidFill>
                     <a:schemeClr val="tx1">
                       <a:lumMod val="50000"/>
@@ -24739,7 +23932,7 @@
                 <a:t>uoneasy</a:t>
               </a:r>
               <a:r>
-                <a:rPr lang="en-US" sz="2000" b="1" dirty="0" smtClean="0">
+                <a:rPr lang="en-US" sz="2000" b="1" dirty="0">
                   <a:solidFill>
                     <a:schemeClr val="tx1">
                       <a:lumMod val="50000"/>
@@ -24754,19 +23947,6 @@
             </a:p>
             <a:p>
               <a:r>
-                <a:rPr lang="en-US" sz="2000" b="1" dirty="0" smtClean="0">
-                  <a:solidFill>
-                    <a:schemeClr val="tx1">
-                      <a:lumMod val="50000"/>
-                      <a:lumOff val="50000"/>
-                    </a:schemeClr>
-                  </a:solidFill>
-                  <a:latin typeface="+mj-lt"/>
-                  <a:cs typeface="Arial" panose="020B0604020202020204" pitchFamily="34" charset="0"/>
-                </a:rPr>
-                <a:t>module </a:t>
-              </a:r>
-              <a:r>
                 <a:rPr lang="en-US" sz="2000" b="1" dirty="0">
                   <a:solidFill>
                     <a:schemeClr val="tx1">
@@ -24777,7 +23957,7 @@
                   <a:latin typeface="+mj-lt"/>
                   <a:cs typeface="Arial" panose="020B0604020202020204" pitchFamily="34" charset="0"/>
                 </a:rPr>
-                <a:t>load </a:t>
+                <a:t>module load </a:t>
               </a:r>
               <a:r>
                 <a:rPr lang="en-US" sz="2000" b="1" dirty="0" err="1">
@@ -24805,16 +23985,6 @@
                 </a:rPr>
                 <a:t>/5.4.8-GCCcore-12.3.0</a:t>
               </a:r>
-              <a:endParaRPr lang="en-US" sz="2000" b="1" dirty="0">
-                <a:solidFill>
-                  <a:schemeClr val="tx1">
-                    <a:lumMod val="50000"/>
-                    <a:lumOff val="50000"/>
-                  </a:schemeClr>
-                </a:solidFill>
-                <a:latin typeface="+mj-lt"/>
-                <a:cs typeface="Arial" panose="020B0604020202020204" pitchFamily="34" charset="0"/>
-              </a:endParaRPr>
             </a:p>
           </p:txBody>
         </p:sp>
@@ -24867,16 +24037,12 @@
                 </a:lnSpc>
               </a:pPr>
               <a:r>
-                <a:rPr lang="en-US" sz="2000" dirty="0" smtClean="0">
+                <a:rPr lang="en-US" sz="2000" dirty="0">
                   <a:latin typeface="Arial" panose="020B0604020202020204" pitchFamily="34" charset="0"/>
                   <a:cs typeface="Arial" panose="020B0604020202020204" pitchFamily="34" charset="0"/>
                 </a:rPr>
                 <a:t>2. Move into the repo you cloned earlier:</a:t>
               </a:r>
-              <a:endParaRPr lang="en-US" sz="2000" dirty="0">
-                <a:latin typeface="Arial" panose="020B0604020202020204" pitchFamily="34" charset="0"/>
-                <a:cs typeface="Arial" panose="020B0604020202020204" pitchFamily="34" charset="0"/>
-              </a:endParaRPr>
             </a:p>
           </p:txBody>
         </p:sp>
@@ -24924,31 +24090,8 @@
                   <a:latin typeface="+mj-lt"/>
                   <a:cs typeface="Arial" panose="020B0604020202020204" pitchFamily="34" charset="0"/>
                 </a:rPr>
-                <a:t>cd </a:t>
+                <a:t>cd ~/LIFE4137-HPC_practice</a:t>
               </a:r>
-              <a:r>
-                <a:rPr lang="en-US" sz="2000" b="1" dirty="0" smtClean="0">
-                  <a:solidFill>
-                    <a:schemeClr val="tx1">
-                      <a:lumMod val="50000"/>
-                      <a:lumOff val="50000"/>
-                    </a:schemeClr>
-                  </a:solidFill>
-                  <a:latin typeface="+mj-lt"/>
-                  <a:cs typeface="Arial" panose="020B0604020202020204" pitchFamily="34" charset="0"/>
-                </a:rPr>
-                <a:t>~/LIFE4137-HPC_practice</a:t>
-              </a:r>
-              <a:endParaRPr lang="en-US" sz="2000" b="1" dirty="0">
-                <a:solidFill>
-                  <a:schemeClr val="tx1">
-                    <a:lumMod val="50000"/>
-                    <a:lumOff val="50000"/>
-                  </a:schemeClr>
-                </a:solidFill>
-                <a:latin typeface="+mj-lt"/>
-                <a:cs typeface="Arial" panose="020B0604020202020204" pitchFamily="34" charset="0"/>
-              </a:endParaRPr>
             </a:p>
           </p:txBody>
         </p:sp>
@@ -25001,16 +24144,12 @@
                 </a:lnSpc>
               </a:pPr>
               <a:r>
-                <a:rPr lang="en-US" sz="2000" dirty="0" smtClean="0">
+                <a:rPr lang="en-US" sz="2000" dirty="0">
                   <a:latin typeface="Arial" panose="020B0604020202020204" pitchFamily="34" charset="0"/>
                   <a:cs typeface="Arial" panose="020B0604020202020204" pitchFamily="34" charset="0"/>
                 </a:rPr>
                 <a:t>5. Create some plots of stats for your bam file:</a:t>
               </a:r>
-              <a:endParaRPr lang="en-US" sz="2000" dirty="0">
-                <a:latin typeface="Arial" panose="020B0604020202020204" pitchFamily="34" charset="0"/>
-                <a:cs typeface="Arial" panose="020B0604020202020204" pitchFamily="34" charset="0"/>
-              </a:endParaRPr>
             </a:p>
           </p:txBody>
         </p:sp>
@@ -25053,36 +24192,10 @@
                   <a:latin typeface="+mj-lt"/>
                   <a:cs typeface="Arial" panose="020B0604020202020204" pitchFamily="34" charset="0"/>
                 </a:rPr>
-                <a:t>s</a:t>
+                <a:t>samtools stats </a:t>
               </a:r>
               <a:r>
-                <a:rPr lang="en-US" sz="2000" b="1" dirty="0" smtClean="0">
-                  <a:solidFill>
-                    <a:schemeClr val="tx1">
-                      <a:lumMod val="50000"/>
-                      <a:lumOff val="50000"/>
-                    </a:schemeClr>
-                  </a:solidFill>
-                  <a:latin typeface="+mj-lt"/>
-                  <a:cs typeface="Arial" panose="020B0604020202020204" pitchFamily="34" charset="0"/>
-                </a:rPr>
-                <a:t>amtools stats</a:t>
-              </a:r>
-              <a:r>
-                <a:rPr lang="en-US" sz="2000" b="1" dirty="0" smtClean="0">
-                  <a:solidFill>
-                    <a:schemeClr val="tx1">
-                      <a:lumMod val="50000"/>
-                      <a:lumOff val="50000"/>
-                    </a:schemeClr>
-                  </a:solidFill>
-                  <a:latin typeface="+mj-lt"/>
-                  <a:cs typeface="Arial" panose="020B0604020202020204" pitchFamily="34" charset="0"/>
-                </a:rPr>
-                <a:t> </a:t>
-              </a:r>
-              <a:r>
-                <a:rPr lang="en-US" sz="2000" b="1" dirty="0" err="1" smtClean="0">
+                <a:rPr lang="en-US" sz="2000" b="1" dirty="0" err="1">
                   <a:solidFill>
                     <a:schemeClr val="tx1">
                       <a:lumMod val="50000"/>
@@ -25095,7 +24208,7 @@
                 <a:t>stickleback.bam</a:t>
               </a:r>
               <a:r>
-                <a:rPr lang="en-US" sz="2000" b="1" dirty="0" smtClean="0">
+                <a:rPr lang="en-US" sz="2000" b="1" dirty="0">
                   <a:solidFill>
                     <a:schemeClr val="tx1">
                       <a:lumMod val="50000"/>
@@ -25108,7 +24221,7 @@
                 <a:t> &gt; stickleback_</a:t>
               </a:r>
               <a:r>
-                <a:rPr lang="en-US" sz="2000" b="1" dirty="0" smtClean="0">
+                <a:rPr lang="en-US" sz="2000" b="1" dirty="0">
                   <a:solidFill>
                     <a:schemeClr val="tx1">
                       <a:lumMod val="50000"/>
@@ -25119,7 +24232,7 @@
                 </a:rPr>
                 <a:t>stats.txt </a:t>
               </a:r>
-              <a:endParaRPr lang="en-US" sz="2000" b="1" dirty="0" smtClean="0">
+              <a:endParaRPr lang="en-US" sz="2000" b="1" dirty="0">
                 <a:solidFill>
                   <a:schemeClr val="tx1">
                     <a:lumMod val="50000"/>
@@ -25132,7 +24245,7 @@
             </a:p>
             <a:p>
               <a:r>
-                <a:rPr lang="en-US" sz="2000" b="1" dirty="0" smtClean="0">
+                <a:rPr lang="en-US" sz="2000" b="1" dirty="0">
                   <a:solidFill>
                     <a:schemeClr val="tx1">
                       <a:lumMod val="50000"/>
@@ -25145,7 +24258,7 @@
                 <a:t>plot-</a:t>
               </a:r>
               <a:r>
-                <a:rPr lang="en-US" sz="2000" b="1" dirty="0" err="1" smtClean="0">
+                <a:rPr lang="en-US" sz="2000" b="1" dirty="0" err="1">
                   <a:solidFill>
                     <a:schemeClr val="tx1">
                       <a:lumMod val="50000"/>
@@ -25158,7 +24271,7 @@
                 <a:t>bamstats</a:t>
               </a:r>
               <a:r>
-                <a:rPr lang="en-US" sz="2000" b="1" dirty="0" smtClean="0">
+                <a:rPr lang="en-US" sz="2000" b="1" dirty="0">
                   <a:solidFill>
                     <a:schemeClr val="tx1">
                       <a:lumMod val="50000"/>
@@ -25180,22 +24293,10 @@
                   </a:solidFill>
                   <a:cs typeface="Arial" panose="020B0604020202020204" pitchFamily="34" charset="0"/>
                 </a:rPr>
-                <a:t>stickleback_</a:t>
+                <a:t>stickleback_stats.txt</a:t>
               </a:r>
               <a:r>
                 <a:rPr lang="en-US" sz="2000" b="1" dirty="0">
-                  <a:solidFill>
-                    <a:schemeClr val="tx1">
-                      <a:lumMod val="50000"/>
-                      <a:lumOff val="50000"/>
-                    </a:schemeClr>
-                  </a:solidFill>
-                  <a:cs typeface="Arial" panose="020B0604020202020204" pitchFamily="34" charset="0"/>
-                </a:rPr>
-                <a:t>stats.txt</a:t>
-              </a:r>
-              <a:r>
-                <a:rPr lang="en-US" sz="2000" b="1" dirty="0" smtClean="0">
                   <a:solidFill>
                     <a:schemeClr val="tx1">
                       <a:lumMod val="50000"/>
@@ -25207,16 +24308,6 @@
                 </a:rPr>
                 <a:t> </a:t>
               </a:r>
-              <a:endParaRPr lang="en-US" sz="2000" b="1" dirty="0">
-                <a:solidFill>
-                  <a:schemeClr val="tx1">
-                    <a:lumMod val="50000"/>
-                    <a:lumOff val="50000"/>
-                  </a:schemeClr>
-                </a:solidFill>
-                <a:latin typeface="+mj-lt"/>
-                <a:cs typeface="Arial" panose="020B0604020202020204" pitchFamily="34" charset="0"/>
-              </a:endParaRPr>
             </a:p>
           </p:txBody>
         </p:sp>
@@ -25269,16 +24360,12 @@
                 </a:lnSpc>
               </a:pPr>
               <a:r>
-                <a:rPr lang="en-US" sz="2000" dirty="0" smtClean="0">
+                <a:rPr lang="en-US" sz="2000" dirty="0">
                   <a:latin typeface="Arial" panose="020B0604020202020204" pitchFamily="34" charset="0"/>
                   <a:cs typeface="Arial" panose="020B0604020202020204" pitchFamily="34" charset="0"/>
                 </a:rPr>
                 <a:t>4. Plot the coverage of data in your bam file:</a:t>
               </a:r>
-              <a:endParaRPr lang="en-US" sz="2000" dirty="0">
-                <a:latin typeface="Arial" panose="020B0604020202020204" pitchFamily="34" charset="0"/>
-                <a:cs typeface="Arial" panose="020B0604020202020204" pitchFamily="34" charset="0"/>
-              </a:endParaRPr>
             </a:p>
           </p:txBody>
         </p:sp>
@@ -25326,10 +24413,10 @@
                   <a:latin typeface="+mj-lt"/>
                   <a:cs typeface="Arial" panose="020B0604020202020204" pitchFamily="34" charset="0"/>
                 </a:rPr>
-                <a:t>s</a:t>
+                <a:t>samtools coverage --histogram ~/LIFE4137-HPC_practice/</a:t>
               </a:r>
               <a:r>
-                <a:rPr lang="en-US" b="1" dirty="0" smtClean="0">
+                <a:rPr lang="en-US" b="1" dirty="0" err="1">
                   <a:solidFill>
                     <a:schemeClr val="tx1">
                       <a:lumMod val="50000"/>
@@ -25339,20 +24426,7 @@
                   <a:latin typeface="+mj-lt"/>
                   <a:cs typeface="Arial" panose="020B0604020202020204" pitchFamily="34" charset="0"/>
                 </a:rPr>
-                <a:t>amtools coverage --</a:t>
-              </a:r>
-              <a:r>
-                <a:rPr lang="en-US" b="1" dirty="0" smtClean="0">
-                  <a:solidFill>
-                    <a:schemeClr val="tx1">
-                      <a:lumMod val="50000"/>
-                      <a:lumOff val="50000"/>
-                    </a:schemeClr>
-                  </a:solidFill>
-                  <a:latin typeface="+mj-lt"/>
-                  <a:cs typeface="Arial" panose="020B0604020202020204" pitchFamily="34" charset="0"/>
-                </a:rPr>
-                <a:t>histogram </a:t>
+                <a:t>stickleback.bam</a:t>
               </a:r>
               <a:r>
                 <a:rPr lang="en-US" b="1" dirty="0">
@@ -25365,57 +24439,8 @@
                   <a:latin typeface="+mj-lt"/>
                   <a:cs typeface="Arial" panose="020B0604020202020204" pitchFamily="34" charset="0"/>
                 </a:rPr>
-                <a:t>~/</a:t>
-              </a:r>
-              <a:r>
-                <a:rPr lang="en-US" b="1" dirty="0" smtClean="0">
-                  <a:solidFill>
-                    <a:schemeClr val="tx1">
-                      <a:lumMod val="50000"/>
-                      <a:lumOff val="50000"/>
-                    </a:schemeClr>
-                  </a:solidFill>
-                  <a:latin typeface="+mj-lt"/>
-                  <a:cs typeface="Arial" panose="020B0604020202020204" pitchFamily="34" charset="0"/>
-                </a:rPr>
-                <a:t>LIFE4137-HPC_practice/</a:t>
-              </a:r>
-              <a:r>
-                <a:rPr lang="en-US" b="1" dirty="0" err="1" smtClean="0">
-                  <a:solidFill>
-                    <a:schemeClr val="tx1">
-                      <a:lumMod val="50000"/>
-                      <a:lumOff val="50000"/>
-                    </a:schemeClr>
-                  </a:solidFill>
-                  <a:latin typeface="+mj-lt"/>
-                  <a:cs typeface="Arial" panose="020B0604020202020204" pitchFamily="34" charset="0"/>
-                </a:rPr>
-                <a:t>stickleback.bam</a:t>
-              </a:r>
-              <a:r>
-                <a:rPr lang="en-US" b="1" dirty="0" smtClean="0">
-                  <a:solidFill>
-                    <a:schemeClr val="tx1">
-                      <a:lumMod val="50000"/>
-                      <a:lumOff val="50000"/>
-                    </a:schemeClr>
-                  </a:solidFill>
-                  <a:latin typeface="+mj-lt"/>
-                  <a:cs typeface="Arial" panose="020B0604020202020204" pitchFamily="34" charset="0"/>
-                </a:rPr>
                 <a:t> </a:t>
               </a:r>
-              <a:endParaRPr lang="en-US" b="1" dirty="0">
-                <a:solidFill>
-                  <a:schemeClr val="tx1">
-                    <a:lumMod val="50000"/>
-                    <a:lumOff val="50000"/>
-                  </a:schemeClr>
-                </a:solidFill>
-                <a:latin typeface="+mj-lt"/>
-                <a:cs typeface="Arial" panose="020B0604020202020204" pitchFamily="34" charset="0"/>
-              </a:endParaRPr>
             </a:p>
           </p:txBody>
         </p:sp>
@@ -25430,13 +24455,6 @@
   <p:clrMapOvr>
     <a:masterClrMapping/>
   </p:clrMapOvr>
-  <p:timing>
-    <p:tnLst>
-      <p:par>
-        <p:cTn id="1" dur="indefinite" restart="never" nodeType="tmRoot"/>
-      </p:par>
-    </p:tnLst>
-  </p:timing>
 </p:sld>
 </file>
 
@@ -25821,13 +24839,6 @@
   <p:clrMapOvr>
     <a:masterClrMapping/>
   </p:clrMapOvr>
-  <p:timing>
-    <p:tnLst>
-      <p:par>
-        <p:cTn id="1" dur="indefinite" restart="never" nodeType="tmRoot"/>
-      </p:par>
-    </p:tnLst>
-  </p:timing>
 </p:sld>
 </file>
 
@@ -25984,13 +24995,6 @@
   <p:clrMapOvr>
     <a:masterClrMapping/>
   </p:clrMapOvr>
-  <p:timing>
-    <p:tnLst>
-      <p:par>
-        <p:cTn id="1" dur="indefinite" restart="never" nodeType="tmRoot"/>
-      </p:par>
-    </p:tnLst>
-  </p:timing>
 </p:sld>
 </file>
 
@@ -26057,23 +25061,12 @@
           <a:lstStyle/>
           <a:p>
             <a:r>
-              <a:rPr lang="en-US" sz="3600" u="sng" dirty="0" smtClean="0">
+              <a:rPr lang="en-US" sz="3600" u="sng" dirty="0">
                 <a:latin typeface="Arial" panose="020B0604020202020204" pitchFamily="34" charset="0"/>
                 <a:cs typeface="Arial" panose="020B0604020202020204" pitchFamily="34" charset="0"/>
               </a:rPr>
-              <a:t>Practical use of </a:t>
-            </a:r>
-            <a:r>
-              <a:rPr lang="en-US" sz="3600" u="sng" dirty="0" smtClean="0">
-                <a:latin typeface="Arial" panose="020B0604020202020204" pitchFamily="34" charset="0"/>
-                <a:cs typeface="Arial" panose="020B0604020202020204" pitchFamily="34" charset="0"/>
-              </a:rPr>
-              <a:t>Open on Demand</a:t>
-            </a:r>
-            <a:endParaRPr lang="en-US" sz="3600" u="sng" dirty="0">
-              <a:latin typeface="Arial" panose="020B0604020202020204" pitchFamily="34" charset="0"/>
-              <a:cs typeface="Arial" panose="020B0604020202020204" pitchFamily="34" charset="0"/>
-            </a:endParaRPr>
+              <a:t>Practical use of Open on Demand</a:t>
+            </a:r>
           </a:p>
         </p:txBody>
       </p:sp>
@@ -26187,18 +25180,13 @@
             <a:p>
               <a:pPr algn="l"/>
               <a:r>
-                <a:rPr lang="en-US" sz="2000" dirty="0" smtClean="0">
+                <a:rPr lang="en-US" sz="2000" dirty="0">
                   <a:latin typeface="Arial" panose="020B0604020202020204" pitchFamily="34" charset="0"/>
                   <a:ea typeface="+mn-ea"/>
                   <a:cs typeface="Arial" panose="020B0604020202020204" pitchFamily="34" charset="0"/>
                 </a:rPr>
                 <a:t>1. Follow this link and login when prompted:</a:t>
               </a:r>
-              <a:endParaRPr lang="en-US" sz="2000" dirty="0">
-                <a:latin typeface="Arial" panose="020B0604020202020204" pitchFamily="34" charset="0"/>
-                <a:ea typeface="+mn-ea"/>
-                <a:cs typeface="Arial" panose="020B0604020202020204" pitchFamily="34" charset="0"/>
-              </a:endParaRPr>
             </a:p>
           </p:txBody>
         </p:sp>
@@ -26237,16 +25225,12 @@
               </a:lnSpc>
             </a:pPr>
             <a:r>
-              <a:rPr lang="en-US" sz="2000" dirty="0" smtClean="0">
+              <a:rPr lang="en-US" sz="2000" dirty="0">
                 <a:latin typeface="Arial" panose="020B0604020202020204" pitchFamily="34" charset="0"/>
                 <a:cs typeface="Arial" panose="020B0604020202020204" pitchFamily="34" charset="0"/>
               </a:rPr>
               <a:t>4. Click on the little black box in the panel at the bottom of the screen to open a terminal</a:t>
             </a:r>
-            <a:endParaRPr lang="en-US" sz="2000" dirty="0">
-              <a:latin typeface="Arial" panose="020B0604020202020204" pitchFamily="34" charset="0"/>
-              <a:cs typeface="Arial" panose="020B0604020202020204" pitchFamily="34" charset="0"/>
-            </a:endParaRPr>
           </a:p>
         </p:txBody>
       </p:sp>
@@ -26298,30 +25282,12 @@
                 </a:lnSpc>
               </a:pPr>
               <a:r>
-                <a:rPr lang="en-US" sz="2000" dirty="0" smtClean="0">
+                <a:rPr lang="en-US" sz="2000" dirty="0">
                   <a:latin typeface="Arial" panose="020B0604020202020204" pitchFamily="34" charset="0"/>
                   <a:cs typeface="Arial" panose="020B0604020202020204" pitchFamily="34" charset="0"/>
                 </a:rPr>
-                <a:t>6. Open the images </a:t>
+                <a:t>6. Open the images in a web page using the html file:</a:t>
               </a:r>
-              <a:r>
-                <a:rPr lang="en-US" sz="2000" dirty="0" smtClean="0">
-                  <a:latin typeface="Arial" panose="020B0604020202020204" pitchFamily="34" charset="0"/>
-                  <a:cs typeface="Arial" panose="020B0604020202020204" pitchFamily="34" charset="0"/>
-                </a:rPr>
-                <a:t>in a web page using the html file</a:t>
-              </a:r>
-              <a:r>
-                <a:rPr lang="en-US" sz="2000" dirty="0" smtClean="0">
-                  <a:latin typeface="Arial" panose="020B0604020202020204" pitchFamily="34" charset="0"/>
-                  <a:cs typeface="Arial" panose="020B0604020202020204" pitchFamily="34" charset="0"/>
-                </a:rPr>
-                <a:t>:</a:t>
-              </a:r>
-              <a:endParaRPr lang="en-US" sz="2000" dirty="0">
-                <a:latin typeface="Arial" panose="020B0604020202020204" pitchFamily="34" charset="0"/>
-                <a:cs typeface="Arial" panose="020B0604020202020204" pitchFamily="34" charset="0"/>
-              </a:endParaRPr>
             </a:p>
           </p:txBody>
         </p:sp>
@@ -26354,7 +25320,7 @@
             <a:lstStyle/>
             <a:p>
               <a:r>
-                <a:rPr lang="en-US" sz="2000" b="1" dirty="0" err="1" smtClean="0">
+                <a:rPr lang="en-US" sz="2000" b="1" dirty="0" err="1">
                   <a:solidFill>
                     <a:schemeClr val="tx1">
                       <a:lumMod val="50000"/>
@@ -26367,19 +25333,6 @@
                 <a:t>firefox</a:t>
               </a:r>
               <a:r>
-                <a:rPr lang="en-US" sz="2000" b="1" dirty="0" smtClean="0">
-                  <a:solidFill>
-                    <a:schemeClr val="tx1">
-                      <a:lumMod val="50000"/>
-                      <a:lumOff val="50000"/>
-                    </a:schemeClr>
-                  </a:solidFill>
-                  <a:latin typeface="+mj-lt"/>
-                  <a:cs typeface="Arial" panose="020B0604020202020204" pitchFamily="34" charset="0"/>
-                </a:rPr>
-                <a:t> </a:t>
-              </a:r>
-              <a:r>
                 <a:rPr lang="en-US" sz="2000" b="1" dirty="0">
                   <a:solidFill>
                     <a:schemeClr val="tx1">
@@ -26390,18 +25343,8 @@
                   <a:latin typeface="+mj-lt"/>
                   <a:cs typeface="Arial" panose="020B0604020202020204" pitchFamily="34" charset="0"/>
                 </a:rPr>
-                <a:t>bamstats.html</a:t>
+                <a:t> bamstats.html</a:t>
               </a:r>
-              <a:endParaRPr lang="en-US" sz="2000" b="1" dirty="0">
-                <a:solidFill>
-                  <a:schemeClr val="tx1">
-                    <a:lumMod val="50000"/>
-                    <a:lumOff val="50000"/>
-                  </a:schemeClr>
-                </a:solidFill>
-                <a:latin typeface="+mj-lt"/>
-                <a:cs typeface="Arial" panose="020B0604020202020204" pitchFamily="34" charset="0"/>
-              </a:endParaRPr>
             </a:p>
           </p:txBody>
         </p:sp>
@@ -26454,16 +25397,12 @@
                 </a:lnSpc>
               </a:pPr>
               <a:r>
-                <a:rPr lang="en-US" sz="2000" dirty="0" smtClean="0">
+                <a:rPr lang="en-US" sz="2000" dirty="0">
                   <a:latin typeface="Arial" panose="020B0604020202020204" pitchFamily="34" charset="0"/>
                   <a:cs typeface="Arial" panose="020B0604020202020204" pitchFamily="34" charset="0"/>
                 </a:rPr>
                 <a:t>5. Navigate to your working folder:</a:t>
               </a:r>
-              <a:endParaRPr lang="en-US" sz="2000" dirty="0">
-                <a:latin typeface="Arial" panose="020B0604020202020204" pitchFamily="34" charset="0"/>
-                <a:cs typeface="Arial" panose="020B0604020202020204" pitchFamily="34" charset="0"/>
-              </a:endParaRPr>
             </a:p>
           </p:txBody>
         </p:sp>
@@ -26511,31 +25450,8 @@
                   <a:latin typeface="+mj-lt"/>
                   <a:cs typeface="Arial" panose="020B0604020202020204" pitchFamily="34" charset="0"/>
                 </a:rPr>
-                <a:t>cd </a:t>
+                <a:t>cd LIFE4137-HPC_practice</a:t>
               </a:r>
-              <a:r>
-                <a:rPr lang="en-US" sz="2000" b="1" dirty="0" smtClean="0">
-                  <a:solidFill>
-                    <a:schemeClr val="tx1">
-                      <a:lumMod val="50000"/>
-                      <a:lumOff val="50000"/>
-                    </a:schemeClr>
-                  </a:solidFill>
-                  <a:latin typeface="+mj-lt"/>
-                  <a:cs typeface="Arial" panose="020B0604020202020204" pitchFamily="34" charset="0"/>
-                </a:rPr>
-                <a:t>LIFE4137-HPC_practice</a:t>
-              </a:r>
-              <a:endParaRPr lang="en-US" sz="2000" b="1" dirty="0">
-                <a:solidFill>
-                  <a:schemeClr val="tx1">
-                    <a:lumMod val="50000"/>
-                    <a:lumOff val="50000"/>
-                  </a:schemeClr>
-                </a:solidFill>
-                <a:latin typeface="+mj-lt"/>
-                <a:cs typeface="Arial" panose="020B0604020202020204" pitchFamily="34" charset="0"/>
-              </a:endParaRPr>
             </a:p>
           </p:txBody>
         </p:sp>
@@ -26569,16 +25485,12 @@
           <a:lstStyle/>
           <a:p>
             <a:r>
-              <a:rPr lang="en-US" sz="2000" dirty="0" smtClean="0">
+              <a:rPr lang="en-US" sz="2000" dirty="0">
                 <a:latin typeface="Arial" panose="020B0604020202020204" pitchFamily="34" charset="0"/>
                 <a:cs typeface="Arial" panose="020B0604020202020204" pitchFamily="34" charset="0"/>
               </a:rPr>
               <a:t>2. Click on interactive apps at the top and VNC Desktop session. Change the default memory to 5, leave everything else as the default settings and click Launch at the bottom of the page</a:t>
             </a:r>
-            <a:endParaRPr lang="en-US" sz="2000" dirty="0">
-              <a:latin typeface="Arial" panose="020B0604020202020204" pitchFamily="34" charset="0"/>
-              <a:cs typeface="Arial" panose="020B0604020202020204" pitchFamily="34" charset="0"/>
-            </a:endParaRPr>
           </a:p>
         </p:txBody>
       </p:sp>
@@ -26615,19 +25527,8 @@
                 <a:latin typeface="Arial" panose="020B0604020202020204" pitchFamily="34" charset="0"/>
                 <a:cs typeface="Arial" panose="020B0604020202020204" pitchFamily="34" charset="0"/>
               </a:rPr>
-              <a:t>3</a:t>
-            </a:r>
-            <a:r>
-              <a:rPr lang="en-US" sz="2000" dirty="0" smtClean="0">
-                <a:latin typeface="Arial" panose="020B0604020202020204" pitchFamily="34" charset="0"/>
-                <a:cs typeface="Arial" panose="020B0604020202020204" pitchFamily="34" charset="0"/>
-              </a:rPr>
-              <a:t>. Once resources have been allocated to your job, click Launch VNC Desktop Session</a:t>
-            </a:r>
-            <a:endParaRPr lang="en-US" sz="2000" dirty="0">
-              <a:latin typeface="Arial" panose="020B0604020202020204" pitchFamily="34" charset="0"/>
-              <a:cs typeface="Arial" panose="020B0604020202020204" pitchFamily="34" charset="0"/>
-            </a:endParaRPr>
+              <a:t>3. Once resources have been allocated to your job, click Launch VNC Desktop Session</a:t>
+            </a:r>
           </a:p>
         </p:txBody>
       </p:sp>
@@ -26669,19 +25570,8 @@
                 <a:latin typeface="Arial" panose="020B0604020202020204" pitchFamily="34" charset="0"/>
                 <a:cs typeface="Arial" panose="020B0604020202020204" pitchFamily="34" charset="0"/>
               </a:rPr>
-              <a:t>7</a:t>
-            </a:r>
-            <a:r>
-              <a:rPr lang="en-US" sz="2000" dirty="0" smtClean="0">
-                <a:latin typeface="Arial" panose="020B0604020202020204" pitchFamily="34" charset="0"/>
-                <a:cs typeface="Arial" panose="020B0604020202020204" pitchFamily="34" charset="0"/>
-              </a:rPr>
-              <a:t>. Move your cursor over the images to view them</a:t>
-            </a:r>
-            <a:endParaRPr lang="en-US" sz="2000" dirty="0">
-              <a:latin typeface="Arial" panose="020B0604020202020204" pitchFamily="34" charset="0"/>
-              <a:cs typeface="Arial" panose="020B0604020202020204" pitchFamily="34" charset="0"/>
-            </a:endParaRPr>
+              <a:t>7. Move your cursor over the images to view them</a:t>
+            </a:r>
           </a:p>
         </p:txBody>
       </p:sp>
@@ -26695,13 +25585,6 @@
   <p:clrMapOvr>
     <a:masterClrMapping/>
   </p:clrMapOvr>
-  <p:timing>
-    <p:tnLst>
-      <p:par>
-        <p:cTn id="1" dur="indefinite" restart="never" nodeType="tmRoot"/>
-      </p:par>
-    </p:tnLst>
-  </p:timing>
 </p:sld>
 </file>
 
@@ -26944,13 +25827,6 @@
   <p:clrMapOvr>
     <a:masterClrMapping/>
   </p:clrMapOvr>
-  <p:timing>
-    <p:tnLst>
-      <p:par>
-        <p:cTn id="1" dur="indefinite" restart="never" nodeType="tmRoot"/>
-      </p:par>
-    </p:tnLst>
-  </p:timing>
 </p:sld>
 </file>
 
@@ -27017,16 +25893,12 @@
           <a:lstStyle/>
           <a:p>
             <a:r>
-              <a:rPr lang="en-US" sz="3600" u="sng" dirty="0" smtClean="0">
+              <a:rPr lang="en-US" sz="3600" u="sng" dirty="0">
                 <a:latin typeface="Arial" panose="020B0604020202020204" pitchFamily="34" charset="0"/>
                 <a:cs typeface="Arial" panose="020B0604020202020204" pitchFamily="34" charset="0"/>
               </a:rPr>
               <a:t>Practical: search for, load and unload software modules</a:t>
             </a:r>
-            <a:endParaRPr lang="en-US" sz="3600" u="sng" dirty="0">
-              <a:latin typeface="Arial" panose="020B0604020202020204" pitchFamily="34" charset="0"/>
-              <a:cs typeface="Arial" panose="020B0604020202020204" pitchFamily="34" charset="0"/>
-            </a:endParaRPr>
           </a:p>
         </p:txBody>
       </p:sp>
@@ -27082,19 +25954,8 @@
                   <a:latin typeface="Arial" panose="020B0604020202020204" pitchFamily="34" charset="0"/>
                   <a:cs typeface="Arial" panose="020B0604020202020204" pitchFamily="34" charset="0"/>
                 </a:rPr>
-                <a:t>1</a:t>
+                <a:t>1. List all available software modules:</a:t>
               </a:r>
-              <a:r>
-                <a:rPr lang="en-US" sz="2000" dirty="0" smtClean="0">
-                  <a:latin typeface="Arial" panose="020B0604020202020204" pitchFamily="34" charset="0"/>
-                  <a:cs typeface="Arial" panose="020B0604020202020204" pitchFamily="34" charset="0"/>
-                </a:rPr>
-                <a:t>. List all available software modules:</a:t>
-              </a:r>
-              <a:endParaRPr lang="en-US" sz="2000" dirty="0">
-                <a:latin typeface="Arial" panose="020B0604020202020204" pitchFamily="34" charset="0"/>
-                <a:cs typeface="Arial" panose="020B0604020202020204" pitchFamily="34" charset="0"/>
-              </a:endParaRPr>
             </a:p>
           </p:txBody>
         </p:sp>
@@ -27142,31 +26003,8 @@
                   <a:latin typeface="+mj-lt"/>
                   <a:cs typeface="Arial" panose="020B0604020202020204" pitchFamily="34" charset="0"/>
                 </a:rPr>
-                <a:t>m</a:t>
+                <a:t>module avail</a:t>
               </a:r>
-              <a:r>
-                <a:rPr lang="en-US" sz="2000" b="1" dirty="0" smtClean="0">
-                  <a:solidFill>
-                    <a:schemeClr val="tx1">
-                      <a:lumMod val="50000"/>
-                      <a:lumOff val="50000"/>
-                    </a:schemeClr>
-                  </a:solidFill>
-                  <a:latin typeface="+mj-lt"/>
-                  <a:cs typeface="Arial" panose="020B0604020202020204" pitchFamily="34" charset="0"/>
-                </a:rPr>
-                <a:t>odule avail</a:t>
-              </a:r>
-              <a:endParaRPr lang="en-US" sz="2000" b="1" dirty="0">
-                <a:solidFill>
-                  <a:schemeClr val="tx1">
-                    <a:lumMod val="50000"/>
-                    <a:lumOff val="50000"/>
-                  </a:schemeClr>
-                </a:solidFill>
-                <a:latin typeface="+mj-lt"/>
-                <a:cs typeface="Arial" panose="020B0604020202020204" pitchFamily="34" charset="0"/>
-              </a:endParaRPr>
             </a:p>
           </p:txBody>
         </p:sp>
@@ -27219,16 +26057,12 @@
                 </a:lnSpc>
               </a:pPr>
               <a:r>
-                <a:rPr lang="en-US" sz="2000" dirty="0" smtClean="0">
+                <a:rPr lang="en-US" sz="2000" dirty="0">
                   <a:latin typeface="Arial" panose="020B0604020202020204" pitchFamily="34" charset="0"/>
                   <a:cs typeface="Arial" panose="020B0604020202020204" pitchFamily="34" charset="0"/>
                 </a:rPr>
                 <a:t>2. Search for a software module using a keyword:</a:t>
               </a:r>
-              <a:endParaRPr lang="en-US" sz="2000" dirty="0">
-                <a:latin typeface="Arial" panose="020B0604020202020204" pitchFamily="34" charset="0"/>
-                <a:cs typeface="Arial" panose="020B0604020202020204" pitchFamily="34" charset="0"/>
-              </a:endParaRPr>
             </a:p>
           </p:txBody>
         </p:sp>
@@ -27276,23 +26110,10 @@
                   <a:latin typeface="+mj-lt"/>
                   <a:cs typeface="Arial" panose="020B0604020202020204" pitchFamily="34" charset="0"/>
                 </a:rPr>
-                <a:t>m</a:t>
+                <a:t>module avail </a:t>
               </a:r>
               <a:r>
-                <a:rPr lang="en-US" sz="2000" b="1" dirty="0" smtClean="0">
-                  <a:solidFill>
-                    <a:schemeClr val="tx1">
-                      <a:lumMod val="50000"/>
-                      <a:lumOff val="50000"/>
-                    </a:schemeClr>
-                  </a:solidFill>
-                  <a:latin typeface="+mj-lt"/>
-                  <a:cs typeface="Arial" panose="020B0604020202020204" pitchFamily="34" charset="0"/>
-                </a:rPr>
-                <a:t>odule avail </a:t>
-              </a:r>
-              <a:r>
-                <a:rPr lang="en-US" sz="2000" b="1" dirty="0" err="1" smtClean="0">
+                <a:rPr lang="en-US" sz="2000" b="1" dirty="0" err="1">
                   <a:solidFill>
                     <a:schemeClr val="tx1">
                       <a:lumMod val="50000"/>
@@ -27370,19 +26191,8 @@
                   <a:latin typeface="Arial" panose="020B0604020202020204" pitchFamily="34" charset="0"/>
                   <a:cs typeface="Arial" panose="020B0604020202020204" pitchFamily="34" charset="0"/>
                 </a:rPr>
-                <a:t>3</a:t>
+                <a:t>3. Load the module you found from your search e.g.:</a:t>
               </a:r>
-              <a:r>
-                <a:rPr lang="en-US" sz="2000" dirty="0" smtClean="0">
-                  <a:latin typeface="Arial" panose="020B0604020202020204" pitchFamily="34" charset="0"/>
-                  <a:cs typeface="Arial" panose="020B0604020202020204" pitchFamily="34" charset="0"/>
-                </a:rPr>
-                <a:t>. Load the module you found from your search e.g.:</a:t>
-              </a:r>
-              <a:endParaRPr lang="en-US" sz="2000" dirty="0">
-                <a:latin typeface="Arial" panose="020B0604020202020204" pitchFamily="34" charset="0"/>
-                <a:cs typeface="Arial" panose="020B0604020202020204" pitchFamily="34" charset="0"/>
-              </a:endParaRPr>
             </a:p>
           </p:txBody>
         </p:sp>
@@ -27458,16 +26268,6 @@
                 </a:rPr>
                 <a:t>/0.1.16-GCC-12.3.0</a:t>
               </a:r>
-              <a:endParaRPr lang="en-US" sz="2000" b="1" dirty="0">
-                <a:solidFill>
-                  <a:schemeClr val="tx1">
-                    <a:lumMod val="50000"/>
-                    <a:lumOff val="50000"/>
-                  </a:schemeClr>
-                </a:solidFill>
-                <a:latin typeface="+mj-lt"/>
-                <a:cs typeface="Arial" panose="020B0604020202020204" pitchFamily="34" charset="0"/>
-              </a:endParaRPr>
             </a:p>
           </p:txBody>
         </p:sp>
@@ -27520,16 +26320,12 @@
                 </a:lnSpc>
               </a:pPr>
               <a:r>
-                <a:rPr lang="en-US" sz="2000" dirty="0" smtClean="0">
+                <a:rPr lang="en-US" sz="2000" dirty="0">
                   <a:latin typeface="Arial" panose="020B0604020202020204" pitchFamily="34" charset="0"/>
                   <a:cs typeface="Arial" panose="020B0604020202020204" pitchFamily="34" charset="0"/>
                 </a:rPr>
                 <a:t>4. Print the help message or open the manual page for the software to check you have loaded it:</a:t>
               </a:r>
-              <a:endParaRPr lang="en-US" sz="2000" dirty="0">
-                <a:latin typeface="Arial" panose="020B0604020202020204" pitchFamily="34" charset="0"/>
-                <a:cs typeface="Arial" panose="020B0604020202020204" pitchFamily="34" charset="0"/>
-              </a:endParaRPr>
             </a:p>
           </p:txBody>
         </p:sp>
@@ -27572,23 +26368,10 @@
                   <a:latin typeface="+mj-lt"/>
                   <a:cs typeface="Arial" panose="020B0604020202020204" pitchFamily="34" charset="0"/>
                 </a:rPr>
-                <a:t>v</a:t>
+                <a:t>vcftools</a:t>
               </a:r>
               <a:r>
-                <a:rPr lang="en-US" sz="2000" b="1" dirty="0" err="1" smtClean="0">
-                  <a:solidFill>
-                    <a:schemeClr val="tx1">
-                      <a:lumMod val="50000"/>
-                      <a:lumOff val="50000"/>
-                    </a:schemeClr>
-                  </a:solidFill>
-                  <a:latin typeface="+mj-lt"/>
-                  <a:cs typeface="Arial" panose="020B0604020202020204" pitchFamily="34" charset="0"/>
-                </a:rPr>
-                <a:t>cftools</a:t>
-              </a:r>
-              <a:r>
-                <a:rPr lang="en-US" sz="2000" b="1" dirty="0" smtClean="0">
+                <a:rPr lang="en-US" sz="2000" b="1" dirty="0">
                   <a:solidFill>
                     <a:schemeClr val="tx1">
                       <a:lumMod val="50000"/>
@@ -27613,23 +26396,10 @@
                   <a:latin typeface="+mj-lt"/>
                   <a:cs typeface="Arial" panose="020B0604020202020204" pitchFamily="34" charset="0"/>
                 </a:rPr>
-                <a:t>m</a:t>
+                <a:t>man </a:t>
               </a:r>
               <a:r>
-                <a:rPr lang="en-US" sz="2000" b="1" dirty="0" smtClean="0">
-                  <a:solidFill>
-                    <a:schemeClr val="tx1">
-                      <a:lumMod val="50000"/>
-                      <a:lumOff val="50000"/>
-                    </a:schemeClr>
-                  </a:solidFill>
-                  <a:latin typeface="+mj-lt"/>
-                  <a:cs typeface="Arial" panose="020B0604020202020204" pitchFamily="34" charset="0"/>
-                </a:rPr>
-                <a:t>an </a:t>
-              </a:r>
-              <a:r>
-                <a:rPr lang="en-US" sz="2000" b="1" dirty="0" err="1" smtClean="0">
+                <a:rPr lang="en-US" sz="2000" b="1" dirty="0" err="1">
                   <a:solidFill>
                     <a:schemeClr val="tx1">
                       <a:lumMod val="50000"/>
@@ -27703,16 +26473,12 @@
                 </a:lnSpc>
               </a:pPr>
               <a:r>
-                <a:rPr lang="en-US" sz="2000" dirty="0" smtClean="0">
+                <a:rPr lang="en-US" sz="2000" dirty="0">
                   <a:latin typeface="Arial" panose="020B0604020202020204" pitchFamily="34" charset="0"/>
                   <a:cs typeface="Arial" panose="020B0604020202020204" pitchFamily="34" charset="0"/>
                 </a:rPr>
                 <a:t>5. Unload the module e.g.:</a:t>
               </a:r>
-              <a:endParaRPr lang="en-US" sz="2000" dirty="0">
-                <a:latin typeface="Arial" panose="020B0604020202020204" pitchFamily="34" charset="0"/>
-                <a:cs typeface="Arial" panose="020B0604020202020204" pitchFamily="34" charset="0"/>
-              </a:endParaRPr>
             </a:p>
           </p:txBody>
         </p:sp>
@@ -27788,16 +26554,6 @@
                 </a:rPr>
                 <a:t>/0.1.16-GCC-12.3.0</a:t>
               </a:r>
-              <a:endParaRPr lang="en-US" sz="2000" b="1" dirty="0">
-                <a:solidFill>
-                  <a:schemeClr val="tx1">
-                    <a:lumMod val="50000"/>
-                    <a:lumOff val="50000"/>
-                  </a:schemeClr>
-                </a:solidFill>
-                <a:latin typeface="+mj-lt"/>
-                <a:cs typeface="Arial" panose="020B0604020202020204" pitchFamily="34" charset="0"/>
-              </a:endParaRPr>
             </a:p>
           </p:txBody>
         </p:sp>
@@ -27840,61 +26596,50 @@
                 <a:latin typeface="Arial" panose="020B0604020202020204" pitchFamily="34" charset="0"/>
                 <a:cs typeface="Arial" panose="020B0604020202020204" pitchFamily="34" charset="0"/>
               </a:rPr>
-              <a:t>6</a:t>
-            </a:r>
-            <a:r>
-              <a:rPr lang="en-US" sz="2000" dirty="0" smtClean="0">
+              <a:t>6. Repeat the above steps with a different module – try e.g. </a:t>
+            </a:r>
+            <a:r>
+              <a:rPr lang="en-US" sz="2000" dirty="0" err="1">
                 <a:latin typeface="Arial" panose="020B0604020202020204" pitchFamily="34" charset="0"/>
                 <a:cs typeface="Arial" panose="020B0604020202020204" pitchFamily="34" charset="0"/>
               </a:rPr>
-              <a:t>. Repeat the above steps with a different module – try e.g. </a:t>
-            </a:r>
-            <a:r>
-              <a:rPr lang="en-US" sz="2000" dirty="0" err="1" smtClean="0">
+              <a:t>bcftools</a:t>
+            </a:r>
+            <a:r>
+              <a:rPr lang="en-US" sz="2000" dirty="0">
                 <a:latin typeface="Arial" panose="020B0604020202020204" pitchFamily="34" charset="0"/>
                 <a:cs typeface="Arial" panose="020B0604020202020204" pitchFamily="34" charset="0"/>
               </a:rPr>
-              <a:t>bcftools</a:t>
-            </a:r>
-            <a:r>
-              <a:rPr lang="en-US" sz="2000" dirty="0" smtClean="0">
+              <a:t>, </a:t>
+            </a:r>
+            <a:r>
+              <a:rPr lang="en-US" sz="2000" dirty="0" err="1">
                 <a:latin typeface="Arial" panose="020B0604020202020204" pitchFamily="34" charset="0"/>
                 <a:cs typeface="Arial" panose="020B0604020202020204" pitchFamily="34" charset="0"/>
               </a:rPr>
+              <a:t>bedtools</a:t>
+            </a:r>
+            <a:r>
+              <a:rPr lang="en-US" sz="2000" dirty="0">
+                <a:latin typeface="Arial" panose="020B0604020202020204" pitchFamily="34" charset="0"/>
+                <a:cs typeface="Arial" panose="020B0604020202020204" pitchFamily="34" charset="0"/>
+              </a:rPr>
               <a:t>, </a:t>
             </a:r>
             <a:r>
-              <a:rPr lang="en-US" sz="2000" dirty="0" err="1" smtClean="0">
+              <a:rPr lang="en-US" sz="2000" dirty="0" err="1">
                 <a:latin typeface="Arial" panose="020B0604020202020204" pitchFamily="34" charset="0"/>
                 <a:cs typeface="Arial" panose="020B0604020202020204" pitchFamily="34" charset="0"/>
               </a:rPr>
-              <a:t>bedtools</a:t>
-            </a:r>
-            <a:r>
-              <a:rPr lang="en-US" sz="2000" dirty="0" smtClean="0">
+              <a:t>hifiasm</a:t>
+            </a:r>
+            <a:r>
+              <a:rPr lang="en-US" sz="2000" dirty="0">
                 <a:latin typeface="Arial" panose="020B0604020202020204" pitchFamily="34" charset="0"/>
                 <a:cs typeface="Arial" panose="020B0604020202020204" pitchFamily="34" charset="0"/>
               </a:rPr>
-              <a:t>, </a:t>
-            </a:r>
-            <a:r>
-              <a:rPr lang="en-US" sz="2000" dirty="0" err="1" smtClean="0">
-                <a:latin typeface="Arial" panose="020B0604020202020204" pitchFamily="34" charset="0"/>
-                <a:cs typeface="Arial" panose="020B0604020202020204" pitchFamily="34" charset="0"/>
-              </a:rPr>
-              <a:t>hifiasm</a:t>
-            </a:r>
-            <a:r>
-              <a:rPr lang="en-US" sz="2000" dirty="0" smtClean="0">
-                <a:latin typeface="Arial" panose="020B0604020202020204" pitchFamily="34" charset="0"/>
-                <a:cs typeface="Arial" panose="020B0604020202020204" pitchFamily="34" charset="0"/>
-              </a:rPr>
               <a:t>, python</a:t>
             </a:r>
-            <a:endParaRPr lang="en-US" sz="2000" dirty="0">
-              <a:latin typeface="Arial" panose="020B0604020202020204" pitchFamily="34" charset="0"/>
-              <a:cs typeface="Arial" panose="020B0604020202020204" pitchFamily="34" charset="0"/>
-            </a:endParaRPr>
           </a:p>
         </p:txBody>
       </p:sp>
@@ -27908,13 +26653,6 @@
   <p:clrMapOvr>
     <a:masterClrMapping/>
   </p:clrMapOvr>
-  <p:timing>
-    <p:tnLst>
-      <p:par>
-        <p:cTn id="1" dur="indefinite" restart="never" nodeType="tmRoot"/>
-      </p:par>
-    </p:tnLst>
-  </p:timing>
 </p:sld>
 </file>
 
@@ -28176,13 +26914,6 @@
   <p:clrMapOvr>
     <a:masterClrMapping/>
   </p:clrMapOvr>
-  <p:timing>
-    <p:tnLst>
-      <p:par>
-        <p:cTn id="1" dur="indefinite" restart="never" nodeType="tmRoot"/>
-      </p:par>
-    </p:tnLst>
-  </p:timing>
 </p:sld>
 </file>
 
@@ -28393,13 +27124,6 @@
   <p:clrMapOvr>
     <a:masterClrMapping/>
   </p:clrMapOvr>
-  <p:timing>
-    <p:tnLst>
-      <p:par>
-        <p:cTn id="1" dur="indefinite" restart="never" nodeType="tmRoot"/>
-      </p:par>
-    </p:tnLst>
-  </p:timing>
 </p:sld>
 </file>
 
@@ -28460,7 +27184,7 @@
           <a:lstStyle/>
           <a:p>
             <a:r>
-              <a:rPr lang="en-US" sz="3600" dirty="0" smtClean="0">
+              <a:rPr lang="en-US" sz="3600" dirty="0">
                 <a:latin typeface="Arial" panose="020B0604020202020204" pitchFamily="34" charset="0"/>
                 <a:cs typeface="Arial" panose="020B0604020202020204" pitchFamily="34" charset="0"/>
               </a:rPr>
@@ -28471,14 +27195,7 @@
                 <a:latin typeface="Arial" panose="020B0604020202020204" pitchFamily="34" charset="0"/>
                 <a:cs typeface="Arial" panose="020B0604020202020204" pitchFamily="34" charset="0"/>
               </a:rPr>
-              <a:t>C</a:t>
-            </a:r>
-            <a:r>
-              <a:rPr lang="en-US" sz="3600" dirty="0" err="1" smtClean="0">
-                <a:latin typeface="Arial" panose="020B0604020202020204" pitchFamily="34" charset="0"/>
-                <a:cs typeface="Arial" panose="020B0604020202020204" pitchFamily="34" charset="0"/>
-              </a:rPr>
-              <a:t>onda</a:t>
+              <a:t>Conda</a:t>
             </a:r>
             <a:endParaRPr lang="en-US" sz="3600" dirty="0">
               <a:latin typeface="Arial" panose="020B0604020202020204" pitchFamily="34" charset="0"/>
@@ -28516,16 +27233,12 @@
           <a:lstStyle/>
           <a:p>
             <a:r>
-              <a:rPr lang="en-GB" dirty="0" smtClean="0">
+              <a:rPr lang="en-GB" dirty="0">
                 <a:latin typeface="Arial" panose="020B0604020202020204" pitchFamily="34" charset="0"/>
                 <a:cs typeface="Arial" panose="020B0604020202020204" pitchFamily="34" charset="0"/>
               </a:rPr>
               <a:t>Download conda:</a:t>
             </a:r>
-            <a:endParaRPr lang="en-GB" dirty="0">
-              <a:latin typeface="Arial" panose="020B0604020202020204" pitchFamily="34" charset="0"/>
-              <a:cs typeface="Arial" panose="020B0604020202020204" pitchFamily="34" charset="0"/>
-            </a:endParaRPr>
           </a:p>
           <a:p>
             <a:r>
@@ -28552,20 +27265,7 @@
                 <a:latin typeface="+mj-lt"/>
                 <a:cs typeface="Arial" panose="020B0604020202020204" pitchFamily="34" charset="0"/>
               </a:rPr>
-              <a:t> </a:t>
-            </a:r>
-            <a:r>
-              <a:rPr lang="en-GB" b="1" dirty="0">
-                <a:solidFill>
-                  <a:schemeClr val="tx1">
-                    <a:lumMod val="50000"/>
-                    <a:lumOff val="50000"/>
-                  </a:schemeClr>
-                </a:solidFill>
-                <a:latin typeface="+mj-lt"/>
-                <a:cs typeface="Arial" panose="020B0604020202020204" pitchFamily="34" charset="0"/>
-              </a:rPr>
-              <a:t>https://repo.anaconda.com/miniconda/Miniconda3-latest-Linux-x86_64.sh</a:t>
+              <a:t> https://repo.anaconda.com/miniconda/Miniconda3-latest-Linux-x86_64.sh</a:t>
             </a:r>
           </a:p>
           <a:p>
@@ -28582,16 +27282,12 @@
           </a:p>
           <a:p>
             <a:r>
-              <a:rPr lang="en-GB" dirty="0" smtClean="0">
+              <a:rPr lang="en-GB" dirty="0">
                 <a:latin typeface="Arial" panose="020B0604020202020204" pitchFamily="34" charset="0"/>
                 <a:cs typeface="Arial" panose="020B0604020202020204" pitchFamily="34" charset="0"/>
               </a:rPr>
               <a:t>Run through the install:</a:t>
             </a:r>
-            <a:endParaRPr lang="en-GB" dirty="0">
-              <a:latin typeface="Arial" panose="020B0604020202020204" pitchFamily="34" charset="0"/>
-              <a:cs typeface="Arial" panose="020B0604020202020204" pitchFamily="34" charset="0"/>
-            </a:endParaRPr>
           </a:p>
           <a:p>
             <a:r>
@@ -28605,8 +27301,34 @@
                 <a:latin typeface="+mj-lt"/>
                 <a:cs typeface="Arial" panose="020B0604020202020204" pitchFamily="34" charset="0"/>
               </a:rPr>
-              <a:t>bash </a:t>
-            </a:r>
+              <a:t>bash Miniconda3-latest-Linux-x86_64.sh</a:t>
+            </a:r>
+          </a:p>
+          <a:p>
+            <a:r>
+              <a:rPr lang="en-GB" dirty="0">
+                <a:latin typeface="Arial" panose="020B0604020202020204" pitchFamily="34" charset="0"/>
+                <a:cs typeface="Arial" panose="020B0604020202020204" pitchFamily="34" charset="0"/>
+              </a:rPr>
+              <a:t>Say yes to everything it asks you during the install process</a:t>
+            </a:r>
+          </a:p>
+          <a:p>
+            <a:endParaRPr lang="en-GB" dirty="0">
+              <a:latin typeface="Arial" panose="020B0604020202020204" pitchFamily="34" charset="0"/>
+              <a:cs typeface="Arial" panose="020B0604020202020204" pitchFamily="34" charset="0"/>
+            </a:endParaRPr>
+          </a:p>
+          <a:p>
+            <a:r>
+              <a:rPr lang="en-GB" dirty="0">
+                <a:latin typeface="Arial" panose="020B0604020202020204" pitchFamily="34" charset="0"/>
+                <a:cs typeface="Arial" panose="020B0604020202020204" pitchFamily="34" charset="0"/>
+              </a:rPr>
+              <a:t>Log out of Ada and back in again:</a:t>
+            </a:r>
+          </a:p>
+          <a:p>
             <a:r>
               <a:rPr lang="en-GB" b="1" dirty="0">
                 <a:solidFill>
@@ -28615,58 +27337,24 @@
                     <a:lumOff val="50000"/>
                   </a:schemeClr>
                 </a:solidFill>
-                <a:latin typeface="+mj-lt"/>
-                <a:cs typeface="Arial" panose="020B0604020202020204" pitchFamily="34" charset="0"/>
-              </a:rPr>
-              <a:t>Miniconda3-latest-Linux-x86_64.sh</a:t>
-            </a:r>
-          </a:p>
-          <a:p>
-            <a:r>
-              <a:rPr lang="en-GB" dirty="0" smtClean="0">
-                <a:latin typeface="Arial" panose="020B0604020202020204" pitchFamily="34" charset="0"/>
-                <a:cs typeface="Arial" panose="020B0604020202020204" pitchFamily="34" charset="0"/>
-              </a:rPr>
-              <a:t>Say </a:t>
-            </a:r>
-            <a:r>
-              <a:rPr lang="en-GB" dirty="0">
-                <a:latin typeface="Arial" panose="020B0604020202020204" pitchFamily="34" charset="0"/>
-                <a:cs typeface="Arial" panose="020B0604020202020204" pitchFamily="34" charset="0"/>
-              </a:rPr>
-              <a:t>yes to everything it asks you during the install process</a:t>
-            </a:r>
-          </a:p>
-          <a:p>
-            <a:endParaRPr lang="en-GB" dirty="0" smtClean="0">
-              <a:latin typeface="Arial" panose="020B0604020202020204" pitchFamily="34" charset="0"/>
-              <a:cs typeface="Arial" panose="020B0604020202020204" pitchFamily="34" charset="0"/>
-            </a:endParaRPr>
-          </a:p>
-          <a:p>
-            <a:r>
-              <a:rPr lang="en-GB" dirty="0" smtClean="0">
-                <a:latin typeface="Arial" panose="020B0604020202020204" pitchFamily="34" charset="0"/>
-                <a:cs typeface="Arial" panose="020B0604020202020204" pitchFamily="34" charset="0"/>
-              </a:rPr>
-              <a:t>Log </a:t>
-            </a:r>
-            <a:r>
-              <a:rPr lang="en-GB" dirty="0">
-                <a:latin typeface="Arial" panose="020B0604020202020204" pitchFamily="34" charset="0"/>
-                <a:cs typeface="Arial" panose="020B0604020202020204" pitchFamily="34" charset="0"/>
-              </a:rPr>
-              <a:t>out of Ada and back in </a:t>
-            </a:r>
-            <a:r>
-              <a:rPr lang="en-GB" dirty="0" smtClean="0">
-                <a:latin typeface="Arial" panose="020B0604020202020204" pitchFamily="34" charset="0"/>
-                <a:cs typeface="Arial" panose="020B0604020202020204" pitchFamily="34" charset="0"/>
-              </a:rPr>
-              <a:t>again:</a:t>
-            </a:r>
-          </a:p>
-          <a:p>
+                <a:cs typeface="Arial" panose="020B0604020202020204" pitchFamily="34" charset="0"/>
+              </a:rPr>
+              <a:t>exit</a:t>
+            </a:r>
+          </a:p>
+          <a:p>
+            <a:r>
+              <a:rPr lang="en-GB" b="1" dirty="0" err="1">
+                <a:solidFill>
+                  <a:schemeClr val="tx1">
+                    <a:lumMod val="50000"/>
+                    <a:lumOff val="50000"/>
+                  </a:schemeClr>
+                </a:solidFill>
+                <a:cs typeface="Arial" panose="020B0604020202020204" pitchFamily="34" charset="0"/>
+              </a:rPr>
+              <a:t>ssh</a:t>
+            </a:r>
             <a:r>
               <a:rPr lang="en-GB" b="1" dirty="0">
                 <a:solidFill>
@@ -28677,60 +27365,10 @@
                 </a:solidFill>
                 <a:cs typeface="Arial" panose="020B0604020202020204" pitchFamily="34" charset="0"/>
               </a:rPr>
-              <a:t>e</a:t>
-            </a:r>
-            <a:r>
-              <a:rPr lang="en-GB" b="1" dirty="0" smtClean="0">
-                <a:solidFill>
-                  <a:schemeClr val="tx1">
-                    <a:lumMod val="50000"/>
-                    <a:lumOff val="50000"/>
-                  </a:schemeClr>
-                </a:solidFill>
-                <a:cs typeface="Arial" panose="020B0604020202020204" pitchFamily="34" charset="0"/>
-              </a:rPr>
-              <a:t>xit</a:t>
-            </a:r>
-          </a:p>
-          <a:p>
-            <a:r>
-              <a:rPr lang="en-GB" b="1" dirty="0" smtClean="0">
-                <a:solidFill>
-                  <a:schemeClr val="tx1">
-                    <a:lumMod val="50000"/>
-                    <a:lumOff val="50000"/>
-                  </a:schemeClr>
-                </a:solidFill>
-                <a:cs typeface="Arial" panose="020B0604020202020204" pitchFamily="34" charset="0"/>
-              </a:rPr>
-              <a:t>s</a:t>
-            </a:r>
-            <a:r>
-              <a:rPr lang="en-GB" b="1" smtClean="0">
-                <a:solidFill>
-                  <a:schemeClr val="tx1">
-                    <a:lumMod val="50000"/>
-                    <a:lumOff val="50000"/>
-                  </a:schemeClr>
-                </a:solidFill>
-                <a:cs typeface="Arial" panose="020B0604020202020204" pitchFamily="34" charset="0"/>
-              </a:rPr>
-              <a:t>sh</a:t>
-            </a:r>
-            <a:r>
-              <a:rPr lang="en-GB" b="1" dirty="0" smtClean="0">
-                <a:solidFill>
-                  <a:schemeClr val="tx1">
-                    <a:lumMod val="50000"/>
-                    <a:lumOff val="50000"/>
-                  </a:schemeClr>
-                </a:solidFill>
-                <a:cs typeface="Arial" panose="020B0604020202020204" pitchFamily="34" charset="0"/>
-              </a:rPr>
               <a:t> </a:t>
             </a:r>
             <a:r>
-              <a:rPr lang="en-GB" b="1" dirty="0" err="1" smtClean="0">
+              <a:rPr lang="en-GB" b="1" dirty="0" err="1">
                 <a:solidFill>
                   <a:schemeClr val="tx1">
                     <a:lumMod val="50000"/>
@@ -28763,14 +27401,7 @@
                 <a:latin typeface="Arial" panose="020B0604020202020204" pitchFamily="34" charset="0"/>
                 <a:cs typeface="Arial" panose="020B0604020202020204" pitchFamily="34" charset="0"/>
               </a:rPr>
-              <a:t>Then run the following commands</a:t>
-            </a:r>
-            <a:r>
-              <a:rPr lang="en-GB" dirty="0" smtClean="0">
-                <a:latin typeface="Arial" panose="020B0604020202020204" pitchFamily="34" charset="0"/>
-                <a:cs typeface="Arial" panose="020B0604020202020204" pitchFamily="34" charset="0"/>
-              </a:rPr>
-              <a:t>:</a:t>
+              <a:t>Then run the following commands:</a:t>
             </a:r>
             <a:endParaRPr lang="en-GB" b="1" dirty="0">
               <a:solidFill>
@@ -28795,7 +27426,20 @@
                 <a:latin typeface="+mj-lt"/>
                 <a:cs typeface="Arial" panose="020B0604020202020204" pitchFamily="34" charset="0"/>
               </a:rPr>
-              <a:t>conda </a:t>
+              <a:t>conda config --set </a:t>
+            </a:r>
+            <a:r>
+              <a:rPr lang="en-GB" b="1" dirty="0" err="1">
+                <a:solidFill>
+                  <a:schemeClr val="tx1">
+                    <a:lumMod val="50000"/>
+                    <a:lumOff val="50000"/>
+                  </a:schemeClr>
+                </a:solidFill>
+                <a:latin typeface="+mj-lt"/>
+                <a:cs typeface="Arial" panose="020B0604020202020204" pitchFamily="34" charset="0"/>
+              </a:rPr>
+              <a:t>auto_activate_base</a:t>
             </a:r>
             <a:r>
               <a:rPr lang="en-GB" b="1" dirty="0">
@@ -28808,21 +27452,10 @@
                 <a:latin typeface="+mj-lt"/>
                 <a:cs typeface="Arial" panose="020B0604020202020204" pitchFamily="34" charset="0"/>
               </a:rPr>
-              <a:t>config --set </a:t>
-            </a:r>
-            <a:r>
-              <a:rPr lang="en-GB" b="1" dirty="0" err="1">
-                <a:solidFill>
-                  <a:schemeClr val="tx1">
-                    <a:lumMod val="50000"/>
-                    <a:lumOff val="50000"/>
-                  </a:schemeClr>
-                </a:solidFill>
-                <a:latin typeface="+mj-lt"/>
-                <a:cs typeface="Arial" panose="020B0604020202020204" pitchFamily="34" charset="0"/>
-              </a:rPr>
-              <a:t>auto_activate_base</a:t>
-            </a:r>
+              <a:t> false</a:t>
+            </a:r>
+          </a:p>
+          <a:p>
             <a:r>
               <a:rPr lang="en-GB" b="1" dirty="0">
                 <a:solidFill>
@@ -28834,36 +27467,10 @@
                 <a:latin typeface="+mj-lt"/>
                 <a:cs typeface="Arial" panose="020B0604020202020204" pitchFamily="34" charset="0"/>
               </a:rPr>
-              <a:t> </a:t>
-            </a:r>
-            <a:r>
-              <a:rPr lang="en-GB" b="1" dirty="0" smtClean="0">
-                <a:solidFill>
-                  <a:schemeClr val="tx1">
-                    <a:lumMod val="50000"/>
-                    <a:lumOff val="50000"/>
-                  </a:schemeClr>
-                </a:solidFill>
-                <a:latin typeface="+mj-lt"/>
-                <a:cs typeface="Arial" panose="020B0604020202020204" pitchFamily="34" charset="0"/>
-              </a:rPr>
-              <a:t>false</a:t>
-            </a:r>
-          </a:p>
-          <a:p>
-            <a:r>
-              <a:rPr lang="en-GB" b="1" dirty="0" smtClean="0">
-                <a:solidFill>
-                  <a:schemeClr val="tx1">
-                    <a:lumMod val="50000"/>
-                    <a:lumOff val="50000"/>
-                  </a:schemeClr>
-                </a:solidFill>
-                <a:latin typeface="+mj-lt"/>
-                <a:cs typeface="Arial" panose="020B0604020202020204" pitchFamily="34" charset="0"/>
-              </a:rPr>
-              <a:t>conda </a:t>
-            </a:r>
+              <a:t>conda config --append channels conda-forge</a:t>
+            </a:r>
+          </a:p>
+          <a:p>
             <a:r>
               <a:rPr lang="en-GB" b="1" dirty="0">
                 <a:solidFill>
@@ -28875,48 +27482,7 @@
                 <a:latin typeface="+mj-lt"/>
                 <a:cs typeface="Arial" panose="020B0604020202020204" pitchFamily="34" charset="0"/>
               </a:rPr>
-              <a:t>config</a:t>
-            </a:r>
-            <a:r>
-              <a:rPr lang="en-GB" b="1" dirty="0">
-                <a:solidFill>
-                  <a:schemeClr val="tx1">
-                    <a:lumMod val="50000"/>
-                    <a:lumOff val="50000"/>
-                  </a:schemeClr>
-                </a:solidFill>
-                <a:latin typeface="+mj-lt"/>
-                <a:cs typeface="Arial" panose="020B0604020202020204" pitchFamily="34" charset="0"/>
-              </a:rPr>
-              <a:t> --append channels conda-forge</a:t>
-            </a:r>
-          </a:p>
-          <a:p>
-            <a:r>
-              <a:rPr lang="en-GB" b="1" dirty="0">
-                <a:solidFill>
-                  <a:schemeClr val="tx1">
-                    <a:lumMod val="50000"/>
-                    <a:lumOff val="50000"/>
-                  </a:schemeClr>
-                </a:solidFill>
-                <a:latin typeface="+mj-lt"/>
-                <a:cs typeface="Arial" panose="020B0604020202020204" pitchFamily="34" charset="0"/>
-              </a:rPr>
-              <a:t>conda </a:t>
-            </a:r>
-            <a:r>
-              <a:rPr lang="en-GB" b="1" dirty="0">
-                <a:solidFill>
-                  <a:schemeClr val="tx1">
-                    <a:lumMod val="50000"/>
-                    <a:lumOff val="50000"/>
-                  </a:schemeClr>
-                </a:solidFill>
-                <a:latin typeface="+mj-lt"/>
-                <a:cs typeface="Arial" panose="020B0604020202020204" pitchFamily="34" charset="0"/>
-              </a:rPr>
-              <a:t>config --append channels </a:t>
+              <a:t>conda config --append channels </a:t>
             </a:r>
             <a:r>
               <a:rPr lang="en-GB" b="1" dirty="0" err="1">
@@ -28954,20 +27520,7 @@
                 <a:latin typeface="+mj-lt"/>
                 <a:cs typeface="Arial" panose="020B0604020202020204" pitchFamily="34" charset="0"/>
               </a:rPr>
-              <a:t>conda </a:t>
-            </a:r>
-            <a:r>
-              <a:rPr lang="en-GB" b="1" dirty="0" smtClean="0">
-                <a:solidFill>
-                  <a:schemeClr val="tx1">
-                    <a:lumMod val="50000"/>
-                    <a:lumOff val="50000"/>
-                  </a:schemeClr>
-                </a:solidFill>
-                <a:latin typeface="+mj-lt"/>
-                <a:cs typeface="Arial" panose="020B0604020202020204" pitchFamily="34" charset="0"/>
-              </a:rPr>
-              <a:t>deactivate</a:t>
+              <a:t>conda deactivate</a:t>
             </a:r>
           </a:p>
           <a:p>
@@ -28984,7 +27537,7 @@
           </a:p>
           <a:p>
             <a:r>
-              <a:rPr lang="en-GB" dirty="0" smtClean="0">
+              <a:rPr lang="en-GB" dirty="0">
                 <a:latin typeface="Arial" panose="020B0604020202020204" pitchFamily="34" charset="0"/>
                 <a:cs typeface="Arial" panose="020B0604020202020204" pitchFamily="34" charset="0"/>
               </a:rPr>
@@ -29003,10 +27556,10 @@
                 <a:latin typeface="+mj-lt"/>
                 <a:cs typeface="Arial" panose="020B0604020202020204" pitchFamily="34" charset="0"/>
               </a:rPr>
-              <a:t>c</a:t>
-            </a:r>
-            <a:r>
-              <a:rPr lang="en-GB" b="1" dirty="0" smtClean="0">
+              <a:t>conda create --name </a:t>
+            </a:r>
+            <a:r>
+              <a:rPr lang="en-GB" b="1" dirty="0" err="1">
                 <a:solidFill>
                   <a:schemeClr val="tx1">
                     <a:lumMod val="50000"/>
@@ -29016,10 +27569,10 @@
                 <a:latin typeface="+mj-lt"/>
                 <a:cs typeface="Arial" panose="020B0604020202020204" pitchFamily="34" charset="0"/>
               </a:rPr>
-              <a:t>onda create --name </a:t>
-            </a:r>
-            <a:r>
-              <a:rPr lang="en-GB" b="1" dirty="0" err="1" smtClean="0">
+              <a:t>nanoplot</a:t>
+            </a:r>
+            <a:r>
+              <a:rPr lang="en-GB" b="1" dirty="0">
                 <a:solidFill>
                   <a:schemeClr val="tx1">
                     <a:lumMod val="50000"/>
@@ -29029,23 +27582,10 @@
                 <a:latin typeface="+mj-lt"/>
                 <a:cs typeface="Arial" panose="020B0604020202020204" pitchFamily="34" charset="0"/>
               </a:rPr>
-              <a:t>nanoplot</a:t>
-            </a:r>
-            <a:r>
-              <a:rPr lang="en-GB" b="1" dirty="0" smtClean="0">
-                <a:solidFill>
-                  <a:schemeClr val="tx1">
-                    <a:lumMod val="50000"/>
-                    <a:lumOff val="50000"/>
-                  </a:schemeClr>
-                </a:solidFill>
-                <a:latin typeface="+mj-lt"/>
-                <a:cs typeface="Arial" panose="020B0604020202020204" pitchFamily="34" charset="0"/>
-              </a:rPr>
               <a:t> </a:t>
             </a:r>
             <a:r>
-              <a:rPr lang="en-GB" b="1" dirty="0" err="1" smtClean="0">
+              <a:rPr lang="en-GB" b="1" dirty="0" err="1">
                 <a:solidFill>
                   <a:schemeClr val="tx1">
                     <a:lumMod val="50000"/>
@@ -29080,10 +27620,10 @@
                 <a:latin typeface="+mj-lt"/>
                 <a:cs typeface="Arial" panose="020B0604020202020204" pitchFamily="34" charset="0"/>
               </a:rPr>
-              <a:t>c</a:t>
-            </a:r>
-            <a:r>
-              <a:rPr lang="en-GB" b="1" dirty="0" smtClean="0">
+              <a:t>conda activate </a:t>
+            </a:r>
+            <a:r>
+              <a:rPr lang="en-GB" b="1" dirty="0" err="1">
                 <a:solidFill>
                   <a:schemeClr val="tx1">
                     <a:lumMod val="50000"/>
@@ -29093,22 +27633,9 @@
                 <a:latin typeface="+mj-lt"/>
                 <a:cs typeface="Arial" panose="020B0604020202020204" pitchFamily="34" charset="0"/>
               </a:rPr>
-              <a:t>onda activate </a:t>
-            </a:r>
-            <a:r>
-              <a:rPr lang="en-GB" b="1" dirty="0" err="1" smtClean="0">
-                <a:solidFill>
-                  <a:schemeClr val="tx1">
-                    <a:lumMod val="50000"/>
-                    <a:lumOff val="50000"/>
-                  </a:schemeClr>
-                </a:solidFill>
-                <a:latin typeface="+mj-lt"/>
-                <a:cs typeface="Arial" panose="020B0604020202020204" pitchFamily="34" charset="0"/>
-              </a:rPr>
               <a:t>nanoplot</a:t>
             </a:r>
-            <a:endParaRPr lang="en-GB" b="1" dirty="0" smtClean="0">
+            <a:endParaRPr lang="en-GB" b="1" dirty="0">
               <a:solidFill>
                 <a:schemeClr val="tx1">
                   <a:lumMod val="50000"/>
@@ -29121,7 +27648,7 @@
           </a:p>
           <a:p>
             <a:r>
-              <a:rPr lang="en-GB" b="1" dirty="0" err="1" smtClean="0">
+              <a:rPr lang="en-GB" b="1" dirty="0" err="1">
                 <a:solidFill>
                   <a:schemeClr val="tx1">
                     <a:lumMod val="50000"/>
@@ -29133,21 +27660,6 @@
               </a:rPr>
               <a:t>NanoPlot</a:t>
             </a:r>
-            <a:r>
-              <a:rPr lang="en-GB" b="1" dirty="0" smtClean="0">
-                <a:solidFill>
-                  <a:schemeClr val="tx1">
-                    <a:lumMod val="50000"/>
-                    <a:lumOff val="50000"/>
-                  </a:schemeClr>
-                </a:solidFill>
-                <a:latin typeface="+mj-lt"/>
-                <a:cs typeface="Arial" panose="020B0604020202020204" pitchFamily="34" charset="0"/>
-              </a:rPr>
-              <a:t> -h</a:t>
-            </a:r>
-          </a:p>
-          <a:p>
             <a:r>
               <a:rPr lang="en-GB" b="1" dirty="0">
                 <a:solidFill>
@@ -29159,10 +27671,12 @@
                 <a:latin typeface="+mj-lt"/>
                 <a:cs typeface="Arial" panose="020B0604020202020204" pitchFamily="34" charset="0"/>
               </a:rPr>
-              <a:t>c</a:t>
-            </a:r>
-            <a:r>
-              <a:rPr lang="en-GB" b="1" dirty="0" smtClean="0">
+              <a:t> -h</a:t>
+            </a:r>
+          </a:p>
+          <a:p>
+            <a:r>
+              <a:rPr lang="en-GB" b="1" dirty="0">
                 <a:solidFill>
                   <a:schemeClr val="tx1">
                     <a:lumMod val="50000"/>
@@ -29172,7 +27686,7 @@
                 <a:latin typeface="+mj-lt"/>
                 <a:cs typeface="Arial" panose="020B0604020202020204" pitchFamily="34" charset="0"/>
               </a:rPr>
-              <a:t>onda deactivate</a:t>
+              <a:t>conda deactivate</a:t>
             </a:r>
           </a:p>
           <a:p>
@@ -29246,13 +27760,6 @@
   <p:clrMapOvr>
     <a:masterClrMapping/>
   </p:clrMapOvr>
-  <p:timing>
-    <p:tnLst>
-      <p:par>
-        <p:cTn id="1" dur="indefinite" restart="never" nodeType="tmRoot"/>
-      </p:par>
-    </p:tnLst>
-  </p:timing>
 </p:sld>
 </file>
 
@@ -29579,13 +28086,6 @@
   <p:clrMapOvr>
     <a:masterClrMapping/>
   </p:clrMapOvr>
-  <p:timing>
-    <p:tnLst>
-      <p:par>
-        <p:cTn id="1" dur="indefinite" restart="never" nodeType="tmRoot"/>
-      </p:par>
-    </p:tnLst>
-  </p:timing>
 </p:sld>
 </file>
 
@@ -30251,13 +28751,6 @@
   <p:clrMapOvr>
     <a:masterClrMapping/>
   </p:clrMapOvr>
-  <p:timing>
-    <p:tnLst>
-      <p:par>
-        <p:cTn id="1" dur="indefinite" restart="never" nodeType="tmRoot"/>
-      </p:par>
-    </p:tnLst>
-  </p:timing>
 </p:sld>
 </file>
 
@@ -30318,14 +28811,14 @@
           <a:lstStyle/>
           <a:p>
             <a:r>
-              <a:rPr lang="en-US" sz="3600" dirty="0" smtClean="0">
+              <a:rPr lang="en-US" sz="3600" dirty="0">
                 <a:latin typeface="Arial" panose="020B0604020202020204" pitchFamily="34" charset="0"/>
                 <a:cs typeface="Arial" panose="020B0604020202020204" pitchFamily="34" charset="0"/>
               </a:rPr>
               <a:t>Practical: copying files to and from Ada with </a:t>
             </a:r>
             <a:r>
-              <a:rPr lang="en-US" sz="3600" dirty="0" err="1" smtClean="0">
+              <a:rPr lang="en-US" sz="3600" dirty="0" err="1">
                 <a:latin typeface="Arial" panose="020B0604020202020204" pitchFamily="34" charset="0"/>
                 <a:cs typeface="Arial" panose="020B0604020202020204" pitchFamily="34" charset="0"/>
               </a:rPr>
@@ -30367,34 +28860,30 @@
           <a:lstStyle/>
           <a:p>
             <a:r>
-              <a:rPr lang="en-GB" dirty="0" smtClean="0">
+              <a:rPr lang="en-GB" dirty="0">
                 <a:latin typeface="Arial" panose="020B0604020202020204" pitchFamily="34" charset="0"/>
                 <a:cs typeface="Arial" panose="020B0604020202020204" pitchFamily="34" charset="0"/>
               </a:rPr>
               <a:t>Logout of Ada (</a:t>
             </a:r>
             <a:r>
-              <a:rPr lang="en-GB" dirty="0" err="1" smtClean="0">
+              <a:rPr lang="en-GB" dirty="0" err="1">
                 <a:latin typeface="Arial" panose="020B0604020202020204" pitchFamily="34" charset="0"/>
                 <a:cs typeface="Arial" panose="020B0604020202020204" pitchFamily="34" charset="0"/>
               </a:rPr>
               <a:t>scp</a:t>
             </a:r>
             <a:r>
-              <a:rPr lang="en-GB" dirty="0" smtClean="0">
+              <a:rPr lang="en-GB" dirty="0">
                 <a:latin typeface="Arial" panose="020B0604020202020204" pitchFamily="34" charset="0"/>
                 <a:cs typeface="Arial" panose="020B0604020202020204" pitchFamily="34" charset="0"/>
               </a:rPr>
               <a:t> is always run from your laptop terminal not from Ada):</a:t>
             </a:r>
-            <a:endParaRPr lang="en-GB" dirty="0">
-              <a:latin typeface="Arial" panose="020B0604020202020204" pitchFamily="34" charset="0"/>
-              <a:cs typeface="Arial" panose="020B0604020202020204" pitchFamily="34" charset="0"/>
-            </a:endParaRPr>
-          </a:p>
-          <a:p>
-            <a:r>
-              <a:rPr lang="en-GB" b="1" dirty="0" smtClean="0">
+          </a:p>
+          <a:p>
+            <a:r>
+              <a:rPr lang="en-GB" b="1" dirty="0">
                 <a:solidFill>
                   <a:schemeClr val="tx1">
                     <a:lumMod val="50000"/>
@@ -30406,6 +28895,8 @@
               </a:rPr>
               <a:t>exit</a:t>
             </a:r>
+          </a:p>
+          <a:p>
             <a:endParaRPr lang="en-GB" b="1" dirty="0">
               <a:solidFill>
                 <a:schemeClr val="tx1">
@@ -30418,6 +28909,103 @@
             </a:endParaRPr>
           </a:p>
           <a:p>
+            <a:r>
+              <a:rPr lang="en-GB" dirty="0">
+                <a:latin typeface="Arial" panose="020B0604020202020204" pitchFamily="34" charset="0"/>
+                <a:cs typeface="Arial" panose="020B0604020202020204" pitchFamily="34" charset="0"/>
+              </a:rPr>
+              <a:t>Copy a file from the LIFE4137-HPC_practical folder on Ada to your laptop:</a:t>
+            </a:r>
+          </a:p>
+          <a:p>
+            <a:r>
+              <a:rPr lang="en-GB" b="1" dirty="0" err="1">
+                <a:solidFill>
+                  <a:schemeClr val="tx1">
+                    <a:lumMod val="50000"/>
+                    <a:lumOff val="50000"/>
+                  </a:schemeClr>
+                </a:solidFill>
+                <a:latin typeface="+mj-lt"/>
+                <a:cs typeface="Arial" panose="020B0604020202020204" pitchFamily="34" charset="0"/>
+              </a:rPr>
+              <a:t>scp</a:t>
+            </a:r>
+            <a:r>
+              <a:rPr lang="en-GB" b="1" dirty="0">
+                <a:solidFill>
+                  <a:schemeClr val="tx1">
+                    <a:lumMod val="50000"/>
+                    <a:lumOff val="50000"/>
+                  </a:schemeClr>
+                </a:solidFill>
+                <a:latin typeface="+mj-lt"/>
+                <a:cs typeface="Arial" panose="020B0604020202020204" pitchFamily="34" charset="0"/>
+              </a:rPr>
+              <a:t> </a:t>
+            </a:r>
+            <a:r>
+              <a:rPr lang="en-GB" b="1" dirty="0" err="1">
+                <a:solidFill>
+                  <a:schemeClr val="tx1">
+                    <a:lumMod val="50000"/>
+                    <a:lumOff val="50000"/>
+                  </a:schemeClr>
+                </a:solidFill>
+                <a:latin typeface="+mj-lt"/>
+                <a:cs typeface="Arial" panose="020B0604020202020204" pitchFamily="34" charset="0"/>
+              </a:rPr>
+              <a:t>ada</a:t>
+            </a:r>
+            <a:r>
+              <a:rPr lang="en-GB" b="1" dirty="0">
+                <a:solidFill>
+                  <a:schemeClr val="tx1">
+                    <a:lumMod val="50000"/>
+                    <a:lumOff val="50000"/>
+                  </a:schemeClr>
+                </a:solidFill>
+                <a:latin typeface="+mj-lt"/>
+                <a:cs typeface="Arial" panose="020B0604020202020204" pitchFamily="34" charset="0"/>
+              </a:rPr>
+              <a:t>:~/</a:t>
+            </a:r>
+            <a:r>
+              <a:rPr lang="en-US" b="1" dirty="0">
+                <a:solidFill>
+                  <a:schemeClr val="tx1">
+                    <a:lumMod val="50000"/>
+                    <a:lumOff val="50000"/>
+                  </a:schemeClr>
+                </a:solidFill>
+                <a:cs typeface="Arial" panose="020B0604020202020204" pitchFamily="34" charset="0"/>
+              </a:rPr>
+              <a:t>LIFE4137-HPC_practice/</a:t>
+            </a:r>
+            <a:r>
+              <a:rPr lang="en-US" b="1" dirty="0" err="1">
+                <a:solidFill>
+                  <a:schemeClr val="tx1">
+                    <a:lumMod val="50000"/>
+                    <a:lumOff val="50000"/>
+                  </a:schemeClr>
+                </a:solidFill>
+                <a:cs typeface="Arial" panose="020B0604020202020204" pitchFamily="34" charset="0"/>
+              </a:rPr>
+              <a:t>job_submission_script.bash</a:t>
+            </a:r>
+            <a:r>
+              <a:rPr lang="en-US" b="1" dirty="0">
+                <a:solidFill>
+                  <a:schemeClr val="tx1">
+                    <a:lumMod val="50000"/>
+                    <a:lumOff val="50000"/>
+                  </a:schemeClr>
+                </a:solidFill>
+                <a:cs typeface="Arial" panose="020B0604020202020204" pitchFamily="34" charset="0"/>
+              </a:rPr>
+              <a:t> ./</a:t>
+            </a:r>
             <a:endParaRPr lang="en-GB" b="1" dirty="0">
               <a:solidFill>
                 <a:schemeClr val="tx1">
@@ -30430,13 +29018,6 @@
             </a:endParaRPr>
           </a:p>
           <a:p>
-            <a:r>
-              <a:rPr lang="en-GB" dirty="0" smtClean="0">
-                <a:latin typeface="Arial" panose="020B0604020202020204" pitchFamily="34" charset="0"/>
-                <a:cs typeface="Arial" panose="020B0604020202020204" pitchFamily="34" charset="0"/>
-              </a:rPr>
-              <a:t>Copy a file from the LIFE4137-HPC_practical folder on Ada to your laptop:</a:t>
-            </a:r>
             <a:endParaRPr lang="en-GB" dirty="0">
               <a:latin typeface="Arial" panose="020B0604020202020204" pitchFamily="34" charset="0"/>
               <a:cs typeface="Arial" panose="020B0604020202020204" pitchFamily="34" charset="0"/>
@@ -30444,105 +29025,40 @@
           </a:p>
           <a:p>
             <a:r>
-              <a:rPr lang="en-GB" b="1" dirty="0" err="1">
+              <a:rPr lang="en-GB" dirty="0">
+                <a:latin typeface="Arial" panose="020B0604020202020204" pitchFamily="34" charset="0"/>
+                <a:cs typeface="Arial" panose="020B0604020202020204" pitchFamily="34" charset="0"/>
+              </a:rPr>
+              <a:t>Check the file is now there on your laptop:</a:t>
+            </a:r>
+          </a:p>
+          <a:p>
+            <a:r>
+              <a:rPr lang="en-GB" b="1" dirty="0">
                 <a:solidFill>
                   <a:schemeClr val="tx1">
                     <a:lumMod val="50000"/>
                     <a:lumOff val="50000"/>
                   </a:schemeClr>
                 </a:solidFill>
-                <a:latin typeface="+mj-lt"/>
-                <a:cs typeface="Arial" panose="020B0604020202020204" pitchFamily="34" charset="0"/>
-              </a:rPr>
-              <a:t>s</a:t>
-            </a:r>
-            <a:r>
-              <a:rPr lang="en-GB" b="1" dirty="0" err="1" smtClean="0">
-                <a:solidFill>
-                  <a:schemeClr val="tx1">
-                    <a:lumMod val="50000"/>
-                    <a:lumOff val="50000"/>
-                  </a:schemeClr>
-                </a:solidFill>
-                <a:latin typeface="+mj-lt"/>
-                <a:cs typeface="Arial" panose="020B0604020202020204" pitchFamily="34" charset="0"/>
-              </a:rPr>
-              <a:t>cp</a:t>
-            </a:r>
-            <a:r>
-              <a:rPr lang="en-GB" b="1" dirty="0" smtClean="0">
-                <a:solidFill>
-                  <a:schemeClr val="tx1">
-                    <a:lumMod val="50000"/>
-                    <a:lumOff val="50000"/>
-                  </a:schemeClr>
-                </a:solidFill>
-                <a:latin typeface="+mj-lt"/>
-                <a:cs typeface="Arial" panose="020B0604020202020204" pitchFamily="34" charset="0"/>
-              </a:rPr>
-              <a:t> </a:t>
-            </a:r>
-            <a:r>
-              <a:rPr lang="en-GB" b="1" dirty="0" err="1" smtClean="0">
-                <a:solidFill>
-                  <a:schemeClr val="tx1">
-                    <a:lumMod val="50000"/>
-                    <a:lumOff val="50000"/>
-                  </a:schemeClr>
-                </a:solidFill>
-                <a:latin typeface="+mj-lt"/>
-                <a:cs typeface="Arial" panose="020B0604020202020204" pitchFamily="34" charset="0"/>
-              </a:rPr>
-              <a:t>ada</a:t>
-            </a:r>
-            <a:r>
-              <a:rPr lang="en-GB" b="1" dirty="0" smtClean="0">
-                <a:solidFill>
-                  <a:schemeClr val="tx1">
-                    <a:lumMod val="50000"/>
-                    <a:lumOff val="50000"/>
-                  </a:schemeClr>
-                </a:solidFill>
-                <a:latin typeface="+mj-lt"/>
-                <a:cs typeface="Arial" panose="020B0604020202020204" pitchFamily="34" charset="0"/>
-              </a:rPr>
-              <a:t>:~/</a:t>
-            </a:r>
-            <a:r>
-              <a:rPr lang="en-US" b="1" dirty="0" smtClean="0">
-                <a:solidFill>
-                  <a:schemeClr val="tx1">
-                    <a:lumMod val="50000"/>
-                    <a:lumOff val="50000"/>
-                  </a:schemeClr>
-                </a:solidFill>
-                <a:cs typeface="Arial" panose="020B0604020202020204" pitchFamily="34" charset="0"/>
-              </a:rPr>
-              <a:t>LIFE4137-HPC_practice/</a:t>
-            </a:r>
-            <a:r>
-              <a:rPr lang="en-US" b="1" dirty="0" err="1" smtClean="0">
-                <a:solidFill>
-                  <a:schemeClr val="tx1">
-                    <a:lumMod val="50000"/>
-                    <a:lumOff val="50000"/>
-                  </a:schemeClr>
-                </a:solidFill>
-                <a:cs typeface="Arial" panose="020B0604020202020204" pitchFamily="34" charset="0"/>
-              </a:rPr>
-              <a:t>job_submission_script.bash</a:t>
-            </a:r>
-            <a:r>
-              <a:rPr lang="en-US" b="1" dirty="0" smtClean="0">
-                <a:solidFill>
-                  <a:schemeClr val="tx1">
-                    <a:lumMod val="50000"/>
-                    <a:lumOff val="50000"/>
-                  </a:schemeClr>
-                </a:solidFill>
-                <a:cs typeface="Arial" panose="020B0604020202020204" pitchFamily="34" charset="0"/>
-              </a:rPr>
-              <a:t> ./</a:t>
+                <a:cs typeface="Arial" panose="020B0604020202020204" pitchFamily="34" charset="0"/>
+              </a:rPr>
+              <a:t>ls</a:t>
+            </a:r>
+          </a:p>
+          <a:p>
+            <a:endParaRPr lang="en-GB" dirty="0">
+              <a:latin typeface="Arial" panose="020B0604020202020204" pitchFamily="34" charset="0"/>
+              <a:cs typeface="Arial" panose="020B0604020202020204" pitchFamily="34" charset="0"/>
+            </a:endParaRPr>
+          </a:p>
+          <a:p>
+            <a:r>
+              <a:rPr lang="en-GB" dirty="0">
+                <a:latin typeface="Arial" panose="020B0604020202020204" pitchFamily="34" charset="0"/>
+                <a:cs typeface="Arial" panose="020B0604020202020204" pitchFamily="34" charset="0"/>
+              </a:rPr>
+              <a:t>Copy a file from your laptop to the LIFE4137-HPC_practical folder on Ada:</a:t>
             </a:r>
             <a:endParaRPr lang="en-GB" b="1" dirty="0">
               <a:solidFill>
@@ -30556,61 +29072,82 @@
             </a:endParaRPr>
           </a:p>
           <a:p>
-            <a:endParaRPr lang="en-GB" dirty="0" smtClean="0">
-              <a:latin typeface="Arial" panose="020B0604020202020204" pitchFamily="34" charset="0"/>
-              <a:cs typeface="Arial" panose="020B0604020202020204" pitchFamily="34" charset="0"/>
-            </a:endParaRPr>
-          </a:p>
-          <a:p>
-            <a:r>
-              <a:rPr lang="en-GB" dirty="0" smtClean="0">
-                <a:latin typeface="Arial" panose="020B0604020202020204" pitchFamily="34" charset="0"/>
-                <a:cs typeface="Arial" panose="020B0604020202020204" pitchFamily="34" charset="0"/>
-              </a:rPr>
-              <a:t>Check the file is now there on your laptop:</a:t>
-            </a:r>
-          </a:p>
-          <a:p>
-            <a:r>
-              <a:rPr lang="en-GB" b="1" dirty="0" smtClean="0">
+            <a:r>
+              <a:rPr lang="en-GB" b="1" dirty="0">
                 <a:solidFill>
                   <a:schemeClr val="tx1">
                     <a:lumMod val="50000"/>
                     <a:lumOff val="50000"/>
                   </a:schemeClr>
                 </a:solidFill>
-                <a:cs typeface="Arial" panose="020B0604020202020204" pitchFamily="34" charset="0"/>
-              </a:rPr>
-              <a:t>ls</a:t>
-            </a:r>
-          </a:p>
-          <a:p>
-            <a:endParaRPr lang="en-GB" dirty="0" smtClean="0">
-              <a:latin typeface="Arial" panose="020B0604020202020204" pitchFamily="34" charset="0"/>
-              <a:cs typeface="Arial" panose="020B0604020202020204" pitchFamily="34" charset="0"/>
-            </a:endParaRPr>
-          </a:p>
-          <a:p>
-            <a:r>
-              <a:rPr lang="en-GB" dirty="0" smtClean="0">
-                <a:latin typeface="Arial" panose="020B0604020202020204" pitchFamily="34" charset="0"/>
-                <a:cs typeface="Arial" panose="020B0604020202020204" pitchFamily="34" charset="0"/>
-              </a:rPr>
-              <a:t>Copy a file from your laptop to the </a:t>
-            </a:r>
-            <a:r>
-              <a:rPr lang="en-GB" dirty="0">
-                <a:latin typeface="Arial" panose="020B0604020202020204" pitchFamily="34" charset="0"/>
-                <a:cs typeface="Arial" panose="020B0604020202020204" pitchFamily="34" charset="0"/>
-              </a:rPr>
-              <a:t>LIFE4137-HPC_practical folder on </a:t>
-            </a:r>
-            <a:r>
-              <a:rPr lang="en-GB" dirty="0" smtClean="0">
-                <a:latin typeface="Arial" panose="020B0604020202020204" pitchFamily="34" charset="0"/>
-                <a:cs typeface="Arial" panose="020B0604020202020204" pitchFamily="34" charset="0"/>
-              </a:rPr>
-              <a:t>Ada:</a:t>
+                <a:latin typeface="+mj-lt"/>
+                <a:cs typeface="Arial" panose="020B0604020202020204" pitchFamily="34" charset="0"/>
+              </a:rPr>
+              <a:t>touch test_file.txt</a:t>
+            </a:r>
+          </a:p>
+          <a:p>
+            <a:r>
+              <a:rPr lang="en-GB" b="1" dirty="0" err="1">
+                <a:solidFill>
+                  <a:schemeClr val="tx1">
+                    <a:lumMod val="50000"/>
+                    <a:lumOff val="50000"/>
+                  </a:schemeClr>
+                </a:solidFill>
+                <a:latin typeface="+mj-lt"/>
+                <a:cs typeface="Arial" panose="020B0604020202020204" pitchFamily="34" charset="0"/>
+              </a:rPr>
+              <a:t>scp</a:t>
+            </a:r>
+            <a:r>
+              <a:rPr lang="en-GB" b="1" dirty="0">
+                <a:solidFill>
+                  <a:schemeClr val="tx1">
+                    <a:lumMod val="50000"/>
+                    <a:lumOff val="50000"/>
+                  </a:schemeClr>
+                </a:solidFill>
+                <a:latin typeface="+mj-lt"/>
+                <a:cs typeface="Arial" panose="020B0604020202020204" pitchFamily="34" charset="0"/>
+              </a:rPr>
+              <a:t> test_file.txt </a:t>
+            </a:r>
+            <a:r>
+              <a:rPr lang="en-GB" b="1" dirty="0" err="1">
+                <a:solidFill>
+                  <a:schemeClr val="tx1">
+                    <a:lumMod val="50000"/>
+                    <a:lumOff val="50000"/>
+                  </a:schemeClr>
+                </a:solidFill>
+                <a:cs typeface="Arial" panose="020B0604020202020204" pitchFamily="34" charset="0"/>
+              </a:rPr>
+              <a:t>ada</a:t>
+            </a:r>
+            <a:r>
+              <a:rPr lang="en-GB" b="1" dirty="0">
+                <a:solidFill>
+                  <a:schemeClr val="tx1">
+                    <a:lumMod val="50000"/>
+                    <a:lumOff val="50000"/>
+                  </a:schemeClr>
+                </a:solidFill>
+                <a:cs typeface="Arial" panose="020B0604020202020204" pitchFamily="34" charset="0"/>
+              </a:rPr>
+              <a:t>:~/</a:t>
+            </a:r>
+            <a:r>
+              <a:rPr lang="en-US" b="1" dirty="0">
+                <a:solidFill>
+                  <a:schemeClr val="tx1">
+                    <a:lumMod val="50000"/>
+                    <a:lumOff val="50000"/>
+                  </a:schemeClr>
+                </a:solidFill>
+                <a:cs typeface="Arial" panose="020B0604020202020204" pitchFamily="34" charset="0"/>
+              </a:rPr>
+              <a:t>LIFE4137-HPC_practice/</a:t>
             </a:r>
             <a:endParaRPr lang="en-GB" b="1" dirty="0">
               <a:solidFill>
@@ -30624,121 +29161,6 @@
             </a:endParaRPr>
           </a:p>
           <a:p>
-            <a:r>
-              <a:rPr lang="en-GB" b="1" dirty="0">
-                <a:solidFill>
-                  <a:schemeClr val="tx1">
-                    <a:lumMod val="50000"/>
-                    <a:lumOff val="50000"/>
-                  </a:schemeClr>
-                </a:solidFill>
-                <a:latin typeface="+mj-lt"/>
-                <a:cs typeface="Arial" panose="020B0604020202020204" pitchFamily="34" charset="0"/>
-              </a:rPr>
-              <a:t>t</a:t>
-            </a:r>
-            <a:r>
-              <a:rPr lang="en-GB" b="1" dirty="0" smtClean="0">
-                <a:solidFill>
-                  <a:schemeClr val="tx1">
-                    <a:lumMod val="50000"/>
-                    <a:lumOff val="50000"/>
-                  </a:schemeClr>
-                </a:solidFill>
-                <a:latin typeface="+mj-lt"/>
-                <a:cs typeface="Arial" panose="020B0604020202020204" pitchFamily="34" charset="0"/>
-              </a:rPr>
-              <a:t>ouch test_file.txt</a:t>
-            </a:r>
-          </a:p>
-          <a:p>
-            <a:r>
-              <a:rPr lang="en-GB" b="1" dirty="0" err="1">
-                <a:solidFill>
-                  <a:schemeClr val="tx1">
-                    <a:lumMod val="50000"/>
-                    <a:lumOff val="50000"/>
-                  </a:schemeClr>
-                </a:solidFill>
-                <a:latin typeface="+mj-lt"/>
-                <a:cs typeface="Arial" panose="020B0604020202020204" pitchFamily="34" charset="0"/>
-              </a:rPr>
-              <a:t>s</a:t>
-            </a:r>
-            <a:r>
-              <a:rPr lang="en-GB" b="1" dirty="0" err="1" smtClean="0">
-                <a:solidFill>
-                  <a:schemeClr val="tx1">
-                    <a:lumMod val="50000"/>
-                    <a:lumOff val="50000"/>
-                  </a:schemeClr>
-                </a:solidFill>
-                <a:latin typeface="+mj-lt"/>
-                <a:cs typeface="Arial" panose="020B0604020202020204" pitchFamily="34" charset="0"/>
-              </a:rPr>
-              <a:t>cp</a:t>
-            </a:r>
-            <a:r>
-              <a:rPr lang="en-GB" b="1" dirty="0" smtClean="0">
-                <a:solidFill>
-                  <a:schemeClr val="tx1">
-                    <a:lumMod val="50000"/>
-                    <a:lumOff val="50000"/>
-                  </a:schemeClr>
-                </a:solidFill>
-                <a:latin typeface="+mj-lt"/>
-                <a:cs typeface="Arial" panose="020B0604020202020204" pitchFamily="34" charset="0"/>
-              </a:rPr>
-              <a:t> test_file.txt </a:t>
-            </a:r>
-            <a:r>
-              <a:rPr lang="en-GB" b="1" dirty="0" err="1" smtClean="0">
-                <a:solidFill>
-                  <a:schemeClr val="tx1">
-                    <a:lumMod val="50000"/>
-                    <a:lumOff val="50000"/>
-                  </a:schemeClr>
-                </a:solidFill>
-                <a:cs typeface="Arial" panose="020B0604020202020204" pitchFamily="34" charset="0"/>
-              </a:rPr>
-              <a:t>ada</a:t>
-            </a:r>
-            <a:r>
-              <a:rPr lang="en-GB" b="1" dirty="0">
-                <a:solidFill>
-                  <a:schemeClr val="tx1">
-                    <a:lumMod val="50000"/>
-                    <a:lumOff val="50000"/>
-                  </a:schemeClr>
-                </a:solidFill>
-                <a:cs typeface="Arial" panose="020B0604020202020204" pitchFamily="34" charset="0"/>
-              </a:rPr>
-              <a:t>:~/</a:t>
-            </a:r>
-            <a:r>
-              <a:rPr lang="en-US" b="1" dirty="0">
-                <a:solidFill>
-                  <a:schemeClr val="tx1">
-                    <a:lumMod val="50000"/>
-                    <a:lumOff val="50000"/>
-                  </a:schemeClr>
-                </a:solidFill>
-                <a:cs typeface="Arial" panose="020B0604020202020204" pitchFamily="34" charset="0"/>
-              </a:rPr>
-              <a:t>LIFE4137-HPC_practice</a:t>
-            </a:r>
-            <a:r>
-              <a:rPr lang="en-US" b="1" dirty="0" smtClean="0">
-                <a:solidFill>
-                  <a:schemeClr val="tx1">
-                    <a:lumMod val="50000"/>
-                    <a:lumOff val="50000"/>
-                  </a:schemeClr>
-                </a:solidFill>
-                <a:cs typeface="Arial" panose="020B0604020202020204" pitchFamily="34" charset="0"/>
-              </a:rPr>
-              <a:t>/</a:t>
-            </a:r>
             <a:endParaRPr lang="en-GB" b="1" dirty="0">
               <a:solidFill>
                 <a:schemeClr val="tx1">
@@ -30751,6 +29173,54 @@
             </a:endParaRPr>
           </a:p>
           <a:p>
+            <a:r>
+              <a:rPr lang="en-GB" dirty="0">
+                <a:latin typeface="Arial" panose="020B0604020202020204" pitchFamily="34" charset="0"/>
+                <a:cs typeface="Arial" panose="020B0604020202020204" pitchFamily="34" charset="0"/>
+              </a:rPr>
+              <a:t>Log back into Ada and check your test_file.txt is there: </a:t>
+            </a:r>
+          </a:p>
+          <a:p>
+            <a:r>
+              <a:rPr lang="en-GB" b="1" dirty="0" err="1">
+                <a:solidFill>
+                  <a:schemeClr val="tx1">
+                    <a:lumMod val="50000"/>
+                    <a:lumOff val="50000"/>
+                  </a:schemeClr>
+                </a:solidFill>
+                <a:latin typeface="+mj-lt"/>
+                <a:cs typeface="Arial" panose="020B0604020202020204" pitchFamily="34" charset="0"/>
+              </a:rPr>
+              <a:t>ssh</a:t>
+            </a:r>
+            <a:r>
+              <a:rPr lang="en-GB" b="1" dirty="0">
+                <a:solidFill>
+                  <a:schemeClr val="tx1">
+                    <a:lumMod val="50000"/>
+                    <a:lumOff val="50000"/>
+                  </a:schemeClr>
+                </a:solidFill>
+                <a:latin typeface="+mj-lt"/>
+                <a:cs typeface="Arial" panose="020B0604020202020204" pitchFamily="34" charset="0"/>
+              </a:rPr>
+              <a:t> </a:t>
+            </a:r>
+            <a:r>
+              <a:rPr lang="en-GB" b="1" dirty="0" err="1">
+                <a:solidFill>
+                  <a:schemeClr val="tx1">
+                    <a:lumMod val="50000"/>
+                    <a:lumOff val="50000"/>
+                  </a:schemeClr>
+                </a:solidFill>
+                <a:latin typeface="+mj-lt"/>
+                <a:cs typeface="Arial" panose="020B0604020202020204" pitchFamily="34" charset="0"/>
+              </a:rPr>
+              <a:t>ada</a:t>
+            </a:r>
             <a:endParaRPr lang="en-GB" b="1" dirty="0">
               <a:solidFill>
                 <a:schemeClr val="tx1">
@@ -30764,79 +29234,6 @@
           </a:p>
           <a:p>
             <a:r>
-              <a:rPr lang="en-GB" dirty="0" smtClean="0">
-                <a:latin typeface="Arial" panose="020B0604020202020204" pitchFamily="34" charset="0"/>
-                <a:cs typeface="Arial" panose="020B0604020202020204" pitchFamily="34" charset="0"/>
-              </a:rPr>
-              <a:t>Log back into Ada and check your test_file.txt is there: </a:t>
-            </a:r>
-          </a:p>
-          <a:p>
-            <a:r>
-              <a:rPr lang="en-GB" b="1" dirty="0" err="1">
-                <a:solidFill>
-                  <a:schemeClr val="tx1">
-                    <a:lumMod val="50000"/>
-                    <a:lumOff val="50000"/>
-                  </a:schemeClr>
-                </a:solidFill>
-                <a:latin typeface="+mj-lt"/>
-                <a:cs typeface="Arial" panose="020B0604020202020204" pitchFamily="34" charset="0"/>
-              </a:rPr>
-              <a:t>s</a:t>
-            </a:r>
-            <a:r>
-              <a:rPr lang="en-GB" b="1" dirty="0" err="1" smtClean="0">
-                <a:solidFill>
-                  <a:schemeClr val="tx1">
-                    <a:lumMod val="50000"/>
-                    <a:lumOff val="50000"/>
-                  </a:schemeClr>
-                </a:solidFill>
-                <a:latin typeface="+mj-lt"/>
-                <a:cs typeface="Arial" panose="020B0604020202020204" pitchFamily="34" charset="0"/>
-              </a:rPr>
-              <a:t>sh</a:t>
-            </a:r>
-            <a:r>
-              <a:rPr lang="en-GB" b="1" dirty="0" smtClean="0">
-                <a:solidFill>
-                  <a:schemeClr val="tx1">
-                    <a:lumMod val="50000"/>
-                    <a:lumOff val="50000"/>
-                  </a:schemeClr>
-                </a:solidFill>
-                <a:latin typeface="+mj-lt"/>
-                <a:cs typeface="Arial" panose="020B0604020202020204" pitchFamily="34" charset="0"/>
-              </a:rPr>
-              <a:t> </a:t>
-            </a:r>
-            <a:r>
-              <a:rPr lang="en-GB" b="1" dirty="0" err="1" smtClean="0">
-                <a:solidFill>
-                  <a:schemeClr val="tx1">
-                    <a:lumMod val="50000"/>
-                    <a:lumOff val="50000"/>
-                  </a:schemeClr>
-                </a:solidFill>
-                <a:latin typeface="+mj-lt"/>
-                <a:cs typeface="Arial" panose="020B0604020202020204" pitchFamily="34" charset="0"/>
-              </a:rPr>
-              <a:t>ada</a:t>
-            </a:r>
-            <a:endParaRPr lang="en-GB" b="1" dirty="0" smtClean="0">
-              <a:solidFill>
-                <a:schemeClr val="tx1">
-                  <a:lumMod val="50000"/>
-                  <a:lumOff val="50000"/>
-                </a:schemeClr>
-              </a:solidFill>
-              <a:latin typeface="+mj-lt"/>
-              <a:cs typeface="Arial" panose="020B0604020202020204" pitchFamily="34" charset="0"/>
-            </a:endParaRPr>
-          </a:p>
-          <a:p>
-            <a:r>
               <a:rPr lang="en-GB" b="1" dirty="0">
                 <a:solidFill>
                   <a:schemeClr val="tx1">
@@ -30847,57 +29244,19 @@
                 <a:latin typeface="+mj-lt"/>
                 <a:cs typeface="Arial" panose="020B0604020202020204" pitchFamily="34" charset="0"/>
               </a:rPr>
-              <a:t>c</a:t>
-            </a:r>
-            <a:r>
-              <a:rPr lang="en-GB" b="1" dirty="0" smtClean="0">
+              <a:t>cd ~/</a:t>
+            </a:r>
+            <a:r>
+              <a:rPr lang="en-US" b="1" dirty="0">
                 <a:solidFill>
                   <a:schemeClr val="tx1">
                     <a:lumMod val="50000"/>
                     <a:lumOff val="50000"/>
                   </a:schemeClr>
                 </a:solidFill>
-                <a:latin typeface="+mj-lt"/>
-                <a:cs typeface="Arial" panose="020B0604020202020204" pitchFamily="34" charset="0"/>
-              </a:rPr>
-              <a:t>d ~/</a:t>
-            </a:r>
-            <a:r>
-              <a:rPr lang="en-US" b="1" dirty="0" smtClean="0">
-                <a:solidFill>
-                  <a:schemeClr val="tx1">
-                    <a:lumMod val="50000"/>
-                    <a:lumOff val="50000"/>
-                  </a:schemeClr>
-                </a:solidFill>
                 <a:cs typeface="Arial" panose="020B0604020202020204" pitchFamily="34" charset="0"/>
               </a:rPr>
               <a:t>LIFE4137-HPC_practice</a:t>
-            </a:r>
-            <a:endParaRPr lang="en-GB" b="1" dirty="0" smtClean="0">
-              <a:solidFill>
-                <a:schemeClr val="tx1">
-                  <a:lumMod val="50000"/>
-                  <a:lumOff val="50000"/>
-                </a:schemeClr>
-              </a:solidFill>
-              <a:latin typeface="+mj-lt"/>
-              <a:cs typeface="Arial" panose="020B0604020202020204" pitchFamily="34" charset="0"/>
-            </a:endParaRPr>
-          </a:p>
-          <a:p>
-            <a:r>
-              <a:rPr lang="en-GB" b="1" dirty="0" smtClean="0">
-                <a:solidFill>
-                  <a:schemeClr val="tx1">
-                    <a:lumMod val="50000"/>
-                    <a:lumOff val="50000"/>
-                  </a:schemeClr>
-                </a:solidFill>
-                <a:latin typeface="+mj-lt"/>
-                <a:cs typeface="Arial" panose="020B0604020202020204" pitchFamily="34" charset="0"/>
-              </a:rPr>
-              <a:t>ls</a:t>
             </a:r>
             <a:endParaRPr lang="en-GB" b="1" dirty="0">
               <a:solidFill>
@@ -30910,6 +29269,21 @@
               <a:cs typeface="Arial" panose="020B0604020202020204" pitchFamily="34" charset="0"/>
             </a:endParaRPr>
           </a:p>
+          <a:p>
+            <a:r>
+              <a:rPr lang="en-GB" b="1" dirty="0">
+                <a:solidFill>
+                  <a:schemeClr val="tx1">
+                    <a:lumMod val="50000"/>
+                    <a:lumOff val="50000"/>
+                  </a:schemeClr>
+                </a:solidFill>
+                <a:latin typeface="+mj-lt"/>
+                <a:cs typeface="Arial" panose="020B0604020202020204" pitchFamily="34" charset="0"/>
+              </a:rPr>
+              <a:t>ls</a:t>
+            </a:r>
+          </a:p>
         </p:txBody>
       </p:sp>
     </p:spTree>
@@ -30922,13 +29296,6 @@
   <p:clrMapOvr>
     <a:masterClrMapping/>
   </p:clrMapOvr>
-  <p:timing>
-    <p:tnLst>
-      <p:par>
-        <p:cTn id="1" dur="indefinite" restart="never" nodeType="tmRoot"/>
-      </p:par>
-    </p:tnLst>
-  </p:timing>
 </p:sld>
 </file>
 
@@ -31477,7 +29844,7 @@
           <a:p>
             <a:pPr algn="l"/>
             <a:r>
-              <a:rPr lang="en-GB" b="1" i="0" dirty="0" err="1" smtClean="0">
+              <a:rPr lang="en-GB" b="1" i="0" dirty="0" err="1">
                 <a:solidFill>
                   <a:srgbClr val="323130"/>
                 </a:solidFill>
@@ -31491,7 +29858,7 @@
               <a:t>Slurm</a:t>
             </a:r>
             <a:r>
-              <a:rPr lang="en-GB" b="1" i="0" dirty="0" smtClean="0">
+              <a:rPr lang="en-GB" b="1" i="0" dirty="0">
                 <a:solidFill>
                   <a:srgbClr val="323130"/>
                 </a:solidFill>
@@ -31555,15 +29922,7 @@
                 <a:cs typeface="Arial" panose="020B0604020202020204" pitchFamily="34" charset="0"/>
                 <a:hlinkClick r:id="rId8"/>
               </a:rPr>
-              <a:t>https://</a:t>
-            </a:r>
-            <a:r>
-              <a:rPr lang="en-US" sz="1800" dirty="0" smtClean="0">
-                <a:latin typeface="Arial" panose="020B0604020202020204" pitchFamily="34" charset="0"/>
-                <a:cs typeface="Arial" panose="020B0604020202020204" pitchFamily="34" charset="0"/>
-                <a:hlinkClick r:id="rId8"/>
-              </a:rPr>
-              <a:t>slurm.schedmd.com/documentation.html</a:t>
+              <a:t>https://slurm.schedmd.com/documentation.html</a:t>
             </a:r>
             <a:endParaRPr lang="en-US" sz="1800" dirty="0">
               <a:latin typeface="Arial" panose="020B0604020202020204" pitchFamily="34" charset="0"/>
@@ -31629,13 +29988,6 @@
   <p:clrMapOvr>
     <a:masterClrMapping/>
   </p:clrMapOvr>
-  <p:timing>
-    <p:tnLst>
-      <p:par>
-        <p:cTn id="1" dur="indefinite" restart="never" nodeType="tmRoot"/>
-      </p:par>
-    </p:tnLst>
-  </p:timing>
 </p:sld>
 </file>
 
@@ -31998,21 +30350,6 @@
   <p:clrMapOvr>
     <a:masterClrMapping/>
   </p:clrMapOvr>
-  <mc:AlternateContent xmlns:mc="http://schemas.openxmlformats.org/markup-compatibility/2006">
-    <mc:Choice xmlns:p14="http://schemas.microsoft.com/office/powerpoint/2010/main" Requires="p14">
-      <p:transition spd="slow" p14:dur="2000"/>
-    </mc:Choice>
-    <mc:Fallback>
-      <p:transition spd="slow"/>
-    </mc:Fallback>
-  </mc:AlternateContent>
-  <p:timing>
-    <p:tnLst>
-      <p:par>
-        <p:cTn id="1" dur="indefinite" restart="never" nodeType="tmRoot"/>
-      </p:par>
-    </p:tnLst>
-  </p:timing>
 </p:sld>
 </file>
 
@@ -32367,13 +30704,6 @@
   <p:clrMapOvr>
     <a:masterClrMapping/>
   </p:clrMapOvr>
-  <p:timing>
-    <p:tnLst>
-      <p:par>
-        <p:cTn id="1" dur="indefinite" restart="never" nodeType="tmRoot"/>
-      </p:par>
-    </p:tnLst>
-  </p:timing>
 </p:sld>
 </file>
 
@@ -34503,13 +32833,6 @@
   <p:clrMapOvr>
     <a:masterClrMapping/>
   </p:clrMapOvr>
-  <p:timing>
-    <p:tnLst>
-      <p:par>
-        <p:cTn id="1" dur="indefinite" restart="never" nodeType="tmRoot"/>
-      </p:par>
-    </p:tnLst>
-  </p:timing>
 </p:sld>
 </file>
 
@@ -34983,21 +33306,6 @@
   <p:clrMapOvr>
     <a:masterClrMapping/>
   </p:clrMapOvr>
-  <mc:AlternateContent xmlns:mc="http://schemas.openxmlformats.org/markup-compatibility/2006">
-    <mc:Choice xmlns:p14="http://schemas.microsoft.com/office/powerpoint/2010/main" Requires="p14">
-      <p:transition spd="slow" p14:dur="2000"/>
-    </mc:Choice>
-    <mc:Fallback>
-      <p:transition spd="slow"/>
-    </mc:Fallback>
-  </mc:AlternateContent>
-  <p:timing>
-    <p:tnLst>
-      <p:par>
-        <p:cTn id="1" dur="indefinite" restart="never" nodeType="tmRoot"/>
-      </p:par>
-    </p:tnLst>
-  </p:timing>
 </p:sld>
 </file>
 
@@ -35103,17 +33411,7 @@
                 <a:latin typeface="Arial" panose="020B0604020202020204" pitchFamily="34" charset="0"/>
                 <a:cs typeface="Arial" panose="020B0604020202020204" pitchFamily="34" charset="0"/>
               </a:rPr>
-              <a:t>ssh keys link your device to the HPC and remove the need for a password when logging </a:t>
-            </a:r>
-            <a:r>
-              <a:rPr lang="en-US" dirty="0" smtClean="0">
-                <a:solidFill>
-                  <a:schemeClr val="accent5"/>
-                </a:solidFill>
-                <a:latin typeface="Arial" panose="020B0604020202020204" pitchFamily="34" charset="0"/>
-                <a:cs typeface="Arial" panose="020B0604020202020204" pitchFamily="34" charset="0"/>
-              </a:rPr>
-              <a:t>in</a:t>
+              <a:t>ssh keys link your device to the HPC and remove the need for a password when logging in</a:t>
             </a:r>
           </a:p>
           <a:p>
@@ -35143,14 +33441,7 @@
                 <a:latin typeface="Arial" panose="020B0604020202020204" pitchFamily="34" charset="0"/>
                 <a:cs typeface="Arial" panose="020B0604020202020204" pitchFamily="34" charset="0"/>
               </a:rPr>
-              <a:t>Open Ubuntu (windows) or terminal (mac</a:t>
-            </a:r>
-            <a:r>
-              <a:rPr lang="en-US" dirty="0" smtClean="0">
-                <a:latin typeface="Arial" panose="020B0604020202020204" pitchFamily="34" charset="0"/>
-                <a:cs typeface="Arial" panose="020B0604020202020204" pitchFamily="34" charset="0"/>
-              </a:rPr>
-              <a:t>)</a:t>
+              <a:t>Open Ubuntu (windows) or terminal (mac)</a:t>
             </a:r>
           </a:p>
           <a:p>
@@ -35200,14 +33491,7 @@
                 <a:latin typeface="+mj-lt"/>
                 <a:cs typeface="Arial" panose="020B0604020202020204" pitchFamily="34" charset="0"/>
               </a:rPr>
-              <a:t>cd </a:t>
-            </a:r>
-            <a:r>
-              <a:rPr lang="en-US" dirty="0" smtClean="0">
-                <a:latin typeface="+mj-lt"/>
-                <a:cs typeface="Arial" panose="020B0604020202020204" pitchFamily="34" charset="0"/>
-              </a:rPr>
-              <a:t>~</a:t>
+              <a:t>cd ~</a:t>
             </a:r>
           </a:p>
           <a:p>
@@ -35234,14 +33518,7 @@
                 <a:latin typeface="Arial" panose="020B0604020202020204" pitchFamily="34" charset="0"/>
                 <a:cs typeface="Arial" panose="020B0604020202020204" pitchFamily="34" charset="0"/>
               </a:rPr>
-              <a:t>Generate an ssh key pair using the following </a:t>
-            </a:r>
-            <a:r>
-              <a:rPr lang="en-US" dirty="0" smtClean="0">
-                <a:latin typeface="Arial" panose="020B0604020202020204" pitchFamily="34" charset="0"/>
-                <a:cs typeface="Arial" panose="020B0604020202020204" pitchFamily="34" charset="0"/>
-              </a:rPr>
-              <a:t>command:</a:t>
+              <a:t>Generate an ssh key pair using the following command:</a:t>
             </a:r>
           </a:p>
           <a:p>
@@ -35251,7 +33528,7 @@
               </a:lnSpc>
             </a:pPr>
             <a:r>
-              <a:rPr lang="en-US" dirty="0" smtClean="0">
+              <a:rPr lang="en-US" dirty="0">
                 <a:latin typeface="Arial" panose="020B0604020202020204" pitchFamily="34" charset="0"/>
                 <a:cs typeface="Arial" panose="020B0604020202020204" pitchFamily="34" charset="0"/>
               </a:rPr>
@@ -35271,16 +33548,12 @@
               <a:t>when it suggests a default name / location for the keys, press enter to accept this, press enter each time it asks for client secret to leave the password for the keys blank</a:t>
             </a:r>
             <a:r>
-              <a:rPr lang="en-US" dirty="0" smtClean="0">
+              <a:rPr lang="en-US" dirty="0">
                 <a:latin typeface="Arial" panose="020B0604020202020204" pitchFamily="34" charset="0"/>
                 <a:cs typeface="Arial" panose="020B0604020202020204" pitchFamily="34" charset="0"/>
               </a:rPr>
               <a:t>)</a:t>
             </a:r>
-            <a:endParaRPr lang="en-US" dirty="0">
-              <a:latin typeface="Arial" panose="020B0604020202020204" pitchFamily="34" charset="0"/>
-              <a:cs typeface="Arial" panose="020B0604020202020204" pitchFamily="34" charset="0"/>
-            </a:endParaRPr>
           </a:p>
           <a:p>
             <a:pPr>
@@ -35296,13 +33569,13 @@
               <a:t>	</a:t>
             </a:r>
             <a:r>
-              <a:rPr lang="en-US" dirty="0" err="1" smtClean="0">
+              <a:rPr lang="en-US" dirty="0" err="1">
                 <a:latin typeface="+mj-lt"/>
                 <a:cs typeface="Arial" panose="020B0604020202020204" pitchFamily="34" charset="0"/>
               </a:rPr>
               <a:t>ssh-keygen</a:t>
             </a:r>
-            <a:endParaRPr lang="en-US" dirty="0" smtClean="0">
+            <a:endParaRPr lang="en-US" dirty="0">
               <a:latin typeface="+mj-lt"/>
               <a:cs typeface="Arial" panose="020B0604020202020204" pitchFamily="34" charset="0"/>
             </a:endParaRPr>
@@ -35329,52 +33602,24 @@
                 <a:latin typeface="Arial" panose="020B0604020202020204" pitchFamily="34" charset="0"/>
                 <a:cs typeface="Arial" panose="020B0604020202020204" pitchFamily="34" charset="0"/>
               </a:rPr>
-              <a:t>This will create a private and public key </a:t>
-            </a:r>
-            <a:r>
-              <a:rPr lang="en-US" dirty="0" smtClean="0">
+              <a:t>This will create a private and public key pair, usually called </a:t>
+            </a:r>
+            <a:r>
+              <a:rPr lang="en-US" dirty="0" err="1">
                 <a:latin typeface="Arial" panose="020B0604020202020204" pitchFamily="34" charset="0"/>
                 <a:cs typeface="Arial" panose="020B0604020202020204" pitchFamily="34" charset="0"/>
               </a:rPr>
-              <a:t>pair, usually </a:t>
+              <a:t>id_rsa</a:t>
             </a:r>
             <a:r>
               <a:rPr lang="en-US" dirty="0">
                 <a:latin typeface="Arial" panose="020B0604020202020204" pitchFamily="34" charset="0"/>
                 <a:cs typeface="Arial" panose="020B0604020202020204" pitchFamily="34" charset="0"/>
               </a:rPr>
-              <a:t>called </a:t>
+              <a:t> and id_rsa.pub in the hidden directory ~/.</a:t>
             </a:r>
             <a:r>
               <a:rPr lang="en-US" dirty="0" err="1">
-                <a:latin typeface="Arial" panose="020B0604020202020204" pitchFamily="34" charset="0"/>
-                <a:cs typeface="Arial" panose="020B0604020202020204" pitchFamily="34" charset="0"/>
-              </a:rPr>
-              <a:t>id_rsa</a:t>
-            </a:r>
-            <a:r>
-              <a:rPr lang="en-US" dirty="0">
-                <a:latin typeface="Arial" panose="020B0604020202020204" pitchFamily="34" charset="0"/>
-                <a:cs typeface="Arial" panose="020B0604020202020204" pitchFamily="34" charset="0"/>
-              </a:rPr>
-              <a:t> and id_rsa.pub in the </a:t>
-            </a:r>
-            <a:r>
-              <a:rPr lang="en-US" dirty="0" smtClean="0">
-                <a:latin typeface="Arial" panose="020B0604020202020204" pitchFamily="34" charset="0"/>
-                <a:cs typeface="Arial" panose="020B0604020202020204" pitchFamily="34" charset="0"/>
-              </a:rPr>
-              <a:t>hidden directory </a:t>
-            </a:r>
-            <a:r>
-              <a:rPr lang="en-US" dirty="0">
-                <a:latin typeface="Arial" panose="020B0604020202020204" pitchFamily="34" charset="0"/>
-                <a:cs typeface="Arial" panose="020B0604020202020204" pitchFamily="34" charset="0"/>
-              </a:rPr>
-              <a:t>~/.</a:t>
-            </a:r>
-            <a:r>
-              <a:rPr lang="en-US" dirty="0" err="1" smtClean="0">
                 <a:latin typeface="Arial" panose="020B0604020202020204" pitchFamily="34" charset="0"/>
                 <a:cs typeface="Arial" panose="020B0604020202020204" pitchFamily="34" charset="0"/>
               </a:rPr>
@@ -35405,7 +33650,7 @@
           <a:blip r:embed="rId3">
             <a:extLst>
               <a:ext uri="{96DAC541-7B7A-43D3-8B79-37D633B846F1}">
-                <asvg:svgBlip xmlns:asvg="http://schemas.microsoft.com/office/drawing/2016/SVG/main" xmlns="" r:embed="rId4"/>
+                <asvg:svgBlip xmlns:asvg="http://schemas.microsoft.com/office/drawing/2016/SVG/main" r:embed="rId4"/>
               </a:ext>
             </a:extLst>
           </a:blip>
@@ -35441,7 +33686,7 @@
           <a:blip r:embed="rId3">
             <a:extLst>
               <a:ext uri="{96DAC541-7B7A-43D3-8B79-37D633B846F1}">
-                <asvg:svgBlip xmlns:asvg="http://schemas.microsoft.com/office/drawing/2016/SVG/main" xmlns="" r:embed="rId4"/>
+                <asvg:svgBlip xmlns:asvg="http://schemas.microsoft.com/office/drawing/2016/SVG/main" r:embed="rId4"/>
               </a:ext>
             </a:extLst>
           </a:blip>
@@ -35469,14 +33714,6 @@
   <p:clrMapOvr>
     <a:masterClrMapping/>
   </p:clrMapOvr>
-  <mc:AlternateContent xmlns:mc="http://schemas.openxmlformats.org/markup-compatibility/2006">
-    <mc:Choice xmlns:p14="http://schemas.microsoft.com/office/powerpoint/2010/main" Requires="p14">
-      <p:transition spd="slow" p14:dur="2000"/>
-    </mc:Choice>
-    <mc:Fallback>
-      <p:transition spd="slow"/>
-    </mc:Fallback>
-  </mc:AlternateContent>
 </p:sld>
 </file>
 
@@ -35577,25 +33814,11 @@
               <a:buAutoNum type="arabicPeriod" startAt="4"/>
             </a:pPr>
             <a:r>
-              <a:rPr lang="en-US" sz="2000" dirty="0" smtClean="0">
-                <a:latin typeface="Arial" panose="020B0604020202020204" pitchFamily="34" charset="0"/>
-                <a:cs typeface="Arial" panose="020B0604020202020204" pitchFamily="34" charset="0"/>
-              </a:rPr>
-              <a:t>Copy </a:t>
-            </a:r>
-            <a:r>
               <a:rPr lang="en-US" sz="2000" dirty="0">
                 <a:latin typeface="Arial" panose="020B0604020202020204" pitchFamily="34" charset="0"/>
                 <a:cs typeface="Arial" panose="020B0604020202020204" pitchFamily="34" charset="0"/>
               </a:rPr>
-              <a:t>the public key to Ada using the following </a:t>
-            </a:r>
-            <a:r>
-              <a:rPr lang="en-US" sz="2000" dirty="0" smtClean="0">
-                <a:latin typeface="Arial" panose="020B0604020202020204" pitchFamily="34" charset="0"/>
-                <a:cs typeface="Arial" panose="020B0604020202020204" pitchFamily="34" charset="0"/>
-              </a:rPr>
-              <a:t>command:</a:t>
+              <a:t>Copy the public key to Ada using the following command:</a:t>
             </a:r>
           </a:p>
           <a:p>
@@ -35605,7 +33828,7 @@
               </a:lnSpc>
             </a:pPr>
             <a:r>
-              <a:rPr lang="en-US" sz="2000" dirty="0" smtClean="0">
+              <a:rPr lang="en-US" sz="2000" dirty="0">
                 <a:latin typeface="Arial" panose="020B0604020202020204" pitchFamily="34" charset="0"/>
                 <a:cs typeface="Arial" panose="020B0604020202020204" pitchFamily="34" charset="0"/>
               </a:rPr>
@@ -35625,16 +33848,12 @@
               <a:t>you will be prompted to enter your password for Ada to copy the key</a:t>
             </a:r>
             <a:r>
-              <a:rPr lang="en-US" sz="2000" dirty="0" smtClean="0">
+              <a:rPr lang="en-US" sz="2000" dirty="0">
                 <a:latin typeface="Arial" panose="020B0604020202020204" pitchFamily="34" charset="0"/>
                 <a:cs typeface="Arial" panose="020B0604020202020204" pitchFamily="34" charset="0"/>
               </a:rPr>
               <a:t>)</a:t>
             </a:r>
-            <a:endParaRPr lang="en-US" sz="2000" dirty="0">
-              <a:latin typeface="Arial" panose="020B0604020202020204" pitchFamily="34" charset="0"/>
-              <a:cs typeface="Arial" panose="020B0604020202020204" pitchFamily="34" charset="0"/>
-            </a:endParaRPr>
           </a:p>
           <a:p>
             <a:pPr>
@@ -35664,7 +33883,7 @@
               <a:t>-copy-id </a:t>
             </a:r>
             <a:r>
-              <a:rPr lang="en-US" sz="2000" dirty="0" smtClean="0">
+              <a:rPr lang="en-US" sz="2000" dirty="0">
                 <a:solidFill>
                   <a:schemeClr val="accent6">
                     <a:lumMod val="75000"/>
@@ -35676,7 +33895,7 @@
               <a:t>username</a:t>
             </a:r>
             <a:r>
-              <a:rPr lang="en-US" sz="2000" dirty="0" smtClean="0">
+              <a:rPr lang="en-US" sz="2000" dirty="0">
                 <a:latin typeface="+mj-lt"/>
                 <a:cs typeface="Arial" panose="020B0604020202020204" pitchFamily="34" charset="0"/>
               </a:rPr>
@@ -35707,21 +33926,7 @@
                 <a:latin typeface="Arial" panose="020B0604020202020204" pitchFamily="34" charset="0"/>
                 <a:cs typeface="Arial" panose="020B0604020202020204" pitchFamily="34" charset="0"/>
               </a:rPr>
-              <a:t>Now try </a:t>
-            </a:r>
-            <a:r>
-              <a:rPr lang="en-US" sz="2000" dirty="0" smtClean="0">
-                <a:latin typeface="Arial" panose="020B0604020202020204" pitchFamily="34" charset="0"/>
-                <a:cs typeface="Arial" panose="020B0604020202020204" pitchFamily="34" charset="0"/>
-              </a:rPr>
-              <a:t>login </a:t>
-            </a:r>
-            <a:r>
-              <a:rPr lang="en-US" sz="2000" dirty="0">
-                <a:latin typeface="Arial" panose="020B0604020202020204" pitchFamily="34" charset="0"/>
-                <a:cs typeface="Arial" panose="020B0604020202020204" pitchFamily="34" charset="0"/>
-              </a:rPr>
-              <a:t>again and you should be able to get in without typing your password:</a:t>
+              <a:t>Now try login again and you should be able to get in without typing your password:</a:t>
             </a:r>
           </a:p>
           <a:p>
@@ -35795,7 +34000,7 @@
           <a:blip r:embed="rId3">
             <a:extLst>
               <a:ext uri="{96DAC541-7B7A-43D3-8B79-37D633B846F1}">
-                <asvg:svgBlip xmlns:asvg="http://schemas.microsoft.com/office/drawing/2016/SVG/main" xmlns="" r:embed="rId4"/>
+                <asvg:svgBlip xmlns:asvg="http://schemas.microsoft.com/office/drawing/2016/SVG/main" r:embed="rId4"/>
               </a:ext>
             </a:extLst>
           </a:blip>
@@ -35831,7 +34036,7 @@
           <a:blip r:embed="rId3">
             <a:extLst>
               <a:ext uri="{96DAC541-7B7A-43D3-8B79-37D633B846F1}">
-                <asvg:svgBlip xmlns:asvg="http://schemas.microsoft.com/office/drawing/2016/SVG/main" xmlns="" r:embed="rId4"/>
+                <asvg:svgBlip xmlns:asvg="http://schemas.microsoft.com/office/drawing/2016/SVG/main" r:embed="rId4"/>
               </a:ext>
             </a:extLst>
           </a:blip>
@@ -35859,14 +34064,6 @@
   <p:clrMapOvr>
     <a:masterClrMapping/>
   </p:clrMapOvr>
-  <mc:AlternateContent xmlns:mc="http://schemas.openxmlformats.org/markup-compatibility/2006">
-    <mc:Choice xmlns:p14="http://schemas.microsoft.com/office/powerpoint/2010/main" Requires="p14">
-      <p:transition spd="slow" p14:dur="2000"/>
-    </mc:Choice>
-    <mc:Fallback>
-      <p:transition spd="slow"/>
-    </mc:Fallback>
-  </mc:AlternateContent>
 </p:sld>
 </file>
 
